--- a/static/images/git-dvc/git_dvc_merge.pptx
+++ b/static/images/git-dvc/git_dvc_merge.pptx
@@ -293,7 +293,7 @@
           <a:p>
             <a:fld id="{B5CA565D-B2B5-478A-B2C3-113F166969BB}" type="datetimeFigureOut">
               <a:rPr kumimoji="1" lang="ja-JP" altLang="en-US" smtClean="0"/>
-              <a:t>2015/12/30</a:t>
+              <a:t>2016/4/17</a:t>
             </a:fld>
             <a:endParaRPr kumimoji="1" lang="ja-JP" altLang="en-US"/>
           </a:p>
@@ -495,7 +495,7 @@
           <a:p>
             <a:fld id="{B5CA565D-B2B5-478A-B2C3-113F166969BB}" type="datetimeFigureOut">
               <a:rPr kumimoji="1" lang="ja-JP" altLang="en-US" smtClean="0"/>
-              <a:t>2015/12/30</a:t>
+              <a:t>2016/4/17</a:t>
             </a:fld>
             <a:endParaRPr kumimoji="1" lang="ja-JP" altLang="en-US"/>
           </a:p>
@@ -707,7 +707,7 @@
           <a:p>
             <a:fld id="{B5CA565D-B2B5-478A-B2C3-113F166969BB}" type="datetimeFigureOut">
               <a:rPr kumimoji="1" lang="ja-JP" altLang="en-US" smtClean="0"/>
-              <a:t>2015/12/30</a:t>
+              <a:t>2016/4/17</a:t>
             </a:fld>
             <a:endParaRPr kumimoji="1" lang="ja-JP" altLang="en-US"/>
           </a:p>
@@ -909,7 +909,7 @@
           <a:p>
             <a:fld id="{B5CA565D-B2B5-478A-B2C3-113F166969BB}" type="datetimeFigureOut">
               <a:rPr kumimoji="1" lang="ja-JP" altLang="en-US" smtClean="0"/>
-              <a:t>2015/12/30</a:t>
+              <a:t>2016/4/17</a:t>
             </a:fld>
             <a:endParaRPr kumimoji="1" lang="ja-JP" altLang="en-US"/>
           </a:p>
@@ -1155,7 +1155,7 @@
           <a:p>
             <a:fld id="{B5CA565D-B2B5-478A-B2C3-113F166969BB}" type="datetimeFigureOut">
               <a:rPr kumimoji="1" lang="ja-JP" altLang="en-US" smtClean="0"/>
-              <a:t>2015/12/30</a:t>
+              <a:t>2016/4/17</a:t>
             </a:fld>
             <a:endParaRPr kumimoji="1" lang="ja-JP" altLang="en-US"/>
           </a:p>
@@ -1507,7 +1507,7 @@
           <a:p>
             <a:fld id="{B5CA565D-B2B5-478A-B2C3-113F166969BB}" type="datetimeFigureOut">
               <a:rPr kumimoji="1" lang="ja-JP" altLang="en-US" smtClean="0"/>
-              <a:t>2015/12/30</a:t>
+              <a:t>2016/4/17</a:t>
             </a:fld>
             <a:endParaRPr kumimoji="1" lang="ja-JP" altLang="en-US"/>
           </a:p>
@@ -1993,7 +1993,7 @@
           <a:p>
             <a:fld id="{B5CA565D-B2B5-478A-B2C3-113F166969BB}" type="datetimeFigureOut">
               <a:rPr kumimoji="1" lang="ja-JP" altLang="en-US" smtClean="0"/>
-              <a:t>2015/12/30</a:t>
+              <a:t>2016/4/17</a:t>
             </a:fld>
             <a:endParaRPr kumimoji="1" lang="ja-JP" altLang="en-US"/>
           </a:p>
@@ -2111,7 +2111,7 @@
           <a:p>
             <a:fld id="{B5CA565D-B2B5-478A-B2C3-113F166969BB}" type="datetimeFigureOut">
               <a:rPr kumimoji="1" lang="ja-JP" altLang="en-US" smtClean="0"/>
-              <a:t>2015/12/30</a:t>
+              <a:t>2016/4/17</a:t>
             </a:fld>
             <a:endParaRPr kumimoji="1" lang="ja-JP" altLang="en-US"/>
           </a:p>
@@ -2206,7 +2206,7 @@
           <a:p>
             <a:fld id="{B5CA565D-B2B5-478A-B2C3-113F166969BB}" type="datetimeFigureOut">
               <a:rPr kumimoji="1" lang="ja-JP" altLang="en-US" smtClean="0"/>
-              <a:t>2015/12/30</a:t>
+              <a:t>2016/4/17</a:t>
             </a:fld>
             <a:endParaRPr kumimoji="1" lang="ja-JP" altLang="en-US"/>
           </a:p>
@@ -2515,7 +2515,7 @@
           <a:p>
             <a:fld id="{B5CA565D-B2B5-478A-B2C3-113F166969BB}" type="datetimeFigureOut">
               <a:rPr kumimoji="1" lang="ja-JP" altLang="en-US" smtClean="0"/>
-              <a:t>2015/12/30</a:t>
+              <a:t>2016/4/17</a:t>
             </a:fld>
             <a:endParaRPr kumimoji="1" lang="ja-JP" altLang="en-US"/>
           </a:p>
@@ -2768,7 +2768,7 @@
           <a:p>
             <a:fld id="{B5CA565D-B2B5-478A-B2C3-113F166969BB}" type="datetimeFigureOut">
               <a:rPr kumimoji="1" lang="ja-JP" altLang="en-US" smtClean="0"/>
-              <a:t>2015/12/30</a:t>
+              <a:t>2016/4/17</a:t>
             </a:fld>
             <a:endParaRPr kumimoji="1" lang="ja-JP" altLang="en-US"/>
           </a:p>
@@ -3013,7 +3013,7 @@
           <a:p>
             <a:fld id="{B5CA565D-B2B5-478A-B2C3-113F166969BB}" type="datetimeFigureOut">
               <a:rPr kumimoji="1" lang="ja-JP" altLang="en-US" smtClean="0"/>
-              <a:t>2015/12/30</a:t>
+              <a:t>2016/4/17</a:t>
             </a:fld>
             <a:endParaRPr kumimoji="1" lang="ja-JP" altLang="en-US"/>
           </a:p>
@@ -3390,77 +3390,294 @@
       </p:grpSpPr>
       <p:sp>
         <p:nvSpPr>
-          <p:cNvPr id="37" name="テキスト ボックス 36"/>
-          <p:cNvSpPr txBox="1"/>
+          <p:cNvPr id="11" name="角丸四角形吹き出し 70"/>
+          <p:cNvSpPr/>
           <p:nvPr/>
         </p:nvSpPr>
         <p:spPr>
           <a:xfrm>
-            <a:off x="267552" y="201414"/>
-            <a:ext cx="8624928" cy="646331"/>
-          </a:xfrm>
-          <a:prstGeom prst="rect">
-            <a:avLst/>
-          </a:prstGeom>
-          <a:noFill/>
-        </p:spPr>
-        <p:txBody>
-          <a:bodyPr wrap="square" rtlCol="0">
-            <a:spAutoFit/>
-          </a:bodyPr>
-          <a:lstStyle/>
-          <a:p>
-            <a:r>
-              <a:rPr lang="ja-JP" altLang="en-US" dirty="0"/>
-              <a:t>初期</a:t>
-            </a:r>
-            <a:r>
-              <a:rPr lang="ja-JP" altLang="en-US" dirty="0" smtClean="0"/>
-              <a:t>状態。</a:t>
-            </a:r>
-            <a:endParaRPr lang="en-US" altLang="ja-JP" dirty="0" smtClean="0"/>
-          </a:p>
-          <a:p>
-            <a:r>
-              <a:rPr lang="ja-JP" altLang="en-US" dirty="0"/>
-              <a:t>リモートレポジトリに</a:t>
-            </a:r>
-            <a:r>
-              <a:rPr lang="ja-JP" altLang="en-US" dirty="0" smtClean="0"/>
-              <a:t>は</a:t>
-            </a:r>
-            <a:r>
-              <a:rPr lang="en-US" altLang="ja-JP" dirty="0" smtClean="0"/>
-              <a:t>master</a:t>
-            </a:r>
-            <a:r>
-              <a:rPr lang="ja-JP" altLang="en-US" dirty="0" smtClean="0"/>
-              <a:t>ブランチだけがある。</a:t>
-            </a:r>
-            <a:endParaRPr lang="en-US" altLang="ja-JP" dirty="0" smtClean="0"/>
-          </a:p>
-        </p:txBody>
-      </p:sp>
-      <p:sp>
-        <p:nvSpPr>
-          <p:cNvPr id="30" name="正方形/長方形 29"/>
-          <p:cNvSpPr/>
-          <p:nvPr/>
-        </p:nvSpPr>
-        <p:spPr>
-          <a:xfrm>
-            <a:off x="395536" y="1453305"/>
-            <a:ext cx="8352928" cy="2515717"/>
-          </a:xfrm>
-          <a:prstGeom prst="rect">
-            <a:avLst/>
-          </a:prstGeom>
-          <a:noFill/>
+            <a:off x="203401" y="123901"/>
+            <a:ext cx="8737200" cy="1433282"/>
+          </a:xfrm>
+          <a:custGeom>
+            <a:avLst/>
+            <a:gdLst>
+              <a:gd name="connsiteX0" fmla="*/ 0 w 8541658"/>
+              <a:gd name="connsiteY0" fmla="*/ 214817 h 1288876"/>
+              <a:gd name="connsiteX1" fmla="*/ 214817 w 8541658"/>
+              <a:gd name="connsiteY1" fmla="*/ 0 h 1288876"/>
+              <a:gd name="connsiteX2" fmla="*/ 1423610 w 8541658"/>
+              <a:gd name="connsiteY2" fmla="*/ 0 h 1288876"/>
+              <a:gd name="connsiteX3" fmla="*/ 1423610 w 8541658"/>
+              <a:gd name="connsiteY3" fmla="*/ 0 h 1288876"/>
+              <a:gd name="connsiteX4" fmla="*/ 3559024 w 8541658"/>
+              <a:gd name="connsiteY4" fmla="*/ 0 h 1288876"/>
+              <a:gd name="connsiteX5" fmla="*/ 8326841 w 8541658"/>
+              <a:gd name="connsiteY5" fmla="*/ 0 h 1288876"/>
+              <a:gd name="connsiteX6" fmla="*/ 8541658 w 8541658"/>
+              <a:gd name="connsiteY6" fmla="*/ 214817 h 1288876"/>
+              <a:gd name="connsiteX7" fmla="*/ 8541658 w 8541658"/>
+              <a:gd name="connsiteY7" fmla="*/ 751844 h 1288876"/>
+              <a:gd name="connsiteX8" fmla="*/ 8541658 w 8541658"/>
+              <a:gd name="connsiteY8" fmla="*/ 751844 h 1288876"/>
+              <a:gd name="connsiteX9" fmla="*/ 8541658 w 8541658"/>
+              <a:gd name="connsiteY9" fmla="*/ 1074063 h 1288876"/>
+              <a:gd name="connsiteX10" fmla="*/ 8541658 w 8541658"/>
+              <a:gd name="connsiteY10" fmla="*/ 1074059 h 1288876"/>
+              <a:gd name="connsiteX11" fmla="*/ 8326841 w 8541658"/>
+              <a:gd name="connsiteY11" fmla="*/ 1288876 h 1288876"/>
+              <a:gd name="connsiteX12" fmla="*/ 3559024 w 8541658"/>
+              <a:gd name="connsiteY12" fmla="*/ 1288876 h 1288876"/>
+              <a:gd name="connsiteX13" fmla="*/ 2230227 w 8541658"/>
+              <a:gd name="connsiteY13" fmla="*/ 1471381 h 1288876"/>
+              <a:gd name="connsiteX14" fmla="*/ 1423610 w 8541658"/>
+              <a:gd name="connsiteY14" fmla="*/ 1288876 h 1288876"/>
+              <a:gd name="connsiteX15" fmla="*/ 214817 w 8541658"/>
+              <a:gd name="connsiteY15" fmla="*/ 1288876 h 1288876"/>
+              <a:gd name="connsiteX16" fmla="*/ 0 w 8541658"/>
+              <a:gd name="connsiteY16" fmla="*/ 1074059 h 1288876"/>
+              <a:gd name="connsiteX17" fmla="*/ 0 w 8541658"/>
+              <a:gd name="connsiteY17" fmla="*/ 1074063 h 1288876"/>
+              <a:gd name="connsiteX18" fmla="*/ 0 w 8541658"/>
+              <a:gd name="connsiteY18" fmla="*/ 751844 h 1288876"/>
+              <a:gd name="connsiteX19" fmla="*/ 0 w 8541658"/>
+              <a:gd name="connsiteY19" fmla="*/ 751844 h 1288876"/>
+              <a:gd name="connsiteX20" fmla="*/ 0 w 8541658"/>
+              <a:gd name="connsiteY20" fmla="*/ 214817 h 1288876"/>
+              <a:gd name="connsiteX0" fmla="*/ 0 w 8541658"/>
+              <a:gd name="connsiteY0" fmla="*/ 214817 h 1471381"/>
+              <a:gd name="connsiteX1" fmla="*/ 214817 w 8541658"/>
+              <a:gd name="connsiteY1" fmla="*/ 0 h 1471381"/>
+              <a:gd name="connsiteX2" fmla="*/ 1423610 w 8541658"/>
+              <a:gd name="connsiteY2" fmla="*/ 0 h 1471381"/>
+              <a:gd name="connsiteX3" fmla="*/ 1423610 w 8541658"/>
+              <a:gd name="connsiteY3" fmla="*/ 0 h 1471381"/>
+              <a:gd name="connsiteX4" fmla="*/ 3559024 w 8541658"/>
+              <a:gd name="connsiteY4" fmla="*/ 0 h 1471381"/>
+              <a:gd name="connsiteX5" fmla="*/ 8326841 w 8541658"/>
+              <a:gd name="connsiteY5" fmla="*/ 0 h 1471381"/>
+              <a:gd name="connsiteX6" fmla="*/ 8541658 w 8541658"/>
+              <a:gd name="connsiteY6" fmla="*/ 214817 h 1471381"/>
+              <a:gd name="connsiteX7" fmla="*/ 8541658 w 8541658"/>
+              <a:gd name="connsiteY7" fmla="*/ 751844 h 1471381"/>
+              <a:gd name="connsiteX8" fmla="*/ 8541658 w 8541658"/>
+              <a:gd name="connsiteY8" fmla="*/ 751844 h 1471381"/>
+              <a:gd name="connsiteX9" fmla="*/ 8541658 w 8541658"/>
+              <a:gd name="connsiteY9" fmla="*/ 1074063 h 1471381"/>
+              <a:gd name="connsiteX10" fmla="*/ 8541658 w 8541658"/>
+              <a:gd name="connsiteY10" fmla="*/ 1074059 h 1471381"/>
+              <a:gd name="connsiteX11" fmla="*/ 8326841 w 8541658"/>
+              <a:gd name="connsiteY11" fmla="*/ 1288876 h 1471381"/>
+              <a:gd name="connsiteX12" fmla="*/ 1852144 w 8541658"/>
+              <a:gd name="connsiteY12" fmla="*/ 1288876 h 1471381"/>
+              <a:gd name="connsiteX13" fmla="*/ 2230227 w 8541658"/>
+              <a:gd name="connsiteY13" fmla="*/ 1471381 h 1471381"/>
+              <a:gd name="connsiteX14" fmla="*/ 1423610 w 8541658"/>
+              <a:gd name="connsiteY14" fmla="*/ 1288876 h 1471381"/>
+              <a:gd name="connsiteX15" fmla="*/ 214817 w 8541658"/>
+              <a:gd name="connsiteY15" fmla="*/ 1288876 h 1471381"/>
+              <a:gd name="connsiteX16" fmla="*/ 0 w 8541658"/>
+              <a:gd name="connsiteY16" fmla="*/ 1074059 h 1471381"/>
+              <a:gd name="connsiteX17" fmla="*/ 0 w 8541658"/>
+              <a:gd name="connsiteY17" fmla="*/ 1074063 h 1471381"/>
+              <a:gd name="connsiteX18" fmla="*/ 0 w 8541658"/>
+              <a:gd name="connsiteY18" fmla="*/ 751844 h 1471381"/>
+              <a:gd name="connsiteX19" fmla="*/ 0 w 8541658"/>
+              <a:gd name="connsiteY19" fmla="*/ 751844 h 1471381"/>
+              <a:gd name="connsiteX20" fmla="*/ 0 w 8541658"/>
+              <a:gd name="connsiteY20" fmla="*/ 214817 h 1471381"/>
+              <a:gd name="connsiteX0" fmla="*/ 0 w 8541658"/>
+              <a:gd name="connsiteY0" fmla="*/ 214817 h 1433281"/>
+              <a:gd name="connsiteX1" fmla="*/ 214817 w 8541658"/>
+              <a:gd name="connsiteY1" fmla="*/ 0 h 1433281"/>
+              <a:gd name="connsiteX2" fmla="*/ 1423610 w 8541658"/>
+              <a:gd name="connsiteY2" fmla="*/ 0 h 1433281"/>
+              <a:gd name="connsiteX3" fmla="*/ 1423610 w 8541658"/>
+              <a:gd name="connsiteY3" fmla="*/ 0 h 1433281"/>
+              <a:gd name="connsiteX4" fmla="*/ 3559024 w 8541658"/>
+              <a:gd name="connsiteY4" fmla="*/ 0 h 1433281"/>
+              <a:gd name="connsiteX5" fmla="*/ 8326841 w 8541658"/>
+              <a:gd name="connsiteY5" fmla="*/ 0 h 1433281"/>
+              <a:gd name="connsiteX6" fmla="*/ 8541658 w 8541658"/>
+              <a:gd name="connsiteY6" fmla="*/ 214817 h 1433281"/>
+              <a:gd name="connsiteX7" fmla="*/ 8541658 w 8541658"/>
+              <a:gd name="connsiteY7" fmla="*/ 751844 h 1433281"/>
+              <a:gd name="connsiteX8" fmla="*/ 8541658 w 8541658"/>
+              <a:gd name="connsiteY8" fmla="*/ 751844 h 1433281"/>
+              <a:gd name="connsiteX9" fmla="*/ 8541658 w 8541658"/>
+              <a:gd name="connsiteY9" fmla="*/ 1074063 h 1433281"/>
+              <a:gd name="connsiteX10" fmla="*/ 8541658 w 8541658"/>
+              <a:gd name="connsiteY10" fmla="*/ 1074059 h 1433281"/>
+              <a:gd name="connsiteX11" fmla="*/ 8326841 w 8541658"/>
+              <a:gd name="connsiteY11" fmla="*/ 1288876 h 1433281"/>
+              <a:gd name="connsiteX12" fmla="*/ 1852144 w 8541658"/>
+              <a:gd name="connsiteY12" fmla="*/ 1288876 h 1433281"/>
+              <a:gd name="connsiteX13" fmla="*/ 1864467 w 8541658"/>
+              <a:gd name="connsiteY13" fmla="*/ 1433281 h 1433281"/>
+              <a:gd name="connsiteX14" fmla="*/ 1423610 w 8541658"/>
+              <a:gd name="connsiteY14" fmla="*/ 1288876 h 1433281"/>
+              <a:gd name="connsiteX15" fmla="*/ 214817 w 8541658"/>
+              <a:gd name="connsiteY15" fmla="*/ 1288876 h 1433281"/>
+              <a:gd name="connsiteX16" fmla="*/ 0 w 8541658"/>
+              <a:gd name="connsiteY16" fmla="*/ 1074059 h 1433281"/>
+              <a:gd name="connsiteX17" fmla="*/ 0 w 8541658"/>
+              <a:gd name="connsiteY17" fmla="*/ 1074063 h 1433281"/>
+              <a:gd name="connsiteX18" fmla="*/ 0 w 8541658"/>
+              <a:gd name="connsiteY18" fmla="*/ 751844 h 1433281"/>
+              <a:gd name="connsiteX19" fmla="*/ 0 w 8541658"/>
+              <a:gd name="connsiteY19" fmla="*/ 751844 h 1433281"/>
+              <a:gd name="connsiteX20" fmla="*/ 0 w 8541658"/>
+              <a:gd name="connsiteY20" fmla="*/ 214817 h 1433281"/>
+            </a:gdLst>
+            <a:ahLst/>
+            <a:cxnLst>
+              <a:cxn ang="0">
+                <a:pos x="connsiteX0" y="connsiteY0"/>
+              </a:cxn>
+              <a:cxn ang="0">
+                <a:pos x="connsiteX1" y="connsiteY1"/>
+              </a:cxn>
+              <a:cxn ang="0">
+                <a:pos x="connsiteX2" y="connsiteY2"/>
+              </a:cxn>
+              <a:cxn ang="0">
+                <a:pos x="connsiteX3" y="connsiteY3"/>
+              </a:cxn>
+              <a:cxn ang="0">
+                <a:pos x="connsiteX4" y="connsiteY4"/>
+              </a:cxn>
+              <a:cxn ang="0">
+                <a:pos x="connsiteX5" y="connsiteY5"/>
+              </a:cxn>
+              <a:cxn ang="0">
+                <a:pos x="connsiteX6" y="connsiteY6"/>
+              </a:cxn>
+              <a:cxn ang="0">
+                <a:pos x="connsiteX7" y="connsiteY7"/>
+              </a:cxn>
+              <a:cxn ang="0">
+                <a:pos x="connsiteX8" y="connsiteY8"/>
+              </a:cxn>
+              <a:cxn ang="0">
+                <a:pos x="connsiteX9" y="connsiteY9"/>
+              </a:cxn>
+              <a:cxn ang="0">
+                <a:pos x="connsiteX10" y="connsiteY10"/>
+              </a:cxn>
+              <a:cxn ang="0">
+                <a:pos x="connsiteX11" y="connsiteY11"/>
+              </a:cxn>
+              <a:cxn ang="0">
+                <a:pos x="connsiteX12" y="connsiteY12"/>
+              </a:cxn>
+              <a:cxn ang="0">
+                <a:pos x="connsiteX13" y="connsiteY13"/>
+              </a:cxn>
+              <a:cxn ang="0">
+                <a:pos x="connsiteX14" y="connsiteY14"/>
+              </a:cxn>
+              <a:cxn ang="0">
+                <a:pos x="connsiteX15" y="connsiteY15"/>
+              </a:cxn>
+              <a:cxn ang="0">
+                <a:pos x="connsiteX16" y="connsiteY16"/>
+              </a:cxn>
+              <a:cxn ang="0">
+                <a:pos x="connsiteX17" y="connsiteY17"/>
+              </a:cxn>
+              <a:cxn ang="0">
+                <a:pos x="connsiteX18" y="connsiteY18"/>
+              </a:cxn>
+              <a:cxn ang="0">
+                <a:pos x="connsiteX19" y="connsiteY19"/>
+              </a:cxn>
+              <a:cxn ang="0">
+                <a:pos x="connsiteX20" y="connsiteY20"/>
+              </a:cxn>
+            </a:cxnLst>
+            <a:rect l="l" t="t" r="r" b="b"/>
+            <a:pathLst>
+              <a:path w="8541658" h="1433281">
+                <a:moveTo>
+                  <a:pt x="0" y="214817"/>
+                </a:moveTo>
+                <a:cubicBezTo>
+                  <a:pt x="0" y="96177"/>
+                  <a:pt x="96177" y="0"/>
+                  <a:pt x="214817" y="0"/>
+                </a:cubicBezTo>
+                <a:lnTo>
+                  <a:pt x="1423610" y="0"/>
+                </a:lnTo>
+                <a:lnTo>
+                  <a:pt x="1423610" y="0"/>
+                </a:lnTo>
+                <a:lnTo>
+                  <a:pt x="3559024" y="0"/>
+                </a:lnTo>
+                <a:lnTo>
+                  <a:pt x="8326841" y="0"/>
+                </a:lnTo>
+                <a:cubicBezTo>
+                  <a:pt x="8445481" y="0"/>
+                  <a:pt x="8541658" y="96177"/>
+                  <a:pt x="8541658" y="214817"/>
+                </a:cubicBezTo>
+                <a:lnTo>
+                  <a:pt x="8541658" y="751844"/>
+                </a:lnTo>
+                <a:lnTo>
+                  <a:pt x="8541658" y="751844"/>
+                </a:lnTo>
+                <a:lnTo>
+                  <a:pt x="8541658" y="1074063"/>
+                </a:lnTo>
+                <a:lnTo>
+                  <a:pt x="8541658" y="1074059"/>
+                </a:lnTo>
+                <a:cubicBezTo>
+                  <a:pt x="8541658" y="1192699"/>
+                  <a:pt x="8445481" y="1288876"/>
+                  <a:pt x="8326841" y="1288876"/>
+                </a:cubicBezTo>
+                <a:lnTo>
+                  <a:pt x="1852144" y="1288876"/>
+                </a:lnTo>
+                <a:lnTo>
+                  <a:pt x="1864467" y="1433281"/>
+                </a:lnTo>
+                <a:lnTo>
+                  <a:pt x="1423610" y="1288876"/>
+                </a:lnTo>
+                <a:lnTo>
+                  <a:pt x="214817" y="1288876"/>
+                </a:lnTo>
+                <a:cubicBezTo>
+                  <a:pt x="96177" y="1288876"/>
+                  <a:pt x="0" y="1192699"/>
+                  <a:pt x="0" y="1074059"/>
+                </a:cubicBezTo>
+                <a:lnTo>
+                  <a:pt x="0" y="1074063"/>
+                </a:lnTo>
+                <a:lnTo>
+                  <a:pt x="0" y="751844"/>
+                </a:lnTo>
+                <a:lnTo>
+                  <a:pt x="0" y="751844"/>
+                </a:lnTo>
+                <a:lnTo>
+                  <a:pt x="0" y="214817"/>
+                </a:lnTo>
+                <a:close/>
+              </a:path>
+            </a:pathLst>
+          </a:custGeom>
+          <a:solidFill>
+            <a:srgbClr val="03C924"/>
+          </a:solidFill>
           <a:ln>
-            <a:solidFill>
-              <a:schemeClr val="tx1"/>
-            </a:solidFill>
-            <a:prstDash val="sysDash"/>
+            <a:noFill/>
           </a:ln>
         </p:spPr>
         <p:style>
@@ -3480,39 +3697,139 @@
           </a:fontRef>
         </p:style>
         <p:txBody>
+          <a:bodyPr lIns="143983" tIns="143983" rIns="143983" bIns="0" rtlCol="0" anchor="ctr"/>
+          <a:lstStyle/>
+          <a:p>
+            <a:r>
+              <a:rPr lang="ja-JP" altLang="en-US" b="1" dirty="0">
+                <a:ea typeface="ＭＳ ゴシック" panose="020B0609070205080204" pitchFamily="49" charset="-128"/>
+              </a:rPr>
+              <a:t>初期状態。</a:t>
+            </a:r>
+          </a:p>
+          <a:p>
+            <a:r>
+              <a:rPr lang="ja-JP" altLang="en-US" b="1" dirty="0" smtClean="0">
+                <a:ea typeface="ＭＳ ゴシック" panose="020B0609070205080204" pitchFamily="49" charset="-128"/>
+              </a:rPr>
+              <a:t>リモートリポジトリには </a:t>
+            </a:r>
+            <a:r>
+              <a:rPr lang="en-US" altLang="ja-JP" b="1" dirty="0" smtClean="0">
+                <a:ea typeface="ＭＳ ゴシック" panose="020B0609070205080204" pitchFamily="49" charset="-128"/>
+              </a:rPr>
+              <a:t>master</a:t>
+            </a:r>
+            <a:r>
+              <a:rPr lang="ja-JP" altLang="en-US" b="1" dirty="0" smtClean="0">
+                <a:ea typeface="ＭＳ ゴシック" panose="020B0609070205080204" pitchFamily="49" charset="-128"/>
+              </a:rPr>
+              <a:t> ブランチ</a:t>
+            </a:r>
+            <a:r>
+              <a:rPr lang="ja-JP" altLang="en-US" b="1" dirty="0">
+                <a:ea typeface="ＭＳ ゴシック" panose="020B0609070205080204" pitchFamily="49" charset="-128"/>
+              </a:rPr>
+              <a:t>だけがある</a:t>
+            </a:r>
+            <a:r>
+              <a:rPr lang="ja-JP" altLang="en-US" b="1" dirty="0" smtClean="0">
+                <a:ea typeface="ＭＳ ゴシック" panose="020B0609070205080204" pitchFamily="49" charset="-128"/>
+              </a:rPr>
+              <a:t>。</a:t>
+            </a:r>
+            <a:endParaRPr lang="en-US" altLang="ja-JP" b="1" dirty="0" smtClean="0">
+              <a:ea typeface="ＭＳ ゴシック" panose="020B0609070205080204" pitchFamily="49" charset="-128"/>
+            </a:endParaRPr>
+          </a:p>
+          <a:p>
+            <a:endParaRPr lang="ja-JP" altLang="en-US" b="1" dirty="0">
+              <a:ea typeface="ＭＳ ゴシック" panose="020B0609070205080204" pitchFamily="49" charset="-128"/>
+            </a:endParaRPr>
+          </a:p>
+        </p:txBody>
+      </p:sp>
+      <p:sp>
+        <p:nvSpPr>
+          <p:cNvPr id="12" name="正方形/長方形 11"/>
+          <p:cNvSpPr/>
+          <p:nvPr/>
+        </p:nvSpPr>
+        <p:spPr>
+          <a:xfrm>
+            <a:off x="395536" y="1633363"/>
+            <a:ext cx="8352928" cy="2515717"/>
+          </a:xfrm>
+          <a:prstGeom prst="rect">
+            <a:avLst/>
+          </a:prstGeom>
+          <a:solidFill>
+            <a:srgbClr val="F7A021"/>
+          </a:solidFill>
+          <a:ln>
+            <a:noFill/>
+          </a:ln>
+        </p:spPr>
+        <p:style>
+          <a:lnRef idx="2">
+            <a:schemeClr val="accent5">
+              <a:shade val="50000"/>
+            </a:schemeClr>
+          </a:lnRef>
+          <a:fillRef idx="1">
+            <a:schemeClr val="accent5"/>
+          </a:fillRef>
+          <a:effectRef idx="0">
+            <a:schemeClr val="accent5"/>
+          </a:effectRef>
+          <a:fontRef idx="minor">
+            <a:schemeClr val="lt1"/>
+          </a:fontRef>
+        </p:style>
+        <p:txBody>
           <a:bodyPr rtlCol="0" anchor="t" anchorCtr="0"/>
           <a:lstStyle/>
           <a:p>
             <a:r>
-              <a:rPr lang="ja-JP" altLang="en-US" sz="1600" dirty="0" smtClean="0">
+              <a:rPr lang="ja-JP" altLang="en-US" b="1" dirty="0">
                 <a:solidFill>
-                  <a:schemeClr val="tx1"/>
+                  <a:schemeClr val="bg1"/>
                 </a:solidFill>
+                <a:latin typeface="ＭＳ ゴシック" panose="020B0609070205080204" pitchFamily="49" charset="-128"/>
+                <a:ea typeface="ＭＳ ゴシック" panose="020B0609070205080204" pitchFamily="49" charset="-128"/>
               </a:rPr>
-              <a:t>リモートレポジトリ</a:t>
-            </a:r>
-            <a:endParaRPr kumimoji="1" lang="ja-JP" altLang="en-US" sz="1600" dirty="0">
+              <a:t>リモートリポジトリ</a:t>
+            </a:r>
+            <a:endParaRPr lang="ja-JP" altLang="en-US" b="1" dirty="0">
               <a:solidFill>
-                <a:schemeClr val="tx1"/>
+                <a:schemeClr val="bg1"/>
               </a:solidFill>
+              <a:latin typeface="ＭＳ ゴシック" panose="020B0609070205080204" pitchFamily="49" charset="-128"/>
+              <a:ea typeface="ＭＳ ゴシック" panose="020B0609070205080204" pitchFamily="49" charset="-128"/>
             </a:endParaRPr>
           </a:p>
         </p:txBody>
       </p:sp>
       <p:sp>
         <p:nvSpPr>
-          <p:cNvPr id="50" name="円/楕円 49"/>
+          <p:cNvPr id="13" name="円/楕円 12"/>
           <p:cNvSpPr/>
           <p:nvPr/>
         </p:nvSpPr>
         <p:spPr>
           <a:xfrm>
-            <a:off x="1556932" y="2045569"/>
+            <a:off x="1556932" y="2225627"/>
             <a:ext cx="540000" cy="540000"/>
           </a:xfrm>
           <a:prstGeom prst="ellipse">
             <a:avLst/>
           </a:prstGeom>
+          <a:solidFill>
+            <a:srgbClr val="FF0066"/>
+          </a:solidFill>
+          <a:ln>
+            <a:noFill/>
+          </a:ln>
         </p:spPr>
         <p:style>
           <a:lnRef idx="2">
@@ -3531,40 +3848,40 @@
           </a:fontRef>
         </p:style>
         <p:txBody>
-          <a:bodyPr rtlCol="0" anchor="ctr"/>
-          <a:lstStyle/>
-          <a:p>
-            <a:pPr algn="ctr"/>
-            <a:r>
-              <a:rPr kumimoji="1" lang="en-US" altLang="ja-JP" dirty="0" smtClean="0"/>
+          <a:bodyPr lIns="91429" tIns="45715" rIns="91429" bIns="45715" rtlCol="0" anchor="ctr"/>
+          <a:lstStyle/>
+          <a:p>
+            <a:pPr algn="ctr" defTabSz="914295"/>
+            <a:r>
+              <a:rPr lang="en-US" altLang="ja-JP" dirty="0"/>
               <a:t>A</a:t>
             </a:r>
-            <a:endParaRPr kumimoji="1" lang="ja-JP" altLang="en-US" dirty="0"/>
+            <a:endParaRPr lang="ja-JP" altLang="en-US" dirty="0"/>
           </a:p>
         </p:txBody>
       </p:sp>
       <p:cxnSp>
         <p:nvCxnSpPr>
-          <p:cNvPr id="51" name="直線矢印コネクタ 50"/>
+          <p:cNvPr id="14" name="直線矢印コネクタ 13"/>
           <p:cNvCxnSpPr>
-            <a:stCxn id="52" idx="2"/>
-            <a:endCxn id="50" idx="6"/>
+            <a:stCxn id="15" idx="2"/>
+            <a:endCxn id="13" idx="6"/>
           </p:cNvCxnSpPr>
           <p:nvPr/>
         </p:nvCxnSpPr>
         <p:spPr>
           <a:xfrm flipH="1">
-            <a:off x="2096932" y="2315569"/>
+            <a:off x="2096932" y="2495627"/>
             <a:ext cx="432168" cy="0"/>
           </a:xfrm>
           <a:prstGeom prst="straightConnector1">
             <a:avLst/>
           </a:prstGeom>
-          <a:ln w="19050">
+          <a:ln w="31750">
             <a:solidFill>
               <a:schemeClr val="tx1"/>
             </a:solidFill>
-            <a:prstDash val="sysDash"/>
+            <a:prstDash val="sysDot"/>
             <a:tailEnd type="triangle" w="lg" len="med"/>
           </a:ln>
         </p:spPr>
@@ -3585,18 +3902,24 @@
       </p:cxnSp>
       <p:sp>
         <p:nvSpPr>
-          <p:cNvPr id="52" name="円/楕円 51"/>
+          <p:cNvPr id="15" name="円/楕円 14"/>
           <p:cNvSpPr/>
           <p:nvPr/>
         </p:nvSpPr>
         <p:spPr>
           <a:xfrm>
-            <a:off x="2529100" y="2045569"/>
+            <a:off x="2529100" y="2225627"/>
             <a:ext cx="540000" cy="540000"/>
           </a:xfrm>
           <a:prstGeom prst="ellipse">
             <a:avLst/>
           </a:prstGeom>
+          <a:solidFill>
+            <a:srgbClr val="FF0066"/>
+          </a:solidFill>
+          <a:ln>
+            <a:noFill/>
+          </a:ln>
         </p:spPr>
         <p:style>
           <a:lnRef idx="2">
@@ -3615,32 +3938,38 @@
           </a:fontRef>
         </p:style>
         <p:txBody>
-          <a:bodyPr rtlCol="0" anchor="ctr"/>
-          <a:lstStyle/>
-          <a:p>
-            <a:pPr algn="ctr"/>
-            <a:r>
-              <a:rPr kumimoji="1" lang="en-US" altLang="ja-JP" dirty="0" smtClean="0"/>
+          <a:bodyPr lIns="91429" tIns="45715" rIns="91429" bIns="45715" rtlCol="0" anchor="ctr"/>
+          <a:lstStyle/>
+          <a:p>
+            <a:pPr algn="ctr" defTabSz="914295"/>
+            <a:r>
+              <a:rPr lang="en-US" altLang="ja-JP" dirty="0"/>
               <a:t>B</a:t>
             </a:r>
-            <a:endParaRPr kumimoji="1" lang="ja-JP" altLang="en-US" dirty="0"/>
-          </a:p>
-        </p:txBody>
-      </p:sp>
-      <p:sp>
-        <p:nvSpPr>
-          <p:cNvPr id="53" name="円/楕円 52"/>
+            <a:endParaRPr lang="ja-JP" altLang="en-US" dirty="0"/>
+          </a:p>
+        </p:txBody>
+      </p:sp>
+      <p:sp>
+        <p:nvSpPr>
+          <p:cNvPr id="16" name="円/楕円 15"/>
           <p:cNvSpPr/>
           <p:nvPr/>
         </p:nvSpPr>
         <p:spPr>
           <a:xfrm>
-            <a:off x="3501268" y="2045569"/>
+            <a:off x="3501268" y="2225627"/>
             <a:ext cx="540000" cy="540000"/>
           </a:xfrm>
           <a:prstGeom prst="ellipse">
             <a:avLst/>
           </a:prstGeom>
+          <a:solidFill>
+            <a:srgbClr val="FF0066"/>
+          </a:solidFill>
+          <a:ln>
+            <a:noFill/>
+          </a:ln>
         </p:spPr>
         <p:style>
           <a:lnRef idx="2">
@@ -3659,40 +3988,40 @@
           </a:fontRef>
         </p:style>
         <p:txBody>
-          <a:bodyPr rtlCol="0" anchor="ctr"/>
-          <a:lstStyle/>
-          <a:p>
-            <a:pPr algn="ctr"/>
-            <a:r>
-              <a:rPr kumimoji="1" lang="en-US" altLang="ja-JP" dirty="0" smtClean="0"/>
+          <a:bodyPr lIns="91429" tIns="45715" rIns="91429" bIns="45715" rtlCol="0" anchor="ctr"/>
+          <a:lstStyle/>
+          <a:p>
+            <a:pPr algn="ctr" defTabSz="914295"/>
+            <a:r>
+              <a:rPr lang="en-US" altLang="ja-JP" dirty="0"/>
               <a:t>C</a:t>
             </a:r>
-            <a:endParaRPr kumimoji="1" lang="ja-JP" altLang="en-US" dirty="0"/>
+            <a:endParaRPr lang="ja-JP" altLang="en-US" dirty="0"/>
           </a:p>
         </p:txBody>
       </p:sp>
       <p:cxnSp>
         <p:nvCxnSpPr>
-          <p:cNvPr id="54" name="直線矢印コネクタ 53"/>
+          <p:cNvPr id="17" name="直線矢印コネクタ 16"/>
           <p:cNvCxnSpPr>
-            <a:stCxn id="53" idx="2"/>
-            <a:endCxn id="52" idx="6"/>
+            <a:stCxn id="16" idx="2"/>
+            <a:endCxn id="15" idx="6"/>
           </p:cNvCxnSpPr>
           <p:nvPr/>
         </p:nvCxnSpPr>
         <p:spPr>
           <a:xfrm flipH="1">
-            <a:off x="3069100" y="2315569"/>
+            <a:off x="3069100" y="2495627"/>
             <a:ext cx="432168" cy="0"/>
           </a:xfrm>
           <a:prstGeom prst="straightConnector1">
             <a:avLst/>
           </a:prstGeom>
-          <a:ln w="19050">
+          <a:ln w="31750">
             <a:solidFill>
               <a:schemeClr val="tx1"/>
             </a:solidFill>
-            <a:prstDash val="sysDash"/>
+            <a:prstDash val="sysDot"/>
             <a:tailEnd type="triangle" w="lg" len="med"/>
           </a:ln>
         </p:spPr>
@@ -3713,25 +4042,25 @@
       </p:cxnSp>
       <p:cxnSp>
         <p:nvCxnSpPr>
-          <p:cNvPr id="57" name="直線矢印コネクタ 56"/>
+          <p:cNvPr id="18" name="直線矢印コネクタ 17"/>
           <p:cNvCxnSpPr>
-            <a:stCxn id="58" idx="1"/>
+            <a:stCxn id="19" idx="1"/>
           </p:cNvCxnSpPr>
           <p:nvPr/>
         </p:nvCxnSpPr>
         <p:spPr>
           <a:xfrm flipH="1">
-            <a:off x="3769009" y="1737864"/>
+            <a:off x="3769009" y="1917922"/>
             <a:ext cx="428406" cy="273420"/>
           </a:xfrm>
           <a:prstGeom prst="straightConnector1">
             <a:avLst/>
           </a:prstGeom>
-          <a:ln w="19050">
+          <a:ln w="31750">
             <a:solidFill>
               <a:schemeClr val="tx1"/>
             </a:solidFill>
-            <a:prstDash val="sysDash"/>
+            <a:prstDash val="sysDot"/>
             <a:tailEnd type="triangle" w="lg" len="med"/>
           </a:ln>
         </p:spPr>
@@ -3752,19 +4081,20 @@
       </p:cxnSp>
       <p:sp>
         <p:nvSpPr>
-          <p:cNvPr id="58" name="正方形/長方形 57"/>
+          <p:cNvPr id="19" name="正方形/長方形 18"/>
           <p:cNvSpPr/>
           <p:nvPr/>
         </p:nvSpPr>
         <p:spPr>
           <a:xfrm>
-            <a:off x="4197415" y="1593848"/>
+            <a:off x="4197415" y="1773906"/>
             <a:ext cx="936044" cy="288032"/>
           </a:xfrm>
           <a:prstGeom prst="rect">
             <a:avLst/>
           </a:prstGeom>
           <a:ln>
+            <a:noFill/>
             <a:prstDash val="sysDash"/>
           </a:ln>
         </p:spPr>
@@ -3785,15 +4115,15 @@
           </a:fontRef>
         </p:style>
         <p:txBody>
-          <a:bodyPr rtlCol="0" anchor="ctr"/>
-          <a:lstStyle/>
-          <a:p>
-            <a:pPr algn="ctr"/>
-            <a:r>
-              <a:rPr kumimoji="1" lang="en-US" altLang="ja-JP" dirty="0" smtClean="0"/>
+          <a:bodyPr lIns="91429" tIns="45715" rIns="91429" bIns="45715" rtlCol="0" anchor="ctr"/>
+          <a:lstStyle/>
+          <a:p>
+            <a:pPr algn="ctr" defTabSz="914295"/>
+            <a:r>
+              <a:rPr lang="en-US" altLang="ja-JP" dirty="0"/>
               <a:t>master</a:t>
             </a:r>
-            <a:endParaRPr kumimoji="1" lang="ja-JP" altLang="en-US" dirty="0"/>
+            <a:endParaRPr lang="ja-JP" altLang="en-US" dirty="0"/>
           </a:p>
         </p:txBody>
       </p:sp>
@@ -3829,18 +4159,85 @@
       </p:grpSpPr>
       <p:sp>
         <p:nvSpPr>
+          <p:cNvPr id="31" name="正方形/長方形 30"/>
+          <p:cNvSpPr/>
+          <p:nvPr/>
+        </p:nvSpPr>
+        <p:spPr>
+          <a:xfrm>
+            <a:off x="395536" y="4260185"/>
+            <a:ext cx="8352928" cy="2508893"/>
+          </a:xfrm>
+          <a:prstGeom prst="rect">
+            <a:avLst/>
+          </a:prstGeom>
+          <a:solidFill>
+            <a:srgbClr val="F8AD3E"/>
+          </a:solidFill>
+          <a:ln>
+            <a:noFill/>
+          </a:ln>
+        </p:spPr>
+        <p:style>
+          <a:lnRef idx="2">
+            <a:schemeClr val="accent5">
+              <a:shade val="50000"/>
+            </a:schemeClr>
+          </a:lnRef>
+          <a:fillRef idx="1">
+            <a:schemeClr val="accent5"/>
+          </a:fillRef>
+          <a:effectRef idx="0">
+            <a:schemeClr val="accent5"/>
+          </a:effectRef>
+          <a:fontRef idx="minor">
+            <a:schemeClr val="lt1"/>
+          </a:fontRef>
+        </p:style>
+        <p:txBody>
+          <a:bodyPr rtlCol="0" anchor="t" anchorCtr="0"/>
+          <a:lstStyle/>
+          <a:p>
+            <a:r>
+              <a:rPr lang="ja-JP" altLang="en-US" b="1" dirty="0">
+                <a:solidFill>
+                  <a:schemeClr val="bg1"/>
+                </a:solidFill>
+                <a:latin typeface="ＭＳ ゴシック" panose="020B0609070205080204" pitchFamily="49" charset="-128"/>
+                <a:ea typeface="ＭＳ ゴシック" panose="020B0609070205080204" pitchFamily="49" charset="-128"/>
+              </a:rPr>
+              <a:t>ローカルリポジトリ</a:t>
+            </a:r>
+            <a:endParaRPr lang="ja-JP" altLang="en-US" b="1" dirty="0">
+              <a:solidFill>
+                <a:schemeClr val="bg1"/>
+              </a:solidFill>
+              <a:latin typeface="ＭＳ ゴシック" panose="020B0609070205080204" pitchFamily="49" charset="-128"/>
+              <a:ea typeface="ＭＳ ゴシック" panose="020B0609070205080204" pitchFamily="49" charset="-128"/>
+            </a:endParaRPr>
+          </a:p>
+        </p:txBody>
+      </p:sp>
+      <p:sp>
+        <p:nvSpPr>
           <p:cNvPr id="21" name="円/楕円 20"/>
           <p:cNvSpPr/>
           <p:nvPr/>
         </p:nvSpPr>
         <p:spPr>
           <a:xfrm>
-            <a:off x="1554987" y="4741592"/>
+            <a:off x="1554987" y="4841310"/>
             <a:ext cx="540000" cy="540000"/>
           </a:xfrm>
           <a:prstGeom prst="ellipse">
             <a:avLst/>
           </a:prstGeom>
+          <a:solidFill>
+            <a:srgbClr val="FF0066"/>
+          </a:solidFill>
+          <a:ln>
+            <a:noFill/>
+          </a:ln>
         </p:spPr>
         <p:style>
           <a:lnRef idx="2">
@@ -3859,15 +4256,15 @@
           </a:fontRef>
         </p:style>
         <p:txBody>
-          <a:bodyPr rtlCol="0" anchor="ctr"/>
-          <a:lstStyle/>
-          <a:p>
-            <a:pPr algn="ctr"/>
-            <a:r>
-              <a:rPr kumimoji="1" lang="en-US" altLang="ja-JP" dirty="0" smtClean="0"/>
+          <a:bodyPr lIns="91429" tIns="45715" rIns="91429" bIns="45715" rtlCol="0" anchor="ctr"/>
+          <a:lstStyle/>
+          <a:p>
+            <a:pPr algn="ctr" defTabSz="914295"/>
+            <a:r>
+              <a:rPr lang="en-US" altLang="ja-JP" dirty="0"/>
               <a:t>A</a:t>
             </a:r>
-            <a:endParaRPr kumimoji="1" lang="ja-JP" altLang="en-US" dirty="0"/>
+            <a:endParaRPr lang="ja-JP" altLang="en-US" dirty="0"/>
           </a:p>
         </p:txBody>
       </p:sp>
@@ -3882,17 +4279,17 @@
         </p:nvCxnSpPr>
         <p:spPr>
           <a:xfrm flipH="1">
-            <a:off x="2094987" y="5011592"/>
+            <a:off x="2094987" y="5111310"/>
             <a:ext cx="432168" cy="0"/>
           </a:xfrm>
           <a:prstGeom prst="straightConnector1">
             <a:avLst/>
           </a:prstGeom>
-          <a:ln w="19050">
+          <a:ln w="31750">
             <a:solidFill>
               <a:schemeClr val="tx1"/>
             </a:solidFill>
-            <a:prstDash val="sysDash"/>
+            <a:prstDash val="sysDot"/>
             <a:tailEnd type="triangle" w="lg" len="med"/>
           </a:ln>
         </p:spPr>
@@ -3919,12 +4316,18 @@
         </p:nvSpPr>
         <p:spPr>
           <a:xfrm>
-            <a:off x="2527155" y="4741592"/>
+            <a:off x="2527155" y="4841310"/>
             <a:ext cx="540000" cy="540000"/>
           </a:xfrm>
           <a:prstGeom prst="ellipse">
             <a:avLst/>
           </a:prstGeom>
+          <a:solidFill>
+            <a:srgbClr val="FF0066"/>
+          </a:solidFill>
+          <a:ln>
+            <a:noFill/>
+          </a:ln>
         </p:spPr>
         <p:style>
           <a:lnRef idx="2">
@@ -3943,15 +4346,15 @@
           </a:fontRef>
         </p:style>
         <p:txBody>
-          <a:bodyPr rtlCol="0" anchor="ctr"/>
-          <a:lstStyle/>
-          <a:p>
-            <a:pPr algn="ctr"/>
-            <a:r>
-              <a:rPr kumimoji="1" lang="en-US" altLang="ja-JP" dirty="0" smtClean="0"/>
+          <a:bodyPr lIns="91429" tIns="45715" rIns="91429" bIns="45715" rtlCol="0" anchor="ctr"/>
+          <a:lstStyle/>
+          <a:p>
+            <a:pPr algn="ctr" defTabSz="914295"/>
+            <a:r>
+              <a:rPr lang="en-US" altLang="ja-JP" dirty="0"/>
               <a:t>B</a:t>
             </a:r>
-            <a:endParaRPr kumimoji="1" lang="ja-JP" altLang="en-US" dirty="0"/>
+            <a:endParaRPr lang="ja-JP" altLang="en-US" dirty="0"/>
           </a:p>
         </p:txBody>
       </p:sp>
@@ -3963,12 +4366,18 @@
         </p:nvSpPr>
         <p:spPr>
           <a:xfrm>
-            <a:off x="3499323" y="4741592"/>
+            <a:off x="3499323" y="4841310"/>
             <a:ext cx="540000" cy="540000"/>
           </a:xfrm>
           <a:prstGeom prst="ellipse">
             <a:avLst/>
           </a:prstGeom>
+          <a:solidFill>
+            <a:srgbClr val="FF0066"/>
+          </a:solidFill>
+          <a:ln>
+            <a:noFill/>
+          </a:ln>
         </p:spPr>
         <p:style>
           <a:lnRef idx="2">
@@ -3987,15 +4396,15 @@
           </a:fontRef>
         </p:style>
         <p:txBody>
-          <a:bodyPr rtlCol="0" anchor="ctr"/>
-          <a:lstStyle/>
-          <a:p>
-            <a:pPr algn="ctr"/>
-            <a:r>
-              <a:rPr kumimoji="1" lang="en-US" altLang="ja-JP" dirty="0" smtClean="0"/>
+          <a:bodyPr lIns="91429" tIns="45715" rIns="91429" bIns="45715" rtlCol="0" anchor="ctr"/>
+          <a:lstStyle/>
+          <a:p>
+            <a:pPr algn="ctr" defTabSz="914295"/>
+            <a:r>
+              <a:rPr lang="en-US" altLang="ja-JP" dirty="0"/>
               <a:t>C</a:t>
             </a:r>
-            <a:endParaRPr kumimoji="1" lang="ja-JP" altLang="en-US" dirty="0"/>
+            <a:endParaRPr lang="ja-JP" altLang="en-US" dirty="0"/>
           </a:p>
         </p:txBody>
       </p:sp>
@@ -4010,17 +4419,17 @@
         </p:nvCxnSpPr>
         <p:spPr>
           <a:xfrm flipH="1">
-            <a:off x="3067155" y="5011592"/>
+            <a:off x="3067155" y="5111310"/>
             <a:ext cx="432168" cy="0"/>
           </a:xfrm>
           <a:prstGeom prst="straightConnector1">
             <a:avLst/>
           </a:prstGeom>
-          <a:ln w="19050">
+          <a:ln w="31750">
             <a:solidFill>
               <a:schemeClr val="tx1"/>
             </a:solidFill>
-            <a:prstDash val="sysDash"/>
+            <a:prstDash val="sysDot"/>
             <a:tailEnd type="triangle" w="lg" len="med"/>
           </a:ln>
         </p:spPr>
@@ -4039,99 +4448,6 @@
           </a:fontRef>
         </p:style>
       </p:cxnSp>
-      <p:sp>
-        <p:nvSpPr>
-          <p:cNvPr id="37" name="テキスト ボックス 36"/>
-          <p:cNvSpPr txBox="1"/>
-          <p:nvPr/>
-        </p:nvSpPr>
-        <p:spPr>
-          <a:xfrm>
-            <a:off x="267552" y="201414"/>
-            <a:ext cx="8624928" cy="923330"/>
-          </a:xfrm>
-          <a:prstGeom prst="rect">
-            <a:avLst/>
-          </a:prstGeom>
-          <a:noFill/>
-        </p:spPr>
-        <p:txBody>
-          <a:bodyPr wrap="square" rtlCol="0">
-            <a:spAutoFit/>
-          </a:bodyPr>
-          <a:lstStyle/>
-          <a:p>
-            <a:r>
-              <a:rPr lang="ja-JP" altLang="en-US" dirty="0" smtClean="0"/>
-              <a:t>「</a:t>
-            </a:r>
-            <a:r>
-              <a:rPr lang="en-US" altLang="ja-JP" dirty="0" err="1" smtClean="0"/>
-              <a:t>git</a:t>
-            </a:r>
-            <a:r>
-              <a:rPr lang="en-US" altLang="ja-JP" dirty="0" smtClean="0"/>
-              <a:t> clone &lt;</a:t>
-            </a:r>
-            <a:r>
-              <a:rPr lang="ja-JP" altLang="en-US" dirty="0" smtClean="0"/>
-              <a:t>リモートレポジトリの</a:t>
-            </a:r>
-            <a:r>
-              <a:rPr lang="en-US" altLang="ja-JP" dirty="0" smtClean="0"/>
-              <a:t>URL&gt;</a:t>
-            </a:r>
-            <a:r>
-              <a:rPr lang="ja-JP" altLang="en-US" dirty="0" smtClean="0"/>
-              <a:t>」を実行した。</a:t>
-            </a:r>
-            <a:endParaRPr lang="en-US" altLang="ja-JP" dirty="0" smtClean="0"/>
-          </a:p>
-          <a:p>
-            <a:r>
-              <a:rPr lang="ja-JP" altLang="en-US" dirty="0" smtClean="0"/>
-              <a:t>クローン</a:t>
-            </a:r>
-            <a:r>
-              <a:rPr lang="en-US" altLang="ja-JP" dirty="0" smtClean="0"/>
-              <a:t>(</a:t>
-            </a:r>
-            <a:r>
-              <a:rPr lang="ja-JP" altLang="en-US" dirty="0" smtClean="0"/>
-              <a:t>ローカルレポジトリ</a:t>
-            </a:r>
-            <a:r>
-              <a:rPr lang="en-US" altLang="ja-JP" dirty="0" smtClean="0"/>
-              <a:t>)</a:t>
-            </a:r>
-            <a:r>
-              <a:rPr lang="ja-JP" altLang="en-US" dirty="0" smtClean="0"/>
-              <a:t>が作成され、リモートレポジトリの</a:t>
-            </a:r>
-            <a:r>
-              <a:rPr lang="en-US" altLang="ja-JP" dirty="0" smtClean="0"/>
-              <a:t>master</a:t>
-            </a:r>
-            <a:r>
-              <a:rPr lang="ja-JP" altLang="en-US" dirty="0" smtClean="0"/>
-              <a:t>ブランチを追跡する</a:t>
-            </a:r>
-            <a:r>
-              <a:rPr lang="en-US" altLang="ja-JP" dirty="0" smtClean="0"/>
-              <a:t>origin/master</a:t>
-            </a:r>
-            <a:r>
-              <a:rPr lang="ja-JP" altLang="en-US" smtClean="0"/>
-              <a:t>ブランチが</a:t>
-            </a:r>
-            <a:r>
-              <a:rPr lang="ja-JP" altLang="en-US" dirty="0" smtClean="0"/>
-              <a:t>作成された。</a:t>
-            </a:r>
-            <a:endParaRPr lang="en-US" altLang="ja-JP" dirty="0"/>
-          </a:p>
-        </p:txBody>
-      </p:sp>
       <p:cxnSp>
         <p:nvCxnSpPr>
           <p:cNvPr id="26" name="直線矢印コネクタ 25"/>
@@ -4142,17 +4458,17 @@
         </p:nvCxnSpPr>
         <p:spPr>
           <a:xfrm flipH="1">
-            <a:off x="3763256" y="4448499"/>
+            <a:off x="3763256" y="4548217"/>
             <a:ext cx="428406" cy="273420"/>
           </a:xfrm>
           <a:prstGeom prst="straightConnector1">
             <a:avLst/>
           </a:prstGeom>
-          <a:ln w="19050">
+          <a:ln w="31750">
             <a:solidFill>
               <a:schemeClr val="tx1"/>
             </a:solidFill>
-            <a:prstDash val="sysDash"/>
+            <a:prstDash val="sysDot"/>
             <a:tailEnd type="triangle" w="lg" len="med"/>
           </a:ln>
         </p:spPr>
@@ -4179,13 +4495,14 @@
         </p:nvSpPr>
         <p:spPr>
           <a:xfrm>
-            <a:off x="4191662" y="4304483"/>
+            <a:off x="4191662" y="4404201"/>
             <a:ext cx="936044" cy="288032"/>
           </a:xfrm>
           <a:prstGeom prst="rect">
             <a:avLst/>
           </a:prstGeom>
           <a:ln>
+            <a:noFill/>
             <a:prstDash val="sysDash"/>
           </a:ln>
         </p:spPr>
@@ -4206,15 +4523,15 @@
           </a:fontRef>
         </p:style>
         <p:txBody>
-          <a:bodyPr rtlCol="0" anchor="ctr"/>
-          <a:lstStyle/>
-          <a:p>
-            <a:pPr algn="ctr"/>
-            <a:r>
-              <a:rPr kumimoji="1" lang="en-US" altLang="ja-JP" dirty="0" smtClean="0"/>
+          <a:bodyPr lIns="91429" tIns="45715" rIns="91429" bIns="45715" rtlCol="0" anchor="ctr"/>
+          <a:lstStyle/>
+          <a:p>
+            <a:pPr algn="ctr" defTabSz="914295"/>
+            <a:r>
+              <a:rPr lang="en-US" altLang="ja-JP" dirty="0"/>
               <a:t>master</a:t>
             </a:r>
-            <a:endParaRPr kumimoji="1" lang="ja-JP" altLang="en-US" dirty="0"/>
+            <a:endParaRPr lang="ja-JP" altLang="en-US" dirty="0"/>
           </a:p>
         </p:txBody>
       </p:sp>
@@ -4228,17 +4545,17 @@
         </p:nvCxnSpPr>
         <p:spPr>
           <a:xfrm flipH="1" flipV="1">
-            <a:off x="3789460" y="5314588"/>
+            <a:off x="3789460" y="5414306"/>
             <a:ext cx="370799" cy="244341"/>
           </a:xfrm>
           <a:prstGeom prst="straightConnector1">
             <a:avLst/>
           </a:prstGeom>
-          <a:ln w="19050">
+          <a:ln w="31750">
             <a:solidFill>
               <a:schemeClr val="tx1"/>
             </a:solidFill>
-            <a:prstDash val="sysDash"/>
+            <a:prstDash val="sysDot"/>
             <a:tailEnd type="triangle" w="lg" len="med"/>
           </a:ln>
         </p:spPr>
@@ -4265,13 +4582,14 @@
         </p:nvSpPr>
         <p:spPr>
           <a:xfrm>
-            <a:off x="4160259" y="5414913"/>
+            <a:off x="4160259" y="5514631"/>
             <a:ext cx="1470393" cy="288032"/>
           </a:xfrm>
           <a:prstGeom prst="rect">
             <a:avLst/>
           </a:prstGeom>
           <a:ln>
+            <a:noFill/>
             <a:prstDash val="sysDash"/>
           </a:ln>
         </p:spPr>
@@ -4292,15 +4610,15 @@
           </a:fontRef>
         </p:style>
         <p:txBody>
-          <a:bodyPr rtlCol="0" anchor="ctr"/>
-          <a:lstStyle/>
-          <a:p>
-            <a:pPr algn="ctr"/>
-            <a:r>
-              <a:rPr lang="en-US" altLang="ja-JP" dirty="0" smtClean="0"/>
+          <a:bodyPr lIns="91429" tIns="45715" rIns="91429" bIns="45715" rtlCol="0" anchor="ctr"/>
+          <a:lstStyle/>
+          <a:p>
+            <a:pPr algn="ctr" defTabSz="914295"/>
+            <a:r>
+              <a:rPr lang="en-US" altLang="ja-JP" dirty="0"/>
               <a:t>origin/master</a:t>
             </a:r>
-            <a:endParaRPr kumimoji="1" lang="ja-JP" altLang="en-US" dirty="0"/>
+            <a:endParaRPr lang="ja-JP" altLang="en-US" dirty="0"/>
           </a:p>
         </p:txBody>
       </p:sp>
@@ -4312,31 +4630,30 @@
         </p:nvSpPr>
         <p:spPr>
           <a:xfrm>
-            <a:off x="395536" y="1453305"/>
+            <a:off x="395536" y="1633363"/>
             <a:ext cx="8352928" cy="2515717"/>
           </a:xfrm>
           <a:prstGeom prst="rect">
             <a:avLst/>
           </a:prstGeom>
-          <a:noFill/>
+          <a:solidFill>
+            <a:srgbClr val="F7A021"/>
+          </a:solidFill>
           <a:ln>
-            <a:solidFill>
-              <a:schemeClr val="tx1"/>
-            </a:solidFill>
-            <a:prstDash val="sysDash"/>
+            <a:noFill/>
           </a:ln>
         </p:spPr>
         <p:style>
           <a:lnRef idx="2">
-            <a:schemeClr val="accent1">
+            <a:schemeClr val="accent5">
               <a:shade val="50000"/>
             </a:schemeClr>
           </a:lnRef>
           <a:fillRef idx="1">
-            <a:schemeClr val="accent1"/>
-          </a:fillRef>
-          <a:effectRef idx="0">
-            <a:schemeClr val="accent1"/>
+            <a:schemeClr val="accent5"/>
+          </a:fillRef>
+          <a:effectRef idx="0">
+            <a:schemeClr val="accent5"/>
           </a:effectRef>
           <a:fontRef idx="minor">
             <a:schemeClr val="lt1"/>
@@ -4347,75 +4664,21 @@
           <a:lstStyle/>
           <a:p>
             <a:r>
-              <a:rPr lang="ja-JP" altLang="en-US" sz="1600" dirty="0" smtClean="0">
+              <a:rPr lang="ja-JP" altLang="en-US" b="1" dirty="0">
                 <a:solidFill>
-                  <a:schemeClr val="tx1"/>
+                  <a:schemeClr val="bg1"/>
                 </a:solidFill>
+                <a:latin typeface="ＭＳ ゴシック" panose="020B0609070205080204" pitchFamily="49" charset="-128"/>
+                <a:ea typeface="ＭＳ ゴシック" panose="020B0609070205080204" pitchFamily="49" charset="-128"/>
               </a:rPr>
-              <a:t>リモートレポジトリ</a:t>
-            </a:r>
-            <a:endParaRPr kumimoji="1" lang="ja-JP" altLang="en-US" sz="1600" dirty="0">
+              <a:t>リモートリポジトリ</a:t>
+            </a:r>
+            <a:endParaRPr lang="ja-JP" altLang="en-US" b="1" dirty="0">
               <a:solidFill>
-                <a:schemeClr val="tx1"/>
+                <a:schemeClr val="bg1"/>
               </a:solidFill>
-            </a:endParaRPr>
-          </a:p>
-        </p:txBody>
-      </p:sp>
-      <p:sp>
-        <p:nvSpPr>
-          <p:cNvPr id="31" name="正方形/長方形 30"/>
-          <p:cNvSpPr/>
-          <p:nvPr/>
-        </p:nvSpPr>
-        <p:spPr>
-          <a:xfrm>
-            <a:off x="395536" y="4160467"/>
-            <a:ext cx="8352928" cy="2508893"/>
-          </a:xfrm>
-          <a:prstGeom prst="rect">
-            <a:avLst/>
-          </a:prstGeom>
-          <a:noFill/>
-          <a:ln>
-            <a:solidFill>
-              <a:schemeClr val="tx1"/>
-            </a:solidFill>
-            <a:prstDash val="sysDash"/>
-          </a:ln>
-        </p:spPr>
-        <p:style>
-          <a:lnRef idx="2">
-            <a:schemeClr val="accent1">
-              <a:shade val="50000"/>
-            </a:schemeClr>
-          </a:lnRef>
-          <a:fillRef idx="1">
-            <a:schemeClr val="accent1"/>
-          </a:fillRef>
-          <a:effectRef idx="0">
-            <a:schemeClr val="accent1"/>
-          </a:effectRef>
-          <a:fontRef idx="minor">
-            <a:schemeClr val="lt1"/>
-          </a:fontRef>
-        </p:style>
-        <p:txBody>
-          <a:bodyPr rtlCol="0" anchor="t" anchorCtr="0"/>
-          <a:lstStyle/>
-          <a:p>
-            <a:r>
-              <a:rPr lang="ja-JP" altLang="en-US" sz="1600" dirty="0" smtClean="0">
-                <a:solidFill>
-                  <a:schemeClr val="tx1"/>
-                </a:solidFill>
-              </a:rPr>
-              <a:t>ローカルレポジトリ</a:t>
-            </a:r>
-            <a:endParaRPr kumimoji="1" lang="ja-JP" altLang="en-US" sz="1600" dirty="0">
-              <a:solidFill>
-                <a:schemeClr val="tx1"/>
-              </a:solidFill>
+              <a:latin typeface="ＭＳ ゴシック" panose="020B0609070205080204" pitchFamily="49" charset="-128"/>
+              <a:ea typeface="ＭＳ ゴシック" panose="020B0609070205080204" pitchFamily="49" charset="-128"/>
             </a:endParaRPr>
           </a:p>
         </p:txBody>
@@ -4428,12 +4691,18 @@
         </p:nvSpPr>
         <p:spPr>
           <a:xfrm>
-            <a:off x="1556932" y="2045569"/>
+            <a:off x="1556932" y="2225627"/>
             <a:ext cx="540000" cy="540000"/>
           </a:xfrm>
           <a:prstGeom prst="ellipse">
             <a:avLst/>
           </a:prstGeom>
+          <a:solidFill>
+            <a:srgbClr val="FF0066"/>
+          </a:solidFill>
+          <a:ln>
+            <a:noFill/>
+          </a:ln>
         </p:spPr>
         <p:style>
           <a:lnRef idx="2">
@@ -4452,15 +4721,15 @@
           </a:fontRef>
         </p:style>
         <p:txBody>
-          <a:bodyPr rtlCol="0" anchor="ctr"/>
-          <a:lstStyle/>
-          <a:p>
-            <a:pPr algn="ctr"/>
-            <a:r>
-              <a:rPr kumimoji="1" lang="en-US" altLang="ja-JP" dirty="0" smtClean="0"/>
+          <a:bodyPr lIns="91429" tIns="45715" rIns="91429" bIns="45715" rtlCol="0" anchor="ctr"/>
+          <a:lstStyle/>
+          <a:p>
+            <a:pPr algn="ctr" defTabSz="914295"/>
+            <a:r>
+              <a:rPr lang="en-US" altLang="ja-JP" dirty="0"/>
               <a:t>A</a:t>
             </a:r>
-            <a:endParaRPr kumimoji="1" lang="ja-JP" altLang="en-US" dirty="0"/>
+            <a:endParaRPr lang="ja-JP" altLang="en-US" dirty="0"/>
           </a:p>
         </p:txBody>
       </p:sp>
@@ -4475,17 +4744,17 @@
         </p:nvCxnSpPr>
         <p:spPr>
           <a:xfrm flipH="1">
-            <a:off x="2096932" y="2315569"/>
+            <a:off x="2096932" y="2495627"/>
             <a:ext cx="432168" cy="0"/>
           </a:xfrm>
           <a:prstGeom prst="straightConnector1">
             <a:avLst/>
           </a:prstGeom>
-          <a:ln w="19050">
+          <a:ln w="31750">
             <a:solidFill>
               <a:schemeClr val="tx1"/>
             </a:solidFill>
-            <a:prstDash val="sysDash"/>
+            <a:prstDash val="sysDot"/>
             <a:tailEnd type="triangle" w="lg" len="med"/>
           </a:ln>
         </p:spPr>
@@ -4512,12 +4781,18 @@
         </p:nvSpPr>
         <p:spPr>
           <a:xfrm>
-            <a:off x="2529100" y="2045569"/>
+            <a:off x="2529100" y="2225627"/>
             <a:ext cx="540000" cy="540000"/>
           </a:xfrm>
           <a:prstGeom prst="ellipse">
             <a:avLst/>
           </a:prstGeom>
+          <a:solidFill>
+            <a:srgbClr val="FF0066"/>
+          </a:solidFill>
+          <a:ln>
+            <a:noFill/>
+          </a:ln>
         </p:spPr>
         <p:style>
           <a:lnRef idx="2">
@@ -4536,15 +4811,15 @@
           </a:fontRef>
         </p:style>
         <p:txBody>
-          <a:bodyPr rtlCol="0" anchor="ctr"/>
-          <a:lstStyle/>
-          <a:p>
-            <a:pPr algn="ctr"/>
-            <a:r>
-              <a:rPr kumimoji="1" lang="en-US" altLang="ja-JP" dirty="0" smtClean="0"/>
+          <a:bodyPr lIns="91429" tIns="45715" rIns="91429" bIns="45715" rtlCol="0" anchor="ctr"/>
+          <a:lstStyle/>
+          <a:p>
+            <a:pPr algn="ctr" defTabSz="914295"/>
+            <a:r>
+              <a:rPr lang="en-US" altLang="ja-JP" dirty="0"/>
               <a:t>B</a:t>
             </a:r>
-            <a:endParaRPr kumimoji="1" lang="ja-JP" altLang="en-US" dirty="0"/>
+            <a:endParaRPr lang="ja-JP" altLang="en-US" dirty="0"/>
           </a:p>
         </p:txBody>
       </p:sp>
@@ -4556,12 +4831,18 @@
         </p:nvSpPr>
         <p:spPr>
           <a:xfrm>
-            <a:off x="3501268" y="2045569"/>
+            <a:off x="3501268" y="2225627"/>
             <a:ext cx="540000" cy="540000"/>
           </a:xfrm>
           <a:prstGeom prst="ellipse">
             <a:avLst/>
           </a:prstGeom>
+          <a:solidFill>
+            <a:srgbClr val="FF0066"/>
+          </a:solidFill>
+          <a:ln>
+            <a:noFill/>
+          </a:ln>
         </p:spPr>
         <p:style>
           <a:lnRef idx="2">
@@ -4580,15 +4861,15 @@
           </a:fontRef>
         </p:style>
         <p:txBody>
-          <a:bodyPr rtlCol="0" anchor="ctr"/>
-          <a:lstStyle/>
-          <a:p>
-            <a:pPr algn="ctr"/>
-            <a:r>
-              <a:rPr kumimoji="1" lang="en-US" altLang="ja-JP" dirty="0" smtClean="0"/>
+          <a:bodyPr lIns="91429" tIns="45715" rIns="91429" bIns="45715" rtlCol="0" anchor="ctr"/>
+          <a:lstStyle/>
+          <a:p>
+            <a:pPr algn="ctr" defTabSz="914295"/>
+            <a:r>
+              <a:rPr lang="en-US" altLang="ja-JP" dirty="0"/>
               <a:t>C</a:t>
             </a:r>
-            <a:endParaRPr kumimoji="1" lang="ja-JP" altLang="en-US" dirty="0"/>
+            <a:endParaRPr lang="ja-JP" altLang="en-US" dirty="0"/>
           </a:p>
         </p:txBody>
       </p:sp>
@@ -4603,17 +4884,17 @@
         </p:nvCxnSpPr>
         <p:spPr>
           <a:xfrm flipH="1">
-            <a:off x="3069100" y="2315569"/>
+            <a:off x="3069100" y="2495627"/>
             <a:ext cx="432168" cy="0"/>
           </a:xfrm>
           <a:prstGeom prst="straightConnector1">
             <a:avLst/>
           </a:prstGeom>
-          <a:ln w="19050">
+          <a:ln w="31750">
             <a:solidFill>
               <a:schemeClr val="tx1"/>
             </a:solidFill>
-            <a:prstDash val="sysDash"/>
+            <a:prstDash val="sysDot"/>
             <a:tailEnd type="triangle" w="lg" len="med"/>
           </a:ln>
         </p:spPr>
@@ -4642,17 +4923,17 @@
         </p:nvCxnSpPr>
         <p:spPr>
           <a:xfrm flipH="1">
-            <a:off x="3769009" y="1737864"/>
+            <a:off x="3769009" y="1917922"/>
             <a:ext cx="428406" cy="273420"/>
           </a:xfrm>
           <a:prstGeom prst="straightConnector1">
             <a:avLst/>
           </a:prstGeom>
-          <a:ln w="19050">
+          <a:ln w="31750">
             <a:solidFill>
               <a:schemeClr val="tx1"/>
             </a:solidFill>
-            <a:prstDash val="sysDash"/>
+            <a:prstDash val="sysDot"/>
             <a:tailEnd type="triangle" w="lg" len="med"/>
           </a:ln>
         </p:spPr>
@@ -4679,13 +4960,14 @@
         </p:nvSpPr>
         <p:spPr>
           <a:xfrm>
-            <a:off x="4197415" y="1593848"/>
+            <a:off x="4197415" y="1773906"/>
             <a:ext cx="936044" cy="288032"/>
           </a:xfrm>
           <a:prstGeom prst="rect">
             <a:avLst/>
           </a:prstGeom>
           <a:ln>
+            <a:noFill/>
             <a:prstDash val="sysDash"/>
           </a:ln>
         </p:spPr>
@@ -4706,15 +4988,480 @@
           </a:fontRef>
         </p:style>
         <p:txBody>
-          <a:bodyPr rtlCol="0" anchor="ctr"/>
-          <a:lstStyle/>
-          <a:p>
-            <a:pPr algn="ctr"/>
-            <a:r>
-              <a:rPr kumimoji="1" lang="en-US" altLang="ja-JP" dirty="0" smtClean="0"/>
+          <a:bodyPr lIns="91429" tIns="45715" rIns="91429" bIns="45715" rtlCol="0" anchor="ctr"/>
+          <a:lstStyle/>
+          <a:p>
+            <a:pPr algn="ctr" defTabSz="914295"/>
+            <a:r>
+              <a:rPr lang="en-US" altLang="ja-JP" dirty="0"/>
               <a:t>master</a:t>
             </a:r>
-            <a:endParaRPr kumimoji="1" lang="ja-JP" altLang="en-US" dirty="0"/>
+            <a:endParaRPr lang="ja-JP" altLang="en-US" dirty="0"/>
+          </a:p>
+        </p:txBody>
+      </p:sp>
+      <p:sp>
+        <p:nvSpPr>
+          <p:cNvPr id="28" name="角丸四角形吹き出し 70"/>
+          <p:cNvSpPr/>
+          <p:nvPr/>
+        </p:nvSpPr>
+        <p:spPr>
+          <a:xfrm>
+            <a:off x="203401" y="123901"/>
+            <a:ext cx="8737200" cy="1433282"/>
+          </a:xfrm>
+          <a:custGeom>
+            <a:avLst/>
+            <a:gdLst>
+              <a:gd name="connsiteX0" fmla="*/ 0 w 8541658"/>
+              <a:gd name="connsiteY0" fmla="*/ 214817 h 1288876"/>
+              <a:gd name="connsiteX1" fmla="*/ 214817 w 8541658"/>
+              <a:gd name="connsiteY1" fmla="*/ 0 h 1288876"/>
+              <a:gd name="connsiteX2" fmla="*/ 1423610 w 8541658"/>
+              <a:gd name="connsiteY2" fmla="*/ 0 h 1288876"/>
+              <a:gd name="connsiteX3" fmla="*/ 1423610 w 8541658"/>
+              <a:gd name="connsiteY3" fmla="*/ 0 h 1288876"/>
+              <a:gd name="connsiteX4" fmla="*/ 3559024 w 8541658"/>
+              <a:gd name="connsiteY4" fmla="*/ 0 h 1288876"/>
+              <a:gd name="connsiteX5" fmla="*/ 8326841 w 8541658"/>
+              <a:gd name="connsiteY5" fmla="*/ 0 h 1288876"/>
+              <a:gd name="connsiteX6" fmla="*/ 8541658 w 8541658"/>
+              <a:gd name="connsiteY6" fmla="*/ 214817 h 1288876"/>
+              <a:gd name="connsiteX7" fmla="*/ 8541658 w 8541658"/>
+              <a:gd name="connsiteY7" fmla="*/ 751844 h 1288876"/>
+              <a:gd name="connsiteX8" fmla="*/ 8541658 w 8541658"/>
+              <a:gd name="connsiteY8" fmla="*/ 751844 h 1288876"/>
+              <a:gd name="connsiteX9" fmla="*/ 8541658 w 8541658"/>
+              <a:gd name="connsiteY9" fmla="*/ 1074063 h 1288876"/>
+              <a:gd name="connsiteX10" fmla="*/ 8541658 w 8541658"/>
+              <a:gd name="connsiteY10" fmla="*/ 1074059 h 1288876"/>
+              <a:gd name="connsiteX11" fmla="*/ 8326841 w 8541658"/>
+              <a:gd name="connsiteY11" fmla="*/ 1288876 h 1288876"/>
+              <a:gd name="connsiteX12" fmla="*/ 3559024 w 8541658"/>
+              <a:gd name="connsiteY12" fmla="*/ 1288876 h 1288876"/>
+              <a:gd name="connsiteX13" fmla="*/ 2230227 w 8541658"/>
+              <a:gd name="connsiteY13" fmla="*/ 1471381 h 1288876"/>
+              <a:gd name="connsiteX14" fmla="*/ 1423610 w 8541658"/>
+              <a:gd name="connsiteY14" fmla="*/ 1288876 h 1288876"/>
+              <a:gd name="connsiteX15" fmla="*/ 214817 w 8541658"/>
+              <a:gd name="connsiteY15" fmla="*/ 1288876 h 1288876"/>
+              <a:gd name="connsiteX16" fmla="*/ 0 w 8541658"/>
+              <a:gd name="connsiteY16" fmla="*/ 1074059 h 1288876"/>
+              <a:gd name="connsiteX17" fmla="*/ 0 w 8541658"/>
+              <a:gd name="connsiteY17" fmla="*/ 1074063 h 1288876"/>
+              <a:gd name="connsiteX18" fmla="*/ 0 w 8541658"/>
+              <a:gd name="connsiteY18" fmla="*/ 751844 h 1288876"/>
+              <a:gd name="connsiteX19" fmla="*/ 0 w 8541658"/>
+              <a:gd name="connsiteY19" fmla="*/ 751844 h 1288876"/>
+              <a:gd name="connsiteX20" fmla="*/ 0 w 8541658"/>
+              <a:gd name="connsiteY20" fmla="*/ 214817 h 1288876"/>
+              <a:gd name="connsiteX0" fmla="*/ 0 w 8541658"/>
+              <a:gd name="connsiteY0" fmla="*/ 214817 h 1471381"/>
+              <a:gd name="connsiteX1" fmla="*/ 214817 w 8541658"/>
+              <a:gd name="connsiteY1" fmla="*/ 0 h 1471381"/>
+              <a:gd name="connsiteX2" fmla="*/ 1423610 w 8541658"/>
+              <a:gd name="connsiteY2" fmla="*/ 0 h 1471381"/>
+              <a:gd name="connsiteX3" fmla="*/ 1423610 w 8541658"/>
+              <a:gd name="connsiteY3" fmla="*/ 0 h 1471381"/>
+              <a:gd name="connsiteX4" fmla="*/ 3559024 w 8541658"/>
+              <a:gd name="connsiteY4" fmla="*/ 0 h 1471381"/>
+              <a:gd name="connsiteX5" fmla="*/ 8326841 w 8541658"/>
+              <a:gd name="connsiteY5" fmla="*/ 0 h 1471381"/>
+              <a:gd name="connsiteX6" fmla="*/ 8541658 w 8541658"/>
+              <a:gd name="connsiteY6" fmla="*/ 214817 h 1471381"/>
+              <a:gd name="connsiteX7" fmla="*/ 8541658 w 8541658"/>
+              <a:gd name="connsiteY7" fmla="*/ 751844 h 1471381"/>
+              <a:gd name="connsiteX8" fmla="*/ 8541658 w 8541658"/>
+              <a:gd name="connsiteY8" fmla="*/ 751844 h 1471381"/>
+              <a:gd name="connsiteX9" fmla="*/ 8541658 w 8541658"/>
+              <a:gd name="connsiteY9" fmla="*/ 1074063 h 1471381"/>
+              <a:gd name="connsiteX10" fmla="*/ 8541658 w 8541658"/>
+              <a:gd name="connsiteY10" fmla="*/ 1074059 h 1471381"/>
+              <a:gd name="connsiteX11" fmla="*/ 8326841 w 8541658"/>
+              <a:gd name="connsiteY11" fmla="*/ 1288876 h 1471381"/>
+              <a:gd name="connsiteX12" fmla="*/ 1852144 w 8541658"/>
+              <a:gd name="connsiteY12" fmla="*/ 1288876 h 1471381"/>
+              <a:gd name="connsiteX13" fmla="*/ 2230227 w 8541658"/>
+              <a:gd name="connsiteY13" fmla="*/ 1471381 h 1471381"/>
+              <a:gd name="connsiteX14" fmla="*/ 1423610 w 8541658"/>
+              <a:gd name="connsiteY14" fmla="*/ 1288876 h 1471381"/>
+              <a:gd name="connsiteX15" fmla="*/ 214817 w 8541658"/>
+              <a:gd name="connsiteY15" fmla="*/ 1288876 h 1471381"/>
+              <a:gd name="connsiteX16" fmla="*/ 0 w 8541658"/>
+              <a:gd name="connsiteY16" fmla="*/ 1074059 h 1471381"/>
+              <a:gd name="connsiteX17" fmla="*/ 0 w 8541658"/>
+              <a:gd name="connsiteY17" fmla="*/ 1074063 h 1471381"/>
+              <a:gd name="connsiteX18" fmla="*/ 0 w 8541658"/>
+              <a:gd name="connsiteY18" fmla="*/ 751844 h 1471381"/>
+              <a:gd name="connsiteX19" fmla="*/ 0 w 8541658"/>
+              <a:gd name="connsiteY19" fmla="*/ 751844 h 1471381"/>
+              <a:gd name="connsiteX20" fmla="*/ 0 w 8541658"/>
+              <a:gd name="connsiteY20" fmla="*/ 214817 h 1471381"/>
+              <a:gd name="connsiteX0" fmla="*/ 0 w 8541658"/>
+              <a:gd name="connsiteY0" fmla="*/ 214817 h 1433281"/>
+              <a:gd name="connsiteX1" fmla="*/ 214817 w 8541658"/>
+              <a:gd name="connsiteY1" fmla="*/ 0 h 1433281"/>
+              <a:gd name="connsiteX2" fmla="*/ 1423610 w 8541658"/>
+              <a:gd name="connsiteY2" fmla="*/ 0 h 1433281"/>
+              <a:gd name="connsiteX3" fmla="*/ 1423610 w 8541658"/>
+              <a:gd name="connsiteY3" fmla="*/ 0 h 1433281"/>
+              <a:gd name="connsiteX4" fmla="*/ 3559024 w 8541658"/>
+              <a:gd name="connsiteY4" fmla="*/ 0 h 1433281"/>
+              <a:gd name="connsiteX5" fmla="*/ 8326841 w 8541658"/>
+              <a:gd name="connsiteY5" fmla="*/ 0 h 1433281"/>
+              <a:gd name="connsiteX6" fmla="*/ 8541658 w 8541658"/>
+              <a:gd name="connsiteY6" fmla="*/ 214817 h 1433281"/>
+              <a:gd name="connsiteX7" fmla="*/ 8541658 w 8541658"/>
+              <a:gd name="connsiteY7" fmla="*/ 751844 h 1433281"/>
+              <a:gd name="connsiteX8" fmla="*/ 8541658 w 8541658"/>
+              <a:gd name="connsiteY8" fmla="*/ 751844 h 1433281"/>
+              <a:gd name="connsiteX9" fmla="*/ 8541658 w 8541658"/>
+              <a:gd name="connsiteY9" fmla="*/ 1074063 h 1433281"/>
+              <a:gd name="connsiteX10" fmla="*/ 8541658 w 8541658"/>
+              <a:gd name="connsiteY10" fmla="*/ 1074059 h 1433281"/>
+              <a:gd name="connsiteX11" fmla="*/ 8326841 w 8541658"/>
+              <a:gd name="connsiteY11" fmla="*/ 1288876 h 1433281"/>
+              <a:gd name="connsiteX12" fmla="*/ 1852144 w 8541658"/>
+              <a:gd name="connsiteY12" fmla="*/ 1288876 h 1433281"/>
+              <a:gd name="connsiteX13" fmla="*/ 1864467 w 8541658"/>
+              <a:gd name="connsiteY13" fmla="*/ 1433281 h 1433281"/>
+              <a:gd name="connsiteX14" fmla="*/ 1423610 w 8541658"/>
+              <a:gd name="connsiteY14" fmla="*/ 1288876 h 1433281"/>
+              <a:gd name="connsiteX15" fmla="*/ 214817 w 8541658"/>
+              <a:gd name="connsiteY15" fmla="*/ 1288876 h 1433281"/>
+              <a:gd name="connsiteX16" fmla="*/ 0 w 8541658"/>
+              <a:gd name="connsiteY16" fmla="*/ 1074059 h 1433281"/>
+              <a:gd name="connsiteX17" fmla="*/ 0 w 8541658"/>
+              <a:gd name="connsiteY17" fmla="*/ 1074063 h 1433281"/>
+              <a:gd name="connsiteX18" fmla="*/ 0 w 8541658"/>
+              <a:gd name="connsiteY18" fmla="*/ 751844 h 1433281"/>
+              <a:gd name="connsiteX19" fmla="*/ 0 w 8541658"/>
+              <a:gd name="connsiteY19" fmla="*/ 751844 h 1433281"/>
+              <a:gd name="connsiteX20" fmla="*/ 0 w 8541658"/>
+              <a:gd name="connsiteY20" fmla="*/ 214817 h 1433281"/>
+            </a:gdLst>
+            <a:ahLst/>
+            <a:cxnLst>
+              <a:cxn ang="0">
+                <a:pos x="connsiteX0" y="connsiteY0"/>
+              </a:cxn>
+              <a:cxn ang="0">
+                <a:pos x="connsiteX1" y="connsiteY1"/>
+              </a:cxn>
+              <a:cxn ang="0">
+                <a:pos x="connsiteX2" y="connsiteY2"/>
+              </a:cxn>
+              <a:cxn ang="0">
+                <a:pos x="connsiteX3" y="connsiteY3"/>
+              </a:cxn>
+              <a:cxn ang="0">
+                <a:pos x="connsiteX4" y="connsiteY4"/>
+              </a:cxn>
+              <a:cxn ang="0">
+                <a:pos x="connsiteX5" y="connsiteY5"/>
+              </a:cxn>
+              <a:cxn ang="0">
+                <a:pos x="connsiteX6" y="connsiteY6"/>
+              </a:cxn>
+              <a:cxn ang="0">
+                <a:pos x="connsiteX7" y="connsiteY7"/>
+              </a:cxn>
+              <a:cxn ang="0">
+                <a:pos x="connsiteX8" y="connsiteY8"/>
+              </a:cxn>
+              <a:cxn ang="0">
+                <a:pos x="connsiteX9" y="connsiteY9"/>
+              </a:cxn>
+              <a:cxn ang="0">
+                <a:pos x="connsiteX10" y="connsiteY10"/>
+              </a:cxn>
+              <a:cxn ang="0">
+                <a:pos x="connsiteX11" y="connsiteY11"/>
+              </a:cxn>
+              <a:cxn ang="0">
+                <a:pos x="connsiteX12" y="connsiteY12"/>
+              </a:cxn>
+              <a:cxn ang="0">
+                <a:pos x="connsiteX13" y="connsiteY13"/>
+              </a:cxn>
+              <a:cxn ang="0">
+                <a:pos x="connsiteX14" y="connsiteY14"/>
+              </a:cxn>
+              <a:cxn ang="0">
+                <a:pos x="connsiteX15" y="connsiteY15"/>
+              </a:cxn>
+              <a:cxn ang="0">
+                <a:pos x="connsiteX16" y="connsiteY16"/>
+              </a:cxn>
+              <a:cxn ang="0">
+                <a:pos x="connsiteX17" y="connsiteY17"/>
+              </a:cxn>
+              <a:cxn ang="0">
+                <a:pos x="connsiteX18" y="connsiteY18"/>
+              </a:cxn>
+              <a:cxn ang="0">
+                <a:pos x="connsiteX19" y="connsiteY19"/>
+              </a:cxn>
+              <a:cxn ang="0">
+                <a:pos x="connsiteX20" y="connsiteY20"/>
+              </a:cxn>
+            </a:cxnLst>
+            <a:rect l="l" t="t" r="r" b="b"/>
+            <a:pathLst>
+              <a:path w="8541658" h="1433281">
+                <a:moveTo>
+                  <a:pt x="0" y="214817"/>
+                </a:moveTo>
+                <a:cubicBezTo>
+                  <a:pt x="0" y="96177"/>
+                  <a:pt x="96177" y="0"/>
+                  <a:pt x="214817" y="0"/>
+                </a:cubicBezTo>
+                <a:lnTo>
+                  <a:pt x="1423610" y="0"/>
+                </a:lnTo>
+                <a:lnTo>
+                  <a:pt x="1423610" y="0"/>
+                </a:lnTo>
+                <a:lnTo>
+                  <a:pt x="3559024" y="0"/>
+                </a:lnTo>
+                <a:lnTo>
+                  <a:pt x="8326841" y="0"/>
+                </a:lnTo>
+                <a:cubicBezTo>
+                  <a:pt x="8445481" y="0"/>
+                  <a:pt x="8541658" y="96177"/>
+                  <a:pt x="8541658" y="214817"/>
+                </a:cubicBezTo>
+                <a:lnTo>
+                  <a:pt x="8541658" y="751844"/>
+                </a:lnTo>
+                <a:lnTo>
+                  <a:pt x="8541658" y="751844"/>
+                </a:lnTo>
+                <a:lnTo>
+                  <a:pt x="8541658" y="1074063"/>
+                </a:lnTo>
+                <a:lnTo>
+                  <a:pt x="8541658" y="1074059"/>
+                </a:lnTo>
+                <a:cubicBezTo>
+                  <a:pt x="8541658" y="1192699"/>
+                  <a:pt x="8445481" y="1288876"/>
+                  <a:pt x="8326841" y="1288876"/>
+                </a:cubicBezTo>
+                <a:lnTo>
+                  <a:pt x="1852144" y="1288876"/>
+                </a:lnTo>
+                <a:lnTo>
+                  <a:pt x="1864467" y="1433281"/>
+                </a:lnTo>
+                <a:lnTo>
+                  <a:pt x="1423610" y="1288876"/>
+                </a:lnTo>
+                <a:lnTo>
+                  <a:pt x="214817" y="1288876"/>
+                </a:lnTo>
+                <a:cubicBezTo>
+                  <a:pt x="96177" y="1288876"/>
+                  <a:pt x="0" y="1192699"/>
+                  <a:pt x="0" y="1074059"/>
+                </a:cubicBezTo>
+                <a:lnTo>
+                  <a:pt x="0" y="1074063"/>
+                </a:lnTo>
+                <a:lnTo>
+                  <a:pt x="0" y="751844"/>
+                </a:lnTo>
+                <a:lnTo>
+                  <a:pt x="0" y="751844"/>
+                </a:lnTo>
+                <a:lnTo>
+                  <a:pt x="0" y="214817"/>
+                </a:lnTo>
+                <a:close/>
+              </a:path>
+            </a:pathLst>
+          </a:custGeom>
+          <a:solidFill>
+            <a:srgbClr val="03C924"/>
+          </a:solidFill>
+          <a:ln>
+            <a:noFill/>
+          </a:ln>
+        </p:spPr>
+        <p:style>
+          <a:lnRef idx="2">
+            <a:schemeClr val="accent1">
+              <a:shade val="50000"/>
+            </a:schemeClr>
+          </a:lnRef>
+          <a:fillRef idx="1">
+            <a:schemeClr val="accent1"/>
+          </a:fillRef>
+          <a:effectRef idx="0">
+            <a:schemeClr val="accent1"/>
+          </a:effectRef>
+          <a:fontRef idx="minor">
+            <a:schemeClr val="lt1"/>
+          </a:fontRef>
+        </p:style>
+        <p:txBody>
+          <a:bodyPr lIns="143983" tIns="143983" rIns="143983" bIns="0" rtlCol="0" anchor="ctr"/>
+          <a:lstStyle/>
+          <a:p>
+            <a:r>
+              <a:rPr lang="ja-JP" altLang="en-US" b="1" dirty="0">
+                <a:ea typeface="ＭＳ ゴシック" panose="020B0609070205080204" pitchFamily="49" charset="-128"/>
+              </a:rPr>
+              <a:t>「</a:t>
+            </a:r>
+            <a:r>
+              <a:rPr lang="en-US" altLang="ja-JP" b="1" dirty="0" err="1">
+                <a:ea typeface="ＭＳ ゴシック" panose="020B0609070205080204" pitchFamily="49" charset="-128"/>
+              </a:rPr>
+              <a:t>git</a:t>
+            </a:r>
+            <a:r>
+              <a:rPr lang="en-US" altLang="ja-JP" b="1" dirty="0">
+                <a:ea typeface="ＭＳ ゴシック" panose="020B0609070205080204" pitchFamily="49" charset="-128"/>
+              </a:rPr>
+              <a:t> clone &lt;</a:t>
+            </a:r>
+            <a:r>
+              <a:rPr lang="ja-JP" altLang="en-US" b="1" dirty="0" smtClean="0">
+                <a:ea typeface="ＭＳ ゴシック" panose="020B0609070205080204" pitchFamily="49" charset="-128"/>
+              </a:rPr>
+              <a:t>リモートリポジトリの</a:t>
+            </a:r>
+            <a:r>
+              <a:rPr lang="en-US" altLang="ja-JP" b="1" dirty="0">
+                <a:ea typeface="ＭＳ ゴシック" panose="020B0609070205080204" pitchFamily="49" charset="-128"/>
+              </a:rPr>
+              <a:t>URL&gt;</a:t>
+            </a:r>
+            <a:r>
+              <a:rPr lang="ja-JP" altLang="en-US" b="1" dirty="0">
+                <a:ea typeface="ＭＳ ゴシック" panose="020B0609070205080204" pitchFamily="49" charset="-128"/>
+              </a:rPr>
+              <a:t>」を</a:t>
+            </a:r>
+            <a:r>
+              <a:rPr lang="ja-JP" altLang="en-US" b="1" dirty="0" smtClean="0">
+                <a:ea typeface="ＭＳ ゴシック" panose="020B0609070205080204" pitchFamily="49" charset="-128"/>
+              </a:rPr>
+              <a:t>実行。</a:t>
+            </a:r>
+            <a:endParaRPr lang="ja-JP" altLang="en-US" b="1" dirty="0">
+              <a:ea typeface="ＭＳ ゴシック" panose="020B0609070205080204" pitchFamily="49" charset="-128"/>
+            </a:endParaRPr>
+          </a:p>
+          <a:p>
+            <a:r>
+              <a:rPr lang="ja-JP" altLang="en-US" b="1" dirty="0" smtClean="0">
+                <a:ea typeface="ＭＳ ゴシック" panose="020B0609070205080204" pitchFamily="49" charset="-128"/>
+              </a:rPr>
+              <a:t>クローン </a:t>
+            </a:r>
+            <a:r>
+              <a:rPr lang="en-US" altLang="ja-JP" b="1" dirty="0" smtClean="0">
+                <a:ea typeface="ＭＳ ゴシック" panose="020B0609070205080204" pitchFamily="49" charset="-128"/>
+              </a:rPr>
+              <a:t>(</a:t>
+            </a:r>
+            <a:r>
+              <a:rPr lang="ja-JP" altLang="en-US" b="1" dirty="0" smtClean="0">
+                <a:ea typeface="ＭＳ ゴシック" panose="020B0609070205080204" pitchFamily="49" charset="-128"/>
+              </a:rPr>
+              <a:t>ローカルリポジトリ</a:t>
+            </a:r>
+            <a:r>
+              <a:rPr lang="en-US" altLang="ja-JP" b="1" dirty="0" smtClean="0">
+                <a:ea typeface="ＭＳ ゴシック" panose="020B0609070205080204" pitchFamily="49" charset="-128"/>
+              </a:rPr>
+              <a:t>)</a:t>
+            </a:r>
+            <a:r>
+              <a:rPr lang="ja-JP" altLang="en-US" b="1" dirty="0" smtClean="0">
+                <a:ea typeface="ＭＳ ゴシック" panose="020B0609070205080204" pitchFamily="49" charset="-128"/>
+              </a:rPr>
+              <a:t> が</a:t>
+            </a:r>
+            <a:r>
+              <a:rPr lang="ja-JP" altLang="en-US" b="1" dirty="0">
+                <a:ea typeface="ＭＳ ゴシック" panose="020B0609070205080204" pitchFamily="49" charset="-128"/>
+              </a:rPr>
+              <a:t>作成され</a:t>
+            </a:r>
+            <a:r>
+              <a:rPr lang="ja-JP" altLang="en-US" b="1" dirty="0" smtClean="0">
+                <a:ea typeface="ＭＳ ゴシック" panose="020B0609070205080204" pitchFamily="49" charset="-128"/>
+              </a:rPr>
+              <a:t>、リモートリポジトリの</a:t>
+            </a:r>
+            <a:endParaRPr lang="en-US" altLang="ja-JP" b="1" dirty="0" smtClean="0">
+              <a:ea typeface="ＭＳ ゴシック" panose="020B0609070205080204" pitchFamily="49" charset="-128"/>
+            </a:endParaRPr>
+          </a:p>
+          <a:p>
+            <a:r>
+              <a:rPr lang="en-US" altLang="ja-JP" b="1" dirty="0" smtClean="0">
+                <a:ea typeface="ＭＳ ゴシック" panose="020B0609070205080204" pitchFamily="49" charset="-128"/>
+              </a:rPr>
+              <a:t>master</a:t>
+            </a:r>
+            <a:r>
+              <a:rPr lang="ja-JP" altLang="en-US" b="1" dirty="0" smtClean="0">
+                <a:ea typeface="ＭＳ ゴシック" panose="020B0609070205080204" pitchFamily="49" charset="-128"/>
+              </a:rPr>
+              <a:t> ブランチ</a:t>
+            </a:r>
+            <a:r>
+              <a:rPr lang="ja-JP" altLang="en-US" b="1" dirty="0">
+                <a:ea typeface="ＭＳ ゴシック" panose="020B0609070205080204" pitchFamily="49" charset="-128"/>
+              </a:rPr>
+              <a:t>を追跡</a:t>
+            </a:r>
+            <a:r>
+              <a:rPr lang="ja-JP" altLang="en-US" b="1" dirty="0" smtClean="0">
+                <a:ea typeface="ＭＳ ゴシック" panose="020B0609070205080204" pitchFamily="49" charset="-128"/>
+              </a:rPr>
+              <a:t>する </a:t>
+            </a:r>
+            <a:r>
+              <a:rPr lang="en-US" altLang="ja-JP" b="1" dirty="0" smtClean="0">
+                <a:ea typeface="ＭＳ ゴシック" panose="020B0609070205080204" pitchFamily="49" charset="-128"/>
+              </a:rPr>
+              <a:t>origin/master</a:t>
+            </a:r>
+            <a:r>
+              <a:rPr lang="ja-JP" altLang="en-US" b="1" dirty="0" smtClean="0">
+                <a:ea typeface="ＭＳ ゴシック" panose="020B0609070205080204" pitchFamily="49" charset="-128"/>
+              </a:rPr>
+              <a:t> ブランチ</a:t>
+            </a:r>
+            <a:r>
+              <a:rPr lang="ja-JP" altLang="en-US" b="1" dirty="0">
+                <a:ea typeface="ＭＳ ゴシック" panose="020B0609070205080204" pitchFamily="49" charset="-128"/>
+              </a:rPr>
+              <a:t>が作成された</a:t>
+            </a:r>
+            <a:r>
+              <a:rPr lang="ja-JP" altLang="en-US" b="1" dirty="0" smtClean="0">
+                <a:ea typeface="ＭＳ ゴシック" panose="020B0609070205080204" pitchFamily="49" charset="-128"/>
+              </a:rPr>
+              <a:t>。</a:t>
+            </a:r>
+            <a:endParaRPr lang="en-US" altLang="ja-JP" b="1" dirty="0" smtClean="0">
+              <a:ea typeface="ＭＳ ゴシック" panose="020B0609070205080204" pitchFamily="49" charset="-128"/>
+            </a:endParaRPr>
+          </a:p>
+          <a:p>
+            <a:endParaRPr lang="ja-JP" altLang="en-US" b="1" dirty="0">
+              <a:ea typeface="ＭＳ ゴシック" panose="020B0609070205080204" pitchFamily="49" charset="-128"/>
+            </a:endParaRPr>
           </a:p>
         </p:txBody>
       </p:sp>
@@ -4750,18 +5497,85 @@
       </p:grpSpPr>
       <p:sp>
         <p:nvSpPr>
+          <p:cNvPr id="31" name="正方形/長方形 30"/>
+          <p:cNvSpPr/>
+          <p:nvPr/>
+        </p:nvSpPr>
+        <p:spPr>
+          <a:xfrm>
+            <a:off x="395536" y="4260185"/>
+            <a:ext cx="8352928" cy="2508893"/>
+          </a:xfrm>
+          <a:prstGeom prst="rect">
+            <a:avLst/>
+          </a:prstGeom>
+          <a:solidFill>
+            <a:srgbClr val="F8AD3E"/>
+          </a:solidFill>
+          <a:ln>
+            <a:noFill/>
+          </a:ln>
+        </p:spPr>
+        <p:style>
+          <a:lnRef idx="2">
+            <a:schemeClr val="accent5">
+              <a:shade val="50000"/>
+            </a:schemeClr>
+          </a:lnRef>
+          <a:fillRef idx="1">
+            <a:schemeClr val="accent5"/>
+          </a:fillRef>
+          <a:effectRef idx="0">
+            <a:schemeClr val="accent5"/>
+          </a:effectRef>
+          <a:fontRef idx="minor">
+            <a:schemeClr val="lt1"/>
+          </a:fontRef>
+        </p:style>
+        <p:txBody>
+          <a:bodyPr rtlCol="0" anchor="t" anchorCtr="0"/>
+          <a:lstStyle/>
+          <a:p>
+            <a:r>
+              <a:rPr lang="ja-JP" altLang="en-US" b="1" dirty="0">
+                <a:solidFill>
+                  <a:schemeClr val="bg1"/>
+                </a:solidFill>
+                <a:latin typeface="ＭＳ ゴシック" panose="020B0609070205080204" pitchFamily="49" charset="-128"/>
+                <a:ea typeface="ＭＳ ゴシック" panose="020B0609070205080204" pitchFamily="49" charset="-128"/>
+              </a:rPr>
+              <a:t>ローカルリポジトリ</a:t>
+            </a:r>
+            <a:endParaRPr lang="ja-JP" altLang="en-US" b="1" dirty="0">
+              <a:solidFill>
+                <a:schemeClr val="bg1"/>
+              </a:solidFill>
+              <a:latin typeface="ＭＳ ゴシック" panose="020B0609070205080204" pitchFamily="49" charset="-128"/>
+              <a:ea typeface="ＭＳ ゴシック" panose="020B0609070205080204" pitchFamily="49" charset="-128"/>
+            </a:endParaRPr>
+          </a:p>
+        </p:txBody>
+      </p:sp>
+      <p:sp>
+        <p:nvSpPr>
           <p:cNvPr id="21" name="円/楕円 20"/>
           <p:cNvSpPr/>
           <p:nvPr/>
         </p:nvSpPr>
         <p:spPr>
           <a:xfrm>
-            <a:off x="1554987" y="4741592"/>
+            <a:off x="1554987" y="4841310"/>
             <a:ext cx="540000" cy="540000"/>
           </a:xfrm>
           <a:prstGeom prst="ellipse">
             <a:avLst/>
           </a:prstGeom>
+          <a:solidFill>
+            <a:srgbClr val="FF0066"/>
+          </a:solidFill>
+          <a:ln>
+            <a:noFill/>
+          </a:ln>
         </p:spPr>
         <p:style>
           <a:lnRef idx="2">
@@ -4780,15 +5594,15 @@
           </a:fontRef>
         </p:style>
         <p:txBody>
-          <a:bodyPr rtlCol="0" anchor="ctr"/>
-          <a:lstStyle/>
-          <a:p>
-            <a:pPr algn="ctr"/>
-            <a:r>
-              <a:rPr kumimoji="1" lang="en-US" altLang="ja-JP" dirty="0" smtClean="0"/>
+          <a:bodyPr lIns="91429" tIns="45715" rIns="91429" bIns="45715" rtlCol="0" anchor="ctr"/>
+          <a:lstStyle/>
+          <a:p>
+            <a:pPr algn="ctr" defTabSz="914295"/>
+            <a:r>
+              <a:rPr lang="en-US" altLang="ja-JP" dirty="0"/>
               <a:t>A</a:t>
             </a:r>
-            <a:endParaRPr kumimoji="1" lang="ja-JP" altLang="en-US" dirty="0"/>
+            <a:endParaRPr lang="ja-JP" altLang="en-US" dirty="0"/>
           </a:p>
         </p:txBody>
       </p:sp>
@@ -4803,17 +5617,17 @@
         </p:nvCxnSpPr>
         <p:spPr>
           <a:xfrm flipH="1">
-            <a:off x="2094987" y="5011592"/>
+            <a:off x="2094987" y="5111310"/>
             <a:ext cx="432168" cy="0"/>
           </a:xfrm>
           <a:prstGeom prst="straightConnector1">
             <a:avLst/>
           </a:prstGeom>
-          <a:ln w="19050">
+          <a:ln w="31750">
             <a:solidFill>
               <a:schemeClr val="tx1"/>
             </a:solidFill>
-            <a:prstDash val="sysDash"/>
+            <a:prstDash val="sysDot"/>
             <a:tailEnd type="triangle" w="lg" len="med"/>
           </a:ln>
         </p:spPr>
@@ -4840,12 +5654,18 @@
         </p:nvSpPr>
         <p:spPr>
           <a:xfrm>
-            <a:off x="2527155" y="4741592"/>
+            <a:off x="2527155" y="4841310"/>
             <a:ext cx="540000" cy="540000"/>
           </a:xfrm>
           <a:prstGeom prst="ellipse">
             <a:avLst/>
           </a:prstGeom>
+          <a:solidFill>
+            <a:srgbClr val="FF0066"/>
+          </a:solidFill>
+          <a:ln>
+            <a:noFill/>
+          </a:ln>
         </p:spPr>
         <p:style>
           <a:lnRef idx="2">
@@ -4864,15 +5684,15 @@
           </a:fontRef>
         </p:style>
         <p:txBody>
-          <a:bodyPr rtlCol="0" anchor="ctr"/>
-          <a:lstStyle/>
-          <a:p>
-            <a:pPr algn="ctr"/>
-            <a:r>
-              <a:rPr kumimoji="1" lang="en-US" altLang="ja-JP" dirty="0" smtClean="0"/>
+          <a:bodyPr lIns="91429" tIns="45715" rIns="91429" bIns="45715" rtlCol="0" anchor="ctr"/>
+          <a:lstStyle/>
+          <a:p>
+            <a:pPr algn="ctr" defTabSz="914295"/>
+            <a:r>
+              <a:rPr lang="en-US" altLang="ja-JP" dirty="0"/>
               <a:t>B</a:t>
             </a:r>
-            <a:endParaRPr kumimoji="1" lang="ja-JP" altLang="en-US" dirty="0"/>
+            <a:endParaRPr lang="ja-JP" altLang="en-US" dirty="0"/>
           </a:p>
         </p:txBody>
       </p:sp>
@@ -4884,12 +5704,18 @@
         </p:nvSpPr>
         <p:spPr>
           <a:xfrm>
-            <a:off x="3499323" y="4741592"/>
+            <a:off x="3499323" y="4841310"/>
             <a:ext cx="540000" cy="540000"/>
           </a:xfrm>
           <a:prstGeom prst="ellipse">
             <a:avLst/>
           </a:prstGeom>
+          <a:solidFill>
+            <a:srgbClr val="FF0066"/>
+          </a:solidFill>
+          <a:ln>
+            <a:noFill/>
+          </a:ln>
         </p:spPr>
         <p:style>
           <a:lnRef idx="2">
@@ -4908,15 +5734,15 @@
           </a:fontRef>
         </p:style>
         <p:txBody>
-          <a:bodyPr rtlCol="0" anchor="ctr"/>
-          <a:lstStyle/>
-          <a:p>
-            <a:pPr algn="ctr"/>
-            <a:r>
-              <a:rPr kumimoji="1" lang="en-US" altLang="ja-JP" dirty="0" smtClean="0"/>
+          <a:bodyPr lIns="91429" tIns="45715" rIns="91429" bIns="45715" rtlCol="0" anchor="ctr"/>
+          <a:lstStyle/>
+          <a:p>
+            <a:pPr algn="ctr" defTabSz="914295"/>
+            <a:r>
+              <a:rPr lang="en-US" altLang="ja-JP" dirty="0"/>
               <a:t>C</a:t>
             </a:r>
-            <a:endParaRPr kumimoji="1" lang="ja-JP" altLang="en-US" dirty="0"/>
+            <a:endParaRPr lang="ja-JP" altLang="en-US" dirty="0"/>
           </a:p>
         </p:txBody>
       </p:sp>
@@ -4931,17 +5757,17 @@
         </p:nvCxnSpPr>
         <p:spPr>
           <a:xfrm flipH="1">
-            <a:off x="3067155" y="5011592"/>
+            <a:off x="3067155" y="5111310"/>
             <a:ext cx="432168" cy="0"/>
           </a:xfrm>
           <a:prstGeom prst="straightConnector1">
             <a:avLst/>
           </a:prstGeom>
-          <a:ln w="19050">
+          <a:ln w="31750">
             <a:solidFill>
               <a:schemeClr val="tx1"/>
             </a:solidFill>
-            <a:prstDash val="sysDash"/>
+            <a:prstDash val="sysDot"/>
             <a:tailEnd type="triangle" w="lg" len="med"/>
           </a:ln>
         </p:spPr>
@@ -4968,12 +5794,18 @@
         </p:nvSpPr>
         <p:spPr>
           <a:xfrm>
-            <a:off x="4453429" y="4741592"/>
+            <a:off x="4453429" y="4841310"/>
             <a:ext cx="540000" cy="540000"/>
           </a:xfrm>
           <a:prstGeom prst="ellipse">
             <a:avLst/>
           </a:prstGeom>
+          <a:solidFill>
+            <a:srgbClr val="FF0066"/>
+          </a:solidFill>
+          <a:ln>
+            <a:noFill/>
+          </a:ln>
         </p:spPr>
         <p:style>
           <a:lnRef idx="2">
@@ -4992,15 +5824,15 @@
           </a:fontRef>
         </p:style>
         <p:txBody>
-          <a:bodyPr rtlCol="0" anchor="ctr"/>
-          <a:lstStyle/>
-          <a:p>
-            <a:pPr algn="ctr"/>
-            <a:r>
-              <a:rPr kumimoji="1" lang="en-US" altLang="ja-JP" dirty="0" smtClean="0"/>
+          <a:bodyPr lIns="91429" tIns="45715" rIns="91429" bIns="45715" rtlCol="0" anchor="ctr"/>
+          <a:lstStyle/>
+          <a:p>
+            <a:pPr algn="ctr" defTabSz="914295"/>
+            <a:r>
+              <a:rPr lang="en-US" altLang="ja-JP" dirty="0"/>
               <a:t>D</a:t>
             </a:r>
-            <a:endParaRPr kumimoji="1" lang="ja-JP" altLang="en-US" dirty="0"/>
+            <a:endParaRPr lang="ja-JP" altLang="en-US" dirty="0"/>
           </a:p>
         </p:txBody>
       </p:sp>
@@ -5015,17 +5847,17 @@
         </p:nvCxnSpPr>
         <p:spPr>
           <a:xfrm flipH="1">
-            <a:off x="4039323" y="5011592"/>
+            <a:off x="4039323" y="5111310"/>
             <a:ext cx="414106" cy="0"/>
           </a:xfrm>
           <a:prstGeom prst="straightConnector1">
             <a:avLst/>
           </a:prstGeom>
-          <a:ln w="19050">
+          <a:ln w="31750">
             <a:solidFill>
               <a:schemeClr val="tx1"/>
             </a:solidFill>
-            <a:prstDash val="sysDash"/>
+            <a:prstDash val="sysDot"/>
             <a:tailEnd type="triangle" w="lg" len="med"/>
           </a:ln>
         </p:spPr>
@@ -5044,44 +5876,6 @@
           </a:fontRef>
         </p:style>
       </p:cxnSp>
-      <p:sp>
-        <p:nvSpPr>
-          <p:cNvPr id="37" name="テキスト ボックス 36"/>
-          <p:cNvSpPr txBox="1"/>
-          <p:nvPr/>
-        </p:nvSpPr>
-        <p:spPr>
-          <a:xfrm>
-            <a:off x="267552" y="201414"/>
-            <a:ext cx="8624928" cy="646331"/>
-          </a:xfrm>
-          <a:prstGeom prst="rect">
-            <a:avLst/>
-          </a:prstGeom>
-          <a:noFill/>
-        </p:spPr>
-        <p:txBody>
-          <a:bodyPr wrap="square" rtlCol="0">
-            <a:spAutoFit/>
-          </a:bodyPr>
-          <a:lstStyle/>
-          <a:p>
-            <a:r>
-              <a:rPr lang="ja-JP" altLang="en-US" dirty="0" smtClean="0"/>
-              <a:t>リモートレポジトリ、ローカルレポジトリ双方の</a:t>
-            </a:r>
-            <a:r>
-              <a:rPr lang="en-US" altLang="ja-JP" dirty="0" smtClean="0"/>
-              <a:t>master</a:t>
-            </a:r>
-            <a:r>
-              <a:rPr lang="ja-JP" altLang="en-US" dirty="0" smtClean="0"/>
-              <a:t>ブランチで開発が進み、それぞれコミットが追加された。</a:t>
-            </a:r>
-            <a:endParaRPr lang="en-US" altLang="ja-JP" dirty="0" smtClean="0"/>
-          </a:p>
-        </p:txBody>
-      </p:sp>
       <p:cxnSp>
         <p:nvCxnSpPr>
           <p:cNvPr id="26" name="直線矢印コネクタ 25"/>
@@ -5092,17 +5886,17 @@
         </p:nvCxnSpPr>
         <p:spPr>
           <a:xfrm flipH="1">
-            <a:off x="4734224" y="4448499"/>
+            <a:off x="4734224" y="4548217"/>
             <a:ext cx="428406" cy="273420"/>
           </a:xfrm>
           <a:prstGeom prst="straightConnector1">
             <a:avLst/>
           </a:prstGeom>
-          <a:ln w="19050">
+          <a:ln w="31750">
             <a:solidFill>
               <a:schemeClr val="tx1"/>
             </a:solidFill>
-            <a:prstDash val="sysDash"/>
+            <a:prstDash val="sysDot"/>
             <a:tailEnd type="triangle" w="lg" len="med"/>
           </a:ln>
         </p:spPr>
@@ -5129,13 +5923,14 @@
         </p:nvSpPr>
         <p:spPr>
           <a:xfrm>
-            <a:off x="5162630" y="4304483"/>
+            <a:off x="5162630" y="4404201"/>
             <a:ext cx="936044" cy="288032"/>
           </a:xfrm>
           <a:prstGeom prst="rect">
             <a:avLst/>
           </a:prstGeom>
           <a:ln>
+            <a:noFill/>
             <a:prstDash val="sysDash"/>
           </a:ln>
         </p:spPr>
@@ -5156,15 +5951,15 @@
           </a:fontRef>
         </p:style>
         <p:txBody>
-          <a:bodyPr rtlCol="0" anchor="ctr"/>
-          <a:lstStyle/>
-          <a:p>
-            <a:pPr algn="ctr"/>
-            <a:r>
-              <a:rPr kumimoji="1" lang="en-US" altLang="ja-JP" dirty="0" smtClean="0"/>
+          <a:bodyPr lIns="91429" tIns="45715" rIns="91429" bIns="45715" rtlCol="0" anchor="ctr"/>
+          <a:lstStyle/>
+          <a:p>
+            <a:pPr algn="ctr" defTabSz="914295"/>
+            <a:r>
+              <a:rPr lang="en-US" altLang="ja-JP" dirty="0"/>
               <a:t>master</a:t>
             </a:r>
-            <a:endParaRPr kumimoji="1" lang="ja-JP" altLang="en-US" dirty="0"/>
+            <a:endParaRPr lang="ja-JP" altLang="en-US" dirty="0"/>
           </a:p>
         </p:txBody>
       </p:sp>
@@ -5178,17 +5973,17 @@
         </p:nvCxnSpPr>
         <p:spPr>
           <a:xfrm flipH="1" flipV="1">
-            <a:off x="3789460" y="5314588"/>
+            <a:off x="3789460" y="5414306"/>
             <a:ext cx="370799" cy="244341"/>
           </a:xfrm>
           <a:prstGeom prst="straightConnector1">
             <a:avLst/>
           </a:prstGeom>
-          <a:ln w="19050">
+          <a:ln w="31750">
             <a:solidFill>
               <a:schemeClr val="tx1"/>
             </a:solidFill>
-            <a:prstDash val="sysDash"/>
+            <a:prstDash val="sysDot"/>
             <a:tailEnd type="triangle" w="lg" len="med"/>
           </a:ln>
         </p:spPr>
@@ -5215,13 +6010,14 @@
         </p:nvSpPr>
         <p:spPr>
           <a:xfrm>
-            <a:off x="4160259" y="5414913"/>
+            <a:off x="4160259" y="5514631"/>
             <a:ext cx="1470393" cy="288032"/>
           </a:xfrm>
           <a:prstGeom prst="rect">
             <a:avLst/>
           </a:prstGeom>
           <a:ln>
+            <a:noFill/>
             <a:prstDash val="sysDash"/>
           </a:ln>
         </p:spPr>
@@ -5242,15 +6038,15 @@
           </a:fontRef>
         </p:style>
         <p:txBody>
-          <a:bodyPr rtlCol="0" anchor="ctr"/>
-          <a:lstStyle/>
-          <a:p>
-            <a:pPr algn="ctr"/>
-            <a:r>
-              <a:rPr lang="en-US" altLang="ja-JP" dirty="0" smtClean="0"/>
+          <a:bodyPr lIns="91429" tIns="45715" rIns="91429" bIns="45715" rtlCol="0" anchor="ctr"/>
+          <a:lstStyle/>
+          <a:p>
+            <a:pPr algn="ctr" defTabSz="914295"/>
+            <a:r>
+              <a:rPr lang="en-US" altLang="ja-JP" dirty="0"/>
               <a:t>origin/master</a:t>
             </a:r>
-            <a:endParaRPr kumimoji="1" lang="ja-JP" altLang="en-US" dirty="0"/>
+            <a:endParaRPr lang="ja-JP" altLang="en-US" dirty="0"/>
           </a:p>
         </p:txBody>
       </p:sp>
@@ -5262,31 +6058,30 @@
         </p:nvSpPr>
         <p:spPr>
           <a:xfrm>
-            <a:off x="395536" y="1453305"/>
+            <a:off x="395536" y="1633363"/>
             <a:ext cx="8352928" cy="2515717"/>
           </a:xfrm>
           <a:prstGeom prst="rect">
             <a:avLst/>
           </a:prstGeom>
-          <a:noFill/>
+          <a:solidFill>
+            <a:srgbClr val="F7A021"/>
+          </a:solidFill>
           <a:ln>
-            <a:solidFill>
-              <a:schemeClr val="tx1"/>
-            </a:solidFill>
-            <a:prstDash val="sysDash"/>
+            <a:noFill/>
           </a:ln>
         </p:spPr>
         <p:style>
           <a:lnRef idx="2">
-            <a:schemeClr val="accent1">
+            <a:schemeClr val="accent5">
               <a:shade val="50000"/>
             </a:schemeClr>
           </a:lnRef>
           <a:fillRef idx="1">
-            <a:schemeClr val="accent1"/>
-          </a:fillRef>
-          <a:effectRef idx="0">
-            <a:schemeClr val="accent1"/>
+            <a:schemeClr val="accent5"/>
+          </a:fillRef>
+          <a:effectRef idx="0">
+            <a:schemeClr val="accent5"/>
           </a:effectRef>
           <a:fontRef idx="minor">
             <a:schemeClr val="lt1"/>
@@ -5297,75 +6092,21 @@
           <a:lstStyle/>
           <a:p>
             <a:r>
-              <a:rPr lang="ja-JP" altLang="en-US" sz="1600" dirty="0" smtClean="0">
+              <a:rPr lang="ja-JP" altLang="en-US" b="1" dirty="0">
                 <a:solidFill>
-                  <a:schemeClr val="tx1"/>
+                  <a:schemeClr val="bg1"/>
                 </a:solidFill>
+                <a:latin typeface="ＭＳ ゴシック" panose="020B0609070205080204" pitchFamily="49" charset="-128"/>
+                <a:ea typeface="ＭＳ ゴシック" panose="020B0609070205080204" pitchFamily="49" charset="-128"/>
               </a:rPr>
-              <a:t>リモートレポジトリ</a:t>
-            </a:r>
-            <a:endParaRPr kumimoji="1" lang="ja-JP" altLang="en-US" sz="1600" dirty="0">
+              <a:t>リモートリポジトリ</a:t>
+            </a:r>
+            <a:endParaRPr lang="ja-JP" altLang="en-US" b="1" dirty="0">
               <a:solidFill>
-                <a:schemeClr val="tx1"/>
+                <a:schemeClr val="bg1"/>
               </a:solidFill>
-            </a:endParaRPr>
-          </a:p>
-        </p:txBody>
-      </p:sp>
-      <p:sp>
-        <p:nvSpPr>
-          <p:cNvPr id="31" name="正方形/長方形 30"/>
-          <p:cNvSpPr/>
-          <p:nvPr/>
-        </p:nvSpPr>
-        <p:spPr>
-          <a:xfrm>
-            <a:off x="395536" y="4160467"/>
-            <a:ext cx="8352928" cy="2508893"/>
-          </a:xfrm>
-          <a:prstGeom prst="rect">
-            <a:avLst/>
-          </a:prstGeom>
-          <a:noFill/>
-          <a:ln>
-            <a:solidFill>
-              <a:schemeClr val="tx1"/>
-            </a:solidFill>
-            <a:prstDash val="sysDash"/>
-          </a:ln>
-        </p:spPr>
-        <p:style>
-          <a:lnRef idx="2">
-            <a:schemeClr val="accent1">
-              <a:shade val="50000"/>
-            </a:schemeClr>
-          </a:lnRef>
-          <a:fillRef idx="1">
-            <a:schemeClr val="accent1"/>
-          </a:fillRef>
-          <a:effectRef idx="0">
-            <a:schemeClr val="accent1"/>
-          </a:effectRef>
-          <a:fontRef idx="minor">
-            <a:schemeClr val="lt1"/>
-          </a:fontRef>
-        </p:style>
-        <p:txBody>
-          <a:bodyPr rtlCol="0" anchor="t" anchorCtr="0"/>
-          <a:lstStyle/>
-          <a:p>
-            <a:r>
-              <a:rPr lang="ja-JP" altLang="en-US" sz="1600" dirty="0" smtClean="0">
-                <a:solidFill>
-                  <a:schemeClr val="tx1"/>
-                </a:solidFill>
-              </a:rPr>
-              <a:t>ローカルレポジトリ</a:t>
-            </a:r>
-            <a:endParaRPr kumimoji="1" lang="ja-JP" altLang="en-US" sz="1600" dirty="0">
-              <a:solidFill>
-                <a:schemeClr val="tx1"/>
-              </a:solidFill>
+              <a:latin typeface="ＭＳ ゴシック" panose="020B0609070205080204" pitchFamily="49" charset="-128"/>
+              <a:ea typeface="ＭＳ ゴシック" panose="020B0609070205080204" pitchFamily="49" charset="-128"/>
             </a:endParaRPr>
           </a:p>
         </p:txBody>
@@ -5378,12 +6119,18 @@
         </p:nvSpPr>
         <p:spPr>
           <a:xfrm>
-            <a:off x="1556932" y="2045569"/>
+            <a:off x="1556932" y="2225627"/>
             <a:ext cx="540000" cy="540000"/>
           </a:xfrm>
           <a:prstGeom prst="ellipse">
             <a:avLst/>
           </a:prstGeom>
+          <a:solidFill>
+            <a:srgbClr val="FF0066"/>
+          </a:solidFill>
+          <a:ln>
+            <a:noFill/>
+          </a:ln>
         </p:spPr>
         <p:style>
           <a:lnRef idx="2">
@@ -5402,15 +6149,15 @@
           </a:fontRef>
         </p:style>
         <p:txBody>
-          <a:bodyPr rtlCol="0" anchor="ctr"/>
-          <a:lstStyle/>
-          <a:p>
-            <a:pPr algn="ctr"/>
-            <a:r>
-              <a:rPr kumimoji="1" lang="en-US" altLang="ja-JP" dirty="0" smtClean="0"/>
+          <a:bodyPr lIns="91429" tIns="45715" rIns="91429" bIns="45715" rtlCol="0" anchor="ctr"/>
+          <a:lstStyle/>
+          <a:p>
+            <a:pPr algn="ctr" defTabSz="914295"/>
+            <a:r>
+              <a:rPr lang="en-US" altLang="ja-JP" dirty="0"/>
               <a:t>A</a:t>
             </a:r>
-            <a:endParaRPr kumimoji="1" lang="ja-JP" altLang="en-US" dirty="0"/>
+            <a:endParaRPr lang="ja-JP" altLang="en-US" dirty="0"/>
           </a:p>
         </p:txBody>
       </p:sp>
@@ -5425,17 +6172,17 @@
         </p:nvCxnSpPr>
         <p:spPr>
           <a:xfrm flipH="1">
-            <a:off x="2096932" y="2315569"/>
+            <a:off x="2096932" y="2495627"/>
             <a:ext cx="432168" cy="0"/>
           </a:xfrm>
           <a:prstGeom prst="straightConnector1">
             <a:avLst/>
           </a:prstGeom>
-          <a:ln w="19050">
+          <a:ln w="31750">
             <a:solidFill>
               <a:schemeClr val="tx1"/>
             </a:solidFill>
-            <a:prstDash val="sysDash"/>
+            <a:prstDash val="sysDot"/>
             <a:tailEnd type="triangle" w="lg" len="med"/>
           </a:ln>
         </p:spPr>
@@ -5462,12 +6209,18 @@
         </p:nvSpPr>
         <p:spPr>
           <a:xfrm>
-            <a:off x="2529100" y="2045569"/>
+            <a:off x="2529100" y="2225627"/>
             <a:ext cx="540000" cy="540000"/>
           </a:xfrm>
           <a:prstGeom prst="ellipse">
             <a:avLst/>
           </a:prstGeom>
+          <a:solidFill>
+            <a:srgbClr val="FF0066"/>
+          </a:solidFill>
+          <a:ln>
+            <a:noFill/>
+          </a:ln>
         </p:spPr>
         <p:style>
           <a:lnRef idx="2">
@@ -5486,15 +6239,15 @@
           </a:fontRef>
         </p:style>
         <p:txBody>
-          <a:bodyPr rtlCol="0" anchor="ctr"/>
-          <a:lstStyle/>
-          <a:p>
-            <a:pPr algn="ctr"/>
-            <a:r>
-              <a:rPr kumimoji="1" lang="en-US" altLang="ja-JP" dirty="0" smtClean="0"/>
+          <a:bodyPr lIns="91429" tIns="45715" rIns="91429" bIns="45715" rtlCol="0" anchor="ctr"/>
+          <a:lstStyle/>
+          <a:p>
+            <a:pPr algn="ctr" defTabSz="914295"/>
+            <a:r>
+              <a:rPr lang="en-US" altLang="ja-JP" dirty="0"/>
               <a:t>B</a:t>
             </a:r>
-            <a:endParaRPr kumimoji="1" lang="ja-JP" altLang="en-US" dirty="0"/>
+            <a:endParaRPr lang="ja-JP" altLang="en-US" dirty="0"/>
           </a:p>
         </p:txBody>
       </p:sp>
@@ -5506,12 +6259,18 @@
         </p:nvSpPr>
         <p:spPr>
           <a:xfrm>
-            <a:off x="3501268" y="2045569"/>
+            <a:off x="3501268" y="2225627"/>
             <a:ext cx="540000" cy="540000"/>
           </a:xfrm>
           <a:prstGeom prst="ellipse">
             <a:avLst/>
           </a:prstGeom>
+          <a:solidFill>
+            <a:srgbClr val="FF0066"/>
+          </a:solidFill>
+          <a:ln>
+            <a:noFill/>
+          </a:ln>
         </p:spPr>
         <p:style>
           <a:lnRef idx="2">
@@ -5530,15 +6289,15 @@
           </a:fontRef>
         </p:style>
         <p:txBody>
-          <a:bodyPr rtlCol="0" anchor="ctr"/>
-          <a:lstStyle/>
-          <a:p>
-            <a:pPr algn="ctr"/>
-            <a:r>
-              <a:rPr kumimoji="1" lang="en-US" altLang="ja-JP" dirty="0" smtClean="0"/>
+          <a:bodyPr lIns="91429" tIns="45715" rIns="91429" bIns="45715" rtlCol="0" anchor="ctr"/>
+          <a:lstStyle/>
+          <a:p>
+            <a:pPr algn="ctr" defTabSz="914295"/>
+            <a:r>
+              <a:rPr lang="en-US" altLang="ja-JP" dirty="0"/>
               <a:t>C</a:t>
             </a:r>
-            <a:endParaRPr kumimoji="1" lang="ja-JP" altLang="en-US" dirty="0"/>
+            <a:endParaRPr lang="ja-JP" altLang="en-US" dirty="0"/>
           </a:p>
         </p:txBody>
       </p:sp>
@@ -5553,17 +6312,17 @@
         </p:nvCxnSpPr>
         <p:spPr>
           <a:xfrm flipH="1">
-            <a:off x="3069100" y="2315569"/>
+            <a:off x="3069100" y="2495627"/>
             <a:ext cx="432168" cy="0"/>
           </a:xfrm>
           <a:prstGeom prst="straightConnector1">
             <a:avLst/>
           </a:prstGeom>
-          <a:ln w="19050">
+          <a:ln w="31750">
             <a:solidFill>
               <a:schemeClr val="tx1"/>
             </a:solidFill>
-            <a:prstDash val="sysDash"/>
+            <a:prstDash val="sysDot"/>
             <a:tailEnd type="triangle" w="lg" len="med"/>
           </a:ln>
         </p:spPr>
@@ -5592,17 +6351,17 @@
         </p:nvCxnSpPr>
         <p:spPr>
           <a:xfrm flipH="1">
-            <a:off x="4041268" y="2315569"/>
+            <a:off x="4041268" y="2495627"/>
             <a:ext cx="414106" cy="0"/>
           </a:xfrm>
           <a:prstGeom prst="straightConnector1">
             <a:avLst/>
           </a:prstGeom>
-          <a:ln w="19050">
+          <a:ln w="31750">
             <a:solidFill>
               <a:schemeClr val="tx1"/>
             </a:solidFill>
-            <a:prstDash val="sysDash"/>
+            <a:prstDash val="sysDot"/>
             <a:tailEnd type="triangle" w="lg" len="med"/>
           </a:ln>
         </p:spPr>
@@ -5631,17 +6390,17 @@
         </p:nvCxnSpPr>
         <p:spPr>
           <a:xfrm flipH="1">
-            <a:off x="5706507" y="1745170"/>
+            <a:off x="5706507" y="1925228"/>
             <a:ext cx="428406" cy="273420"/>
           </a:xfrm>
           <a:prstGeom prst="straightConnector1">
             <a:avLst/>
           </a:prstGeom>
-          <a:ln w="19050">
+          <a:ln w="31750">
             <a:solidFill>
               <a:schemeClr val="tx1"/>
             </a:solidFill>
-            <a:prstDash val="sysDash"/>
+            <a:prstDash val="sysDot"/>
             <a:tailEnd type="triangle" w="lg" len="med"/>
           </a:ln>
         </p:spPr>
@@ -5668,13 +6427,14 @@
         </p:nvSpPr>
         <p:spPr>
           <a:xfrm>
-            <a:off x="6134913" y="1601154"/>
+            <a:off x="6134913" y="1781212"/>
             <a:ext cx="936044" cy="288032"/>
           </a:xfrm>
           <a:prstGeom prst="rect">
             <a:avLst/>
           </a:prstGeom>
           <a:ln>
+            <a:noFill/>
             <a:prstDash val="sysDash"/>
           </a:ln>
         </p:spPr>
@@ -5695,15 +6455,15 @@
           </a:fontRef>
         </p:style>
         <p:txBody>
-          <a:bodyPr rtlCol="0" anchor="ctr"/>
-          <a:lstStyle/>
-          <a:p>
-            <a:pPr algn="ctr"/>
-            <a:r>
-              <a:rPr kumimoji="1" lang="en-US" altLang="ja-JP" dirty="0" smtClean="0"/>
+          <a:bodyPr lIns="91429" tIns="45715" rIns="91429" bIns="45715" rtlCol="0" anchor="ctr"/>
+          <a:lstStyle/>
+          <a:p>
+            <a:pPr algn="ctr" defTabSz="914295"/>
+            <a:r>
+              <a:rPr lang="en-US" altLang="ja-JP" dirty="0"/>
               <a:t>master</a:t>
             </a:r>
-            <a:endParaRPr kumimoji="1" lang="ja-JP" altLang="en-US" dirty="0"/>
+            <a:endParaRPr lang="ja-JP" altLang="en-US" dirty="0"/>
           </a:p>
         </p:txBody>
       </p:sp>
@@ -5715,12 +6475,18 @@
         </p:nvSpPr>
         <p:spPr>
           <a:xfrm>
-            <a:off x="4480634" y="2045569"/>
+            <a:off x="4480634" y="2225627"/>
             <a:ext cx="540000" cy="540000"/>
           </a:xfrm>
           <a:prstGeom prst="ellipse">
             <a:avLst/>
           </a:prstGeom>
+          <a:solidFill>
+            <a:srgbClr val="FF0066"/>
+          </a:solidFill>
+          <a:ln>
+            <a:noFill/>
+          </a:ln>
         </p:spPr>
         <p:style>
           <a:lnRef idx="2">
@@ -5739,15 +6505,15 @@
           </a:fontRef>
         </p:style>
         <p:txBody>
-          <a:bodyPr rtlCol="0" anchor="ctr"/>
-          <a:lstStyle/>
-          <a:p>
-            <a:pPr algn="ctr"/>
-            <a:r>
-              <a:rPr kumimoji="1" lang="en-US" altLang="ja-JP" dirty="0" smtClean="0"/>
+          <a:bodyPr lIns="91429" tIns="45715" rIns="91429" bIns="45715" rtlCol="0" anchor="ctr"/>
+          <a:lstStyle/>
+          <a:p>
+            <a:pPr algn="ctr" defTabSz="914295"/>
+            <a:r>
+              <a:rPr lang="en-US" altLang="ja-JP" dirty="0"/>
               <a:t>X</a:t>
             </a:r>
-            <a:endParaRPr kumimoji="1" lang="ja-JP" altLang="en-US" dirty="0"/>
+            <a:endParaRPr lang="ja-JP" altLang="en-US" dirty="0"/>
           </a:p>
         </p:txBody>
       </p:sp>
@@ -5759,12 +6525,18 @@
         </p:nvSpPr>
         <p:spPr>
           <a:xfrm>
-            <a:off x="5432875" y="2045569"/>
+            <a:off x="5432875" y="2225627"/>
             <a:ext cx="540000" cy="540000"/>
           </a:xfrm>
           <a:prstGeom prst="ellipse">
             <a:avLst/>
           </a:prstGeom>
+          <a:solidFill>
+            <a:srgbClr val="FF0066"/>
+          </a:solidFill>
+          <a:ln>
+            <a:noFill/>
+          </a:ln>
         </p:spPr>
         <p:style>
           <a:lnRef idx="2">
@@ -5783,15 +6555,15 @@
           </a:fontRef>
         </p:style>
         <p:txBody>
-          <a:bodyPr rtlCol="0" anchor="ctr"/>
-          <a:lstStyle/>
-          <a:p>
-            <a:pPr algn="ctr"/>
-            <a:r>
-              <a:rPr kumimoji="1" lang="en-US" altLang="ja-JP" dirty="0" smtClean="0"/>
+          <a:bodyPr lIns="91429" tIns="45715" rIns="91429" bIns="45715" rtlCol="0" anchor="ctr"/>
+          <a:lstStyle/>
+          <a:p>
+            <a:pPr algn="ctr" defTabSz="914295"/>
+            <a:r>
+              <a:rPr lang="en-US" altLang="ja-JP" dirty="0"/>
               <a:t>Y</a:t>
             </a:r>
-            <a:endParaRPr kumimoji="1" lang="ja-JP" altLang="en-US" dirty="0"/>
+            <a:endParaRPr lang="ja-JP" altLang="en-US" dirty="0"/>
           </a:p>
         </p:txBody>
       </p:sp>
@@ -5805,17 +6577,17 @@
         </p:nvCxnSpPr>
         <p:spPr>
           <a:xfrm flipH="1">
-            <a:off x="5018769" y="2315569"/>
+            <a:off x="5018769" y="2495627"/>
             <a:ext cx="414106" cy="0"/>
           </a:xfrm>
           <a:prstGeom prst="straightConnector1">
             <a:avLst/>
           </a:prstGeom>
-          <a:ln w="19050">
+          <a:ln w="31750">
             <a:solidFill>
               <a:schemeClr val="tx1"/>
             </a:solidFill>
-            <a:prstDash val="sysDash"/>
+            <a:prstDash val="sysDot"/>
             <a:tailEnd type="triangle" w="lg" len="med"/>
           </a:ln>
         </p:spPr>
@@ -5834,6 +6606,394 @@
           </a:fontRef>
         </p:style>
       </p:cxnSp>
+      <p:sp>
+        <p:nvSpPr>
+          <p:cNvPr id="32" name="角丸四角形吹き出し 70"/>
+          <p:cNvSpPr/>
+          <p:nvPr/>
+        </p:nvSpPr>
+        <p:spPr>
+          <a:xfrm>
+            <a:off x="203401" y="123901"/>
+            <a:ext cx="8737200" cy="1433282"/>
+          </a:xfrm>
+          <a:custGeom>
+            <a:avLst/>
+            <a:gdLst>
+              <a:gd name="connsiteX0" fmla="*/ 0 w 8541658"/>
+              <a:gd name="connsiteY0" fmla="*/ 214817 h 1288876"/>
+              <a:gd name="connsiteX1" fmla="*/ 214817 w 8541658"/>
+              <a:gd name="connsiteY1" fmla="*/ 0 h 1288876"/>
+              <a:gd name="connsiteX2" fmla="*/ 1423610 w 8541658"/>
+              <a:gd name="connsiteY2" fmla="*/ 0 h 1288876"/>
+              <a:gd name="connsiteX3" fmla="*/ 1423610 w 8541658"/>
+              <a:gd name="connsiteY3" fmla="*/ 0 h 1288876"/>
+              <a:gd name="connsiteX4" fmla="*/ 3559024 w 8541658"/>
+              <a:gd name="connsiteY4" fmla="*/ 0 h 1288876"/>
+              <a:gd name="connsiteX5" fmla="*/ 8326841 w 8541658"/>
+              <a:gd name="connsiteY5" fmla="*/ 0 h 1288876"/>
+              <a:gd name="connsiteX6" fmla="*/ 8541658 w 8541658"/>
+              <a:gd name="connsiteY6" fmla="*/ 214817 h 1288876"/>
+              <a:gd name="connsiteX7" fmla="*/ 8541658 w 8541658"/>
+              <a:gd name="connsiteY7" fmla="*/ 751844 h 1288876"/>
+              <a:gd name="connsiteX8" fmla="*/ 8541658 w 8541658"/>
+              <a:gd name="connsiteY8" fmla="*/ 751844 h 1288876"/>
+              <a:gd name="connsiteX9" fmla="*/ 8541658 w 8541658"/>
+              <a:gd name="connsiteY9" fmla="*/ 1074063 h 1288876"/>
+              <a:gd name="connsiteX10" fmla="*/ 8541658 w 8541658"/>
+              <a:gd name="connsiteY10" fmla="*/ 1074059 h 1288876"/>
+              <a:gd name="connsiteX11" fmla="*/ 8326841 w 8541658"/>
+              <a:gd name="connsiteY11" fmla="*/ 1288876 h 1288876"/>
+              <a:gd name="connsiteX12" fmla="*/ 3559024 w 8541658"/>
+              <a:gd name="connsiteY12" fmla="*/ 1288876 h 1288876"/>
+              <a:gd name="connsiteX13" fmla="*/ 2230227 w 8541658"/>
+              <a:gd name="connsiteY13" fmla="*/ 1471381 h 1288876"/>
+              <a:gd name="connsiteX14" fmla="*/ 1423610 w 8541658"/>
+              <a:gd name="connsiteY14" fmla="*/ 1288876 h 1288876"/>
+              <a:gd name="connsiteX15" fmla="*/ 214817 w 8541658"/>
+              <a:gd name="connsiteY15" fmla="*/ 1288876 h 1288876"/>
+              <a:gd name="connsiteX16" fmla="*/ 0 w 8541658"/>
+              <a:gd name="connsiteY16" fmla="*/ 1074059 h 1288876"/>
+              <a:gd name="connsiteX17" fmla="*/ 0 w 8541658"/>
+              <a:gd name="connsiteY17" fmla="*/ 1074063 h 1288876"/>
+              <a:gd name="connsiteX18" fmla="*/ 0 w 8541658"/>
+              <a:gd name="connsiteY18" fmla="*/ 751844 h 1288876"/>
+              <a:gd name="connsiteX19" fmla="*/ 0 w 8541658"/>
+              <a:gd name="connsiteY19" fmla="*/ 751844 h 1288876"/>
+              <a:gd name="connsiteX20" fmla="*/ 0 w 8541658"/>
+              <a:gd name="connsiteY20" fmla="*/ 214817 h 1288876"/>
+              <a:gd name="connsiteX0" fmla="*/ 0 w 8541658"/>
+              <a:gd name="connsiteY0" fmla="*/ 214817 h 1471381"/>
+              <a:gd name="connsiteX1" fmla="*/ 214817 w 8541658"/>
+              <a:gd name="connsiteY1" fmla="*/ 0 h 1471381"/>
+              <a:gd name="connsiteX2" fmla="*/ 1423610 w 8541658"/>
+              <a:gd name="connsiteY2" fmla="*/ 0 h 1471381"/>
+              <a:gd name="connsiteX3" fmla="*/ 1423610 w 8541658"/>
+              <a:gd name="connsiteY3" fmla="*/ 0 h 1471381"/>
+              <a:gd name="connsiteX4" fmla="*/ 3559024 w 8541658"/>
+              <a:gd name="connsiteY4" fmla="*/ 0 h 1471381"/>
+              <a:gd name="connsiteX5" fmla="*/ 8326841 w 8541658"/>
+              <a:gd name="connsiteY5" fmla="*/ 0 h 1471381"/>
+              <a:gd name="connsiteX6" fmla="*/ 8541658 w 8541658"/>
+              <a:gd name="connsiteY6" fmla="*/ 214817 h 1471381"/>
+              <a:gd name="connsiteX7" fmla="*/ 8541658 w 8541658"/>
+              <a:gd name="connsiteY7" fmla="*/ 751844 h 1471381"/>
+              <a:gd name="connsiteX8" fmla="*/ 8541658 w 8541658"/>
+              <a:gd name="connsiteY8" fmla="*/ 751844 h 1471381"/>
+              <a:gd name="connsiteX9" fmla="*/ 8541658 w 8541658"/>
+              <a:gd name="connsiteY9" fmla="*/ 1074063 h 1471381"/>
+              <a:gd name="connsiteX10" fmla="*/ 8541658 w 8541658"/>
+              <a:gd name="connsiteY10" fmla="*/ 1074059 h 1471381"/>
+              <a:gd name="connsiteX11" fmla="*/ 8326841 w 8541658"/>
+              <a:gd name="connsiteY11" fmla="*/ 1288876 h 1471381"/>
+              <a:gd name="connsiteX12" fmla="*/ 1852144 w 8541658"/>
+              <a:gd name="connsiteY12" fmla="*/ 1288876 h 1471381"/>
+              <a:gd name="connsiteX13" fmla="*/ 2230227 w 8541658"/>
+              <a:gd name="connsiteY13" fmla="*/ 1471381 h 1471381"/>
+              <a:gd name="connsiteX14" fmla="*/ 1423610 w 8541658"/>
+              <a:gd name="connsiteY14" fmla="*/ 1288876 h 1471381"/>
+              <a:gd name="connsiteX15" fmla="*/ 214817 w 8541658"/>
+              <a:gd name="connsiteY15" fmla="*/ 1288876 h 1471381"/>
+              <a:gd name="connsiteX16" fmla="*/ 0 w 8541658"/>
+              <a:gd name="connsiteY16" fmla="*/ 1074059 h 1471381"/>
+              <a:gd name="connsiteX17" fmla="*/ 0 w 8541658"/>
+              <a:gd name="connsiteY17" fmla="*/ 1074063 h 1471381"/>
+              <a:gd name="connsiteX18" fmla="*/ 0 w 8541658"/>
+              <a:gd name="connsiteY18" fmla="*/ 751844 h 1471381"/>
+              <a:gd name="connsiteX19" fmla="*/ 0 w 8541658"/>
+              <a:gd name="connsiteY19" fmla="*/ 751844 h 1471381"/>
+              <a:gd name="connsiteX20" fmla="*/ 0 w 8541658"/>
+              <a:gd name="connsiteY20" fmla="*/ 214817 h 1471381"/>
+              <a:gd name="connsiteX0" fmla="*/ 0 w 8541658"/>
+              <a:gd name="connsiteY0" fmla="*/ 214817 h 1433281"/>
+              <a:gd name="connsiteX1" fmla="*/ 214817 w 8541658"/>
+              <a:gd name="connsiteY1" fmla="*/ 0 h 1433281"/>
+              <a:gd name="connsiteX2" fmla="*/ 1423610 w 8541658"/>
+              <a:gd name="connsiteY2" fmla="*/ 0 h 1433281"/>
+              <a:gd name="connsiteX3" fmla="*/ 1423610 w 8541658"/>
+              <a:gd name="connsiteY3" fmla="*/ 0 h 1433281"/>
+              <a:gd name="connsiteX4" fmla="*/ 3559024 w 8541658"/>
+              <a:gd name="connsiteY4" fmla="*/ 0 h 1433281"/>
+              <a:gd name="connsiteX5" fmla="*/ 8326841 w 8541658"/>
+              <a:gd name="connsiteY5" fmla="*/ 0 h 1433281"/>
+              <a:gd name="connsiteX6" fmla="*/ 8541658 w 8541658"/>
+              <a:gd name="connsiteY6" fmla="*/ 214817 h 1433281"/>
+              <a:gd name="connsiteX7" fmla="*/ 8541658 w 8541658"/>
+              <a:gd name="connsiteY7" fmla="*/ 751844 h 1433281"/>
+              <a:gd name="connsiteX8" fmla="*/ 8541658 w 8541658"/>
+              <a:gd name="connsiteY8" fmla="*/ 751844 h 1433281"/>
+              <a:gd name="connsiteX9" fmla="*/ 8541658 w 8541658"/>
+              <a:gd name="connsiteY9" fmla="*/ 1074063 h 1433281"/>
+              <a:gd name="connsiteX10" fmla="*/ 8541658 w 8541658"/>
+              <a:gd name="connsiteY10" fmla="*/ 1074059 h 1433281"/>
+              <a:gd name="connsiteX11" fmla="*/ 8326841 w 8541658"/>
+              <a:gd name="connsiteY11" fmla="*/ 1288876 h 1433281"/>
+              <a:gd name="connsiteX12" fmla="*/ 1852144 w 8541658"/>
+              <a:gd name="connsiteY12" fmla="*/ 1288876 h 1433281"/>
+              <a:gd name="connsiteX13" fmla="*/ 1864467 w 8541658"/>
+              <a:gd name="connsiteY13" fmla="*/ 1433281 h 1433281"/>
+              <a:gd name="connsiteX14" fmla="*/ 1423610 w 8541658"/>
+              <a:gd name="connsiteY14" fmla="*/ 1288876 h 1433281"/>
+              <a:gd name="connsiteX15" fmla="*/ 214817 w 8541658"/>
+              <a:gd name="connsiteY15" fmla="*/ 1288876 h 1433281"/>
+              <a:gd name="connsiteX16" fmla="*/ 0 w 8541658"/>
+              <a:gd name="connsiteY16" fmla="*/ 1074059 h 1433281"/>
+              <a:gd name="connsiteX17" fmla="*/ 0 w 8541658"/>
+              <a:gd name="connsiteY17" fmla="*/ 1074063 h 1433281"/>
+              <a:gd name="connsiteX18" fmla="*/ 0 w 8541658"/>
+              <a:gd name="connsiteY18" fmla="*/ 751844 h 1433281"/>
+              <a:gd name="connsiteX19" fmla="*/ 0 w 8541658"/>
+              <a:gd name="connsiteY19" fmla="*/ 751844 h 1433281"/>
+              <a:gd name="connsiteX20" fmla="*/ 0 w 8541658"/>
+              <a:gd name="connsiteY20" fmla="*/ 214817 h 1433281"/>
+            </a:gdLst>
+            <a:ahLst/>
+            <a:cxnLst>
+              <a:cxn ang="0">
+                <a:pos x="connsiteX0" y="connsiteY0"/>
+              </a:cxn>
+              <a:cxn ang="0">
+                <a:pos x="connsiteX1" y="connsiteY1"/>
+              </a:cxn>
+              <a:cxn ang="0">
+                <a:pos x="connsiteX2" y="connsiteY2"/>
+              </a:cxn>
+              <a:cxn ang="0">
+                <a:pos x="connsiteX3" y="connsiteY3"/>
+              </a:cxn>
+              <a:cxn ang="0">
+                <a:pos x="connsiteX4" y="connsiteY4"/>
+              </a:cxn>
+              <a:cxn ang="0">
+                <a:pos x="connsiteX5" y="connsiteY5"/>
+              </a:cxn>
+              <a:cxn ang="0">
+                <a:pos x="connsiteX6" y="connsiteY6"/>
+              </a:cxn>
+              <a:cxn ang="0">
+                <a:pos x="connsiteX7" y="connsiteY7"/>
+              </a:cxn>
+              <a:cxn ang="0">
+                <a:pos x="connsiteX8" y="connsiteY8"/>
+              </a:cxn>
+              <a:cxn ang="0">
+                <a:pos x="connsiteX9" y="connsiteY9"/>
+              </a:cxn>
+              <a:cxn ang="0">
+                <a:pos x="connsiteX10" y="connsiteY10"/>
+              </a:cxn>
+              <a:cxn ang="0">
+                <a:pos x="connsiteX11" y="connsiteY11"/>
+              </a:cxn>
+              <a:cxn ang="0">
+                <a:pos x="connsiteX12" y="connsiteY12"/>
+              </a:cxn>
+              <a:cxn ang="0">
+                <a:pos x="connsiteX13" y="connsiteY13"/>
+              </a:cxn>
+              <a:cxn ang="0">
+                <a:pos x="connsiteX14" y="connsiteY14"/>
+              </a:cxn>
+              <a:cxn ang="0">
+                <a:pos x="connsiteX15" y="connsiteY15"/>
+              </a:cxn>
+              <a:cxn ang="0">
+                <a:pos x="connsiteX16" y="connsiteY16"/>
+              </a:cxn>
+              <a:cxn ang="0">
+                <a:pos x="connsiteX17" y="connsiteY17"/>
+              </a:cxn>
+              <a:cxn ang="0">
+                <a:pos x="connsiteX18" y="connsiteY18"/>
+              </a:cxn>
+              <a:cxn ang="0">
+                <a:pos x="connsiteX19" y="connsiteY19"/>
+              </a:cxn>
+              <a:cxn ang="0">
+                <a:pos x="connsiteX20" y="connsiteY20"/>
+              </a:cxn>
+            </a:cxnLst>
+            <a:rect l="l" t="t" r="r" b="b"/>
+            <a:pathLst>
+              <a:path w="8541658" h="1433281">
+                <a:moveTo>
+                  <a:pt x="0" y="214817"/>
+                </a:moveTo>
+                <a:cubicBezTo>
+                  <a:pt x="0" y="96177"/>
+                  <a:pt x="96177" y="0"/>
+                  <a:pt x="214817" y="0"/>
+                </a:cubicBezTo>
+                <a:lnTo>
+                  <a:pt x="1423610" y="0"/>
+                </a:lnTo>
+                <a:lnTo>
+                  <a:pt x="1423610" y="0"/>
+                </a:lnTo>
+                <a:lnTo>
+                  <a:pt x="3559024" y="0"/>
+                </a:lnTo>
+                <a:lnTo>
+                  <a:pt x="8326841" y="0"/>
+                </a:lnTo>
+                <a:cubicBezTo>
+                  <a:pt x="8445481" y="0"/>
+                  <a:pt x="8541658" y="96177"/>
+                  <a:pt x="8541658" y="214817"/>
+                </a:cubicBezTo>
+                <a:lnTo>
+                  <a:pt x="8541658" y="751844"/>
+                </a:lnTo>
+                <a:lnTo>
+                  <a:pt x="8541658" y="751844"/>
+                </a:lnTo>
+                <a:lnTo>
+                  <a:pt x="8541658" y="1074063"/>
+                </a:lnTo>
+                <a:lnTo>
+                  <a:pt x="8541658" y="1074059"/>
+                </a:lnTo>
+                <a:cubicBezTo>
+                  <a:pt x="8541658" y="1192699"/>
+                  <a:pt x="8445481" y="1288876"/>
+                  <a:pt x="8326841" y="1288876"/>
+                </a:cubicBezTo>
+                <a:lnTo>
+                  <a:pt x="1852144" y="1288876"/>
+                </a:lnTo>
+                <a:lnTo>
+                  <a:pt x="1864467" y="1433281"/>
+                </a:lnTo>
+                <a:lnTo>
+                  <a:pt x="1423610" y="1288876"/>
+                </a:lnTo>
+                <a:lnTo>
+                  <a:pt x="214817" y="1288876"/>
+                </a:lnTo>
+                <a:cubicBezTo>
+                  <a:pt x="96177" y="1288876"/>
+                  <a:pt x="0" y="1192699"/>
+                  <a:pt x="0" y="1074059"/>
+                </a:cubicBezTo>
+                <a:lnTo>
+                  <a:pt x="0" y="1074063"/>
+                </a:lnTo>
+                <a:lnTo>
+                  <a:pt x="0" y="751844"/>
+                </a:lnTo>
+                <a:lnTo>
+                  <a:pt x="0" y="751844"/>
+                </a:lnTo>
+                <a:lnTo>
+                  <a:pt x="0" y="214817"/>
+                </a:lnTo>
+                <a:close/>
+              </a:path>
+            </a:pathLst>
+          </a:custGeom>
+          <a:solidFill>
+            <a:srgbClr val="03C924"/>
+          </a:solidFill>
+          <a:ln>
+            <a:noFill/>
+          </a:ln>
+        </p:spPr>
+        <p:style>
+          <a:lnRef idx="2">
+            <a:schemeClr val="accent1">
+              <a:shade val="50000"/>
+            </a:schemeClr>
+          </a:lnRef>
+          <a:fillRef idx="1">
+            <a:schemeClr val="accent1"/>
+          </a:fillRef>
+          <a:effectRef idx="0">
+            <a:schemeClr val="accent1"/>
+          </a:effectRef>
+          <a:fontRef idx="minor">
+            <a:schemeClr val="lt1"/>
+          </a:fontRef>
+        </p:style>
+        <p:txBody>
+          <a:bodyPr lIns="143983" tIns="143983" rIns="143983" bIns="0" rtlCol="0" anchor="ctr"/>
+          <a:lstStyle/>
+          <a:p>
+            <a:r>
+              <a:rPr lang="ja-JP" altLang="en-US" b="1" dirty="0" smtClean="0">
+                <a:ea typeface="ＭＳ ゴシック" panose="020B0609070205080204" pitchFamily="49" charset="-128"/>
+              </a:rPr>
+              <a:t>リモートリポジトリ</a:t>
+            </a:r>
+            <a:r>
+              <a:rPr lang="ja-JP" altLang="en-US" b="1" dirty="0">
+                <a:ea typeface="ＭＳ ゴシック" panose="020B0609070205080204" pitchFamily="49" charset="-128"/>
+              </a:rPr>
+              <a:t>と</a:t>
+            </a:r>
+            <a:r>
+              <a:rPr lang="ja-JP" altLang="en-US" b="1" dirty="0" smtClean="0">
+                <a:ea typeface="ＭＳ ゴシック" panose="020B0609070205080204" pitchFamily="49" charset="-128"/>
+              </a:rPr>
+              <a:t>ローカルリポジトリの </a:t>
+            </a:r>
+            <a:r>
+              <a:rPr lang="en-US" altLang="ja-JP" b="1" dirty="0" smtClean="0">
+                <a:ea typeface="ＭＳ ゴシック" panose="020B0609070205080204" pitchFamily="49" charset="-128"/>
+              </a:rPr>
+              <a:t>master </a:t>
+            </a:r>
+            <a:r>
+              <a:rPr lang="ja-JP" altLang="en-US" b="1" dirty="0" smtClean="0">
+                <a:ea typeface="ＭＳ ゴシック" panose="020B0609070205080204" pitchFamily="49" charset="-128"/>
+              </a:rPr>
+              <a:t>ブランチ</a:t>
+            </a:r>
+            <a:r>
+              <a:rPr lang="ja-JP" altLang="en-US" b="1" dirty="0">
+                <a:ea typeface="ＭＳ ゴシック" panose="020B0609070205080204" pitchFamily="49" charset="-128"/>
+              </a:rPr>
+              <a:t>で開発が進み</a:t>
+            </a:r>
+            <a:r>
+              <a:rPr lang="ja-JP" altLang="en-US" b="1" dirty="0" smtClean="0">
+                <a:ea typeface="ＭＳ ゴシック" panose="020B0609070205080204" pitchFamily="49" charset="-128"/>
+              </a:rPr>
+              <a:t>、</a:t>
+            </a:r>
+            <a:endParaRPr lang="en-US" altLang="ja-JP" b="1" dirty="0" smtClean="0">
+              <a:ea typeface="ＭＳ ゴシック" panose="020B0609070205080204" pitchFamily="49" charset="-128"/>
+            </a:endParaRPr>
+          </a:p>
+          <a:p>
+            <a:r>
+              <a:rPr lang="ja-JP" altLang="en-US" b="1" dirty="0" smtClean="0">
+                <a:ea typeface="ＭＳ ゴシック" panose="020B0609070205080204" pitchFamily="49" charset="-128"/>
+              </a:rPr>
+              <a:t>それぞれ</a:t>
+            </a:r>
+            <a:r>
+              <a:rPr lang="ja-JP" altLang="en-US" b="1" dirty="0">
+                <a:ea typeface="ＭＳ ゴシック" panose="020B0609070205080204" pitchFamily="49" charset="-128"/>
+              </a:rPr>
+              <a:t>コミットが</a:t>
+            </a:r>
+            <a:r>
+              <a:rPr lang="ja-JP" altLang="en-US" b="1" dirty="0" smtClean="0">
+                <a:ea typeface="ＭＳ ゴシック" panose="020B0609070205080204" pitchFamily="49" charset="-128"/>
+              </a:rPr>
+              <a:t>追加された。</a:t>
+            </a:r>
+            <a:endParaRPr lang="en-US" altLang="ja-JP" b="1" dirty="0" smtClean="0">
+              <a:ea typeface="ＭＳ ゴシック" panose="020B0609070205080204" pitchFamily="49" charset="-128"/>
+            </a:endParaRPr>
+          </a:p>
+          <a:p>
+            <a:endParaRPr lang="ja-JP" altLang="en-US" b="1" dirty="0">
+              <a:ea typeface="ＭＳ ゴシック" panose="020B0609070205080204" pitchFamily="49" charset="-128"/>
+            </a:endParaRPr>
+          </a:p>
+        </p:txBody>
+      </p:sp>
     </p:spTree>
     <p:extLst>
       <p:ext uri="{BB962C8B-B14F-4D97-AF65-F5344CB8AC3E}">
@@ -5866,18 +7026,85 @@
       </p:grpSpPr>
       <p:sp>
         <p:nvSpPr>
+          <p:cNvPr id="31" name="正方形/長方形 30"/>
+          <p:cNvSpPr/>
+          <p:nvPr/>
+        </p:nvSpPr>
+        <p:spPr>
+          <a:xfrm>
+            <a:off x="395536" y="4260185"/>
+            <a:ext cx="8352928" cy="2508893"/>
+          </a:xfrm>
+          <a:prstGeom prst="rect">
+            <a:avLst/>
+          </a:prstGeom>
+          <a:solidFill>
+            <a:srgbClr val="F8AD3E"/>
+          </a:solidFill>
+          <a:ln>
+            <a:noFill/>
+          </a:ln>
+        </p:spPr>
+        <p:style>
+          <a:lnRef idx="2">
+            <a:schemeClr val="accent5">
+              <a:shade val="50000"/>
+            </a:schemeClr>
+          </a:lnRef>
+          <a:fillRef idx="1">
+            <a:schemeClr val="accent5"/>
+          </a:fillRef>
+          <a:effectRef idx="0">
+            <a:schemeClr val="accent5"/>
+          </a:effectRef>
+          <a:fontRef idx="minor">
+            <a:schemeClr val="lt1"/>
+          </a:fontRef>
+        </p:style>
+        <p:txBody>
+          <a:bodyPr rtlCol="0" anchor="t" anchorCtr="0"/>
+          <a:lstStyle/>
+          <a:p>
+            <a:r>
+              <a:rPr lang="ja-JP" altLang="en-US" b="1" dirty="0">
+                <a:solidFill>
+                  <a:schemeClr val="bg1"/>
+                </a:solidFill>
+                <a:latin typeface="ＭＳ ゴシック" panose="020B0609070205080204" pitchFamily="49" charset="-128"/>
+                <a:ea typeface="ＭＳ ゴシック" panose="020B0609070205080204" pitchFamily="49" charset="-128"/>
+              </a:rPr>
+              <a:t>ローカルリポジトリ</a:t>
+            </a:r>
+            <a:endParaRPr lang="ja-JP" altLang="en-US" b="1" dirty="0">
+              <a:solidFill>
+                <a:schemeClr val="bg1"/>
+              </a:solidFill>
+              <a:latin typeface="ＭＳ ゴシック" panose="020B0609070205080204" pitchFamily="49" charset="-128"/>
+              <a:ea typeface="ＭＳ ゴシック" panose="020B0609070205080204" pitchFamily="49" charset="-128"/>
+            </a:endParaRPr>
+          </a:p>
+        </p:txBody>
+      </p:sp>
+      <p:sp>
+        <p:nvSpPr>
           <p:cNvPr id="21" name="円/楕円 20"/>
           <p:cNvSpPr/>
           <p:nvPr/>
         </p:nvSpPr>
         <p:spPr>
           <a:xfrm>
-            <a:off x="1554987" y="4741592"/>
+            <a:off x="1554987" y="4841310"/>
             <a:ext cx="540000" cy="540000"/>
           </a:xfrm>
           <a:prstGeom prst="ellipse">
             <a:avLst/>
           </a:prstGeom>
+          <a:solidFill>
+            <a:srgbClr val="FF0066"/>
+          </a:solidFill>
+          <a:ln>
+            <a:noFill/>
+          </a:ln>
         </p:spPr>
         <p:style>
           <a:lnRef idx="2">
@@ -5896,15 +7123,15 @@
           </a:fontRef>
         </p:style>
         <p:txBody>
-          <a:bodyPr rtlCol="0" anchor="ctr"/>
-          <a:lstStyle/>
-          <a:p>
-            <a:pPr algn="ctr"/>
-            <a:r>
-              <a:rPr kumimoji="1" lang="en-US" altLang="ja-JP" dirty="0" smtClean="0"/>
+          <a:bodyPr lIns="91429" tIns="45715" rIns="91429" bIns="45715" rtlCol="0" anchor="ctr"/>
+          <a:lstStyle/>
+          <a:p>
+            <a:pPr algn="ctr" defTabSz="914295"/>
+            <a:r>
+              <a:rPr lang="en-US" altLang="ja-JP" dirty="0"/>
               <a:t>A</a:t>
             </a:r>
-            <a:endParaRPr kumimoji="1" lang="ja-JP" altLang="en-US" dirty="0"/>
+            <a:endParaRPr lang="ja-JP" altLang="en-US" dirty="0"/>
           </a:p>
         </p:txBody>
       </p:sp>
@@ -5919,17 +7146,17 @@
         </p:nvCxnSpPr>
         <p:spPr>
           <a:xfrm flipH="1">
-            <a:off x="2094987" y="5011592"/>
+            <a:off x="2094987" y="5111310"/>
             <a:ext cx="432168" cy="0"/>
           </a:xfrm>
           <a:prstGeom prst="straightConnector1">
             <a:avLst/>
           </a:prstGeom>
-          <a:ln w="19050">
+          <a:ln w="31750">
             <a:solidFill>
               <a:schemeClr val="tx1"/>
             </a:solidFill>
-            <a:prstDash val="sysDash"/>
+            <a:prstDash val="sysDot"/>
             <a:tailEnd type="triangle" w="lg" len="med"/>
           </a:ln>
         </p:spPr>
@@ -5956,12 +7183,18 @@
         </p:nvSpPr>
         <p:spPr>
           <a:xfrm>
-            <a:off x="2527155" y="4741592"/>
+            <a:off x="2527155" y="4841310"/>
             <a:ext cx="540000" cy="540000"/>
           </a:xfrm>
           <a:prstGeom prst="ellipse">
             <a:avLst/>
           </a:prstGeom>
+          <a:solidFill>
+            <a:srgbClr val="FF0066"/>
+          </a:solidFill>
+          <a:ln>
+            <a:noFill/>
+          </a:ln>
         </p:spPr>
         <p:style>
           <a:lnRef idx="2">
@@ -5980,15 +7213,15 @@
           </a:fontRef>
         </p:style>
         <p:txBody>
-          <a:bodyPr rtlCol="0" anchor="ctr"/>
-          <a:lstStyle/>
-          <a:p>
-            <a:pPr algn="ctr"/>
-            <a:r>
-              <a:rPr kumimoji="1" lang="en-US" altLang="ja-JP" dirty="0" smtClean="0"/>
+          <a:bodyPr lIns="91429" tIns="45715" rIns="91429" bIns="45715" rtlCol="0" anchor="ctr"/>
+          <a:lstStyle/>
+          <a:p>
+            <a:pPr algn="ctr" defTabSz="914295"/>
+            <a:r>
+              <a:rPr lang="en-US" altLang="ja-JP" dirty="0"/>
               <a:t>B</a:t>
             </a:r>
-            <a:endParaRPr kumimoji="1" lang="ja-JP" altLang="en-US" dirty="0"/>
+            <a:endParaRPr lang="ja-JP" altLang="en-US" dirty="0"/>
           </a:p>
         </p:txBody>
       </p:sp>
@@ -6000,12 +7233,18 @@
         </p:nvSpPr>
         <p:spPr>
           <a:xfrm>
-            <a:off x="3499323" y="4741592"/>
+            <a:off x="3499323" y="4841310"/>
             <a:ext cx="540000" cy="540000"/>
           </a:xfrm>
           <a:prstGeom prst="ellipse">
             <a:avLst/>
           </a:prstGeom>
+          <a:solidFill>
+            <a:srgbClr val="FF0066"/>
+          </a:solidFill>
+          <a:ln>
+            <a:noFill/>
+          </a:ln>
         </p:spPr>
         <p:style>
           <a:lnRef idx="2">
@@ -6024,15 +7263,15 @@
           </a:fontRef>
         </p:style>
         <p:txBody>
-          <a:bodyPr rtlCol="0" anchor="ctr"/>
-          <a:lstStyle/>
-          <a:p>
-            <a:pPr algn="ctr"/>
-            <a:r>
-              <a:rPr kumimoji="1" lang="en-US" altLang="ja-JP" dirty="0" smtClean="0"/>
+          <a:bodyPr lIns="91429" tIns="45715" rIns="91429" bIns="45715" rtlCol="0" anchor="ctr"/>
+          <a:lstStyle/>
+          <a:p>
+            <a:pPr algn="ctr" defTabSz="914295"/>
+            <a:r>
+              <a:rPr lang="en-US" altLang="ja-JP" dirty="0"/>
               <a:t>C</a:t>
             </a:r>
-            <a:endParaRPr kumimoji="1" lang="ja-JP" altLang="en-US" dirty="0"/>
+            <a:endParaRPr lang="ja-JP" altLang="en-US" dirty="0"/>
           </a:p>
         </p:txBody>
       </p:sp>
@@ -6047,17 +7286,17 @@
         </p:nvCxnSpPr>
         <p:spPr>
           <a:xfrm flipH="1">
-            <a:off x="3067155" y="5011592"/>
+            <a:off x="3067155" y="5111310"/>
             <a:ext cx="432168" cy="0"/>
           </a:xfrm>
           <a:prstGeom prst="straightConnector1">
             <a:avLst/>
           </a:prstGeom>
-          <a:ln w="19050">
+          <a:ln w="31750">
             <a:solidFill>
               <a:schemeClr val="tx1"/>
             </a:solidFill>
-            <a:prstDash val="sysDash"/>
+            <a:prstDash val="sysDot"/>
             <a:tailEnd type="triangle" w="lg" len="med"/>
           </a:ln>
         </p:spPr>
@@ -6084,12 +7323,18 @@
         </p:nvSpPr>
         <p:spPr>
           <a:xfrm>
-            <a:off x="4453429" y="4741592"/>
+            <a:off x="4453429" y="4841310"/>
             <a:ext cx="540000" cy="540000"/>
           </a:xfrm>
           <a:prstGeom prst="ellipse">
             <a:avLst/>
           </a:prstGeom>
+          <a:solidFill>
+            <a:srgbClr val="FF0066"/>
+          </a:solidFill>
+          <a:ln>
+            <a:noFill/>
+          </a:ln>
         </p:spPr>
         <p:style>
           <a:lnRef idx="2">
@@ -6108,15 +7353,15 @@
           </a:fontRef>
         </p:style>
         <p:txBody>
-          <a:bodyPr rtlCol="0" anchor="ctr"/>
-          <a:lstStyle/>
-          <a:p>
-            <a:pPr algn="ctr"/>
-            <a:r>
-              <a:rPr kumimoji="1" lang="en-US" altLang="ja-JP" dirty="0" smtClean="0"/>
+          <a:bodyPr lIns="91429" tIns="45715" rIns="91429" bIns="45715" rtlCol="0" anchor="ctr"/>
+          <a:lstStyle/>
+          <a:p>
+            <a:pPr algn="ctr" defTabSz="914295"/>
+            <a:r>
+              <a:rPr lang="en-US" altLang="ja-JP" dirty="0"/>
               <a:t>D</a:t>
             </a:r>
-            <a:endParaRPr kumimoji="1" lang="ja-JP" altLang="en-US" dirty="0"/>
+            <a:endParaRPr lang="ja-JP" altLang="en-US" dirty="0"/>
           </a:p>
         </p:txBody>
       </p:sp>
@@ -6131,17 +7376,17 @@
         </p:nvCxnSpPr>
         <p:spPr>
           <a:xfrm flipH="1">
-            <a:off x="4039323" y="5011592"/>
+            <a:off x="4039323" y="5111310"/>
             <a:ext cx="414106" cy="0"/>
           </a:xfrm>
           <a:prstGeom prst="straightConnector1">
             <a:avLst/>
           </a:prstGeom>
-          <a:ln w="19050">
+          <a:ln w="31750">
             <a:solidFill>
               <a:schemeClr val="tx1"/>
             </a:solidFill>
-            <a:prstDash val="sysDash"/>
+            <a:prstDash val="sysDot"/>
             <a:tailEnd type="triangle" w="lg" len="med"/>
           </a:ln>
         </p:spPr>
@@ -6160,79 +7405,6 @@
           </a:fontRef>
         </p:style>
       </p:cxnSp>
-      <p:sp>
-        <p:nvSpPr>
-          <p:cNvPr id="37" name="テキスト ボックス 36"/>
-          <p:cNvSpPr txBox="1"/>
-          <p:nvPr/>
-        </p:nvSpPr>
-        <p:spPr>
-          <a:xfrm>
-            <a:off x="267552" y="201414"/>
-            <a:ext cx="8624928" cy="923330"/>
-          </a:xfrm>
-          <a:prstGeom prst="rect">
-            <a:avLst/>
-          </a:prstGeom>
-          <a:noFill/>
-        </p:spPr>
-        <p:txBody>
-          <a:bodyPr wrap="square" rtlCol="0">
-            <a:spAutoFit/>
-          </a:bodyPr>
-          <a:lstStyle/>
-          <a:p>
-            <a:r>
-              <a:rPr lang="ja-JP" altLang="en-US" dirty="0" smtClean="0"/>
-              <a:t>「</a:t>
-            </a:r>
-            <a:r>
-              <a:rPr lang="en-US" altLang="ja-JP" dirty="0" err="1" smtClean="0"/>
-              <a:t>git</a:t>
-            </a:r>
-            <a:r>
-              <a:rPr lang="en-US" altLang="ja-JP" dirty="0" smtClean="0"/>
-              <a:t> pull</a:t>
-            </a:r>
-            <a:r>
-              <a:rPr lang="ja-JP" altLang="en-US" dirty="0" smtClean="0"/>
-              <a:t>」を実行し、そのフェッチ処理まで完了した。</a:t>
-            </a:r>
-            <a:endParaRPr lang="en-US" altLang="ja-JP" dirty="0" smtClean="0"/>
-          </a:p>
-          <a:p>
-            <a:r>
-              <a:rPr lang="ja-JP" altLang="en-US" dirty="0" smtClean="0"/>
-              <a:t>リモートレポジトリで作られたコミット</a:t>
-            </a:r>
-            <a:r>
-              <a:rPr lang="en-US" altLang="ja-JP" dirty="0" smtClean="0"/>
-              <a:t>X</a:t>
-            </a:r>
-            <a:r>
-              <a:rPr lang="ja-JP" altLang="en-US" dirty="0" err="1" smtClean="0"/>
-              <a:t>、</a:t>
-            </a:r>
-            <a:r>
-              <a:rPr lang="en-US" altLang="ja-JP" dirty="0" smtClean="0"/>
-              <a:t>Y</a:t>
-            </a:r>
-            <a:r>
-              <a:rPr lang="ja-JP" altLang="en-US" dirty="0" smtClean="0"/>
-              <a:t>がローカルレポジトリの</a:t>
-            </a:r>
-            <a:r>
-              <a:rPr lang="en-US" altLang="ja-JP" dirty="0" smtClean="0"/>
-              <a:t>origin/master</a:t>
-            </a:r>
-            <a:r>
-              <a:rPr lang="ja-JP" altLang="en-US" dirty="0" smtClean="0"/>
-              <a:t>ブランチに取り込まれた。</a:t>
-            </a:r>
-            <a:endParaRPr lang="en-US" altLang="ja-JP" dirty="0" smtClean="0"/>
-          </a:p>
-        </p:txBody>
-      </p:sp>
       <p:cxnSp>
         <p:nvCxnSpPr>
           <p:cNvPr id="26" name="直線矢印コネクタ 25"/>
@@ -6243,17 +7415,17 @@
         </p:nvCxnSpPr>
         <p:spPr>
           <a:xfrm flipH="1">
-            <a:off x="4734224" y="4448499"/>
+            <a:off x="4734224" y="4548217"/>
             <a:ext cx="428406" cy="273420"/>
           </a:xfrm>
           <a:prstGeom prst="straightConnector1">
             <a:avLst/>
           </a:prstGeom>
-          <a:ln w="19050">
+          <a:ln w="31750">
             <a:solidFill>
               <a:schemeClr val="tx1"/>
             </a:solidFill>
-            <a:prstDash val="sysDash"/>
+            <a:prstDash val="sysDot"/>
             <a:tailEnd type="triangle" w="lg" len="med"/>
           </a:ln>
         </p:spPr>
@@ -6280,13 +7452,14 @@
         </p:nvSpPr>
         <p:spPr>
           <a:xfrm>
-            <a:off x="5162630" y="4304483"/>
+            <a:off x="5162630" y="4404201"/>
             <a:ext cx="936044" cy="288032"/>
           </a:xfrm>
           <a:prstGeom prst="rect">
             <a:avLst/>
           </a:prstGeom>
           <a:ln>
+            <a:noFill/>
             <a:prstDash val="sysDash"/>
           </a:ln>
         </p:spPr>
@@ -6307,15 +7480,15 @@
           </a:fontRef>
         </p:style>
         <p:txBody>
-          <a:bodyPr rtlCol="0" anchor="ctr"/>
-          <a:lstStyle/>
-          <a:p>
-            <a:pPr algn="ctr"/>
-            <a:r>
-              <a:rPr kumimoji="1" lang="en-US" altLang="ja-JP" dirty="0" smtClean="0"/>
+          <a:bodyPr lIns="91429" tIns="45715" rIns="91429" bIns="45715" rtlCol="0" anchor="ctr"/>
+          <a:lstStyle/>
+          <a:p>
+            <a:pPr algn="ctr" defTabSz="914295"/>
+            <a:r>
+              <a:rPr lang="en-US" altLang="ja-JP" dirty="0"/>
               <a:t>master</a:t>
             </a:r>
-            <a:endParaRPr kumimoji="1" lang="ja-JP" altLang="en-US" dirty="0"/>
+            <a:endParaRPr lang="ja-JP" altLang="en-US" dirty="0"/>
           </a:p>
         </p:txBody>
       </p:sp>
@@ -6329,17 +7502,17 @@
         </p:nvCxnSpPr>
         <p:spPr>
           <a:xfrm flipH="1" flipV="1">
-            <a:off x="5362597" y="6163691"/>
+            <a:off x="5362597" y="6263409"/>
             <a:ext cx="370799" cy="244341"/>
           </a:xfrm>
           <a:prstGeom prst="straightConnector1">
             <a:avLst/>
           </a:prstGeom>
-          <a:ln w="19050">
+          <a:ln w="31750">
             <a:solidFill>
               <a:schemeClr val="tx1"/>
             </a:solidFill>
-            <a:prstDash val="sysDash"/>
+            <a:prstDash val="sysDot"/>
             <a:tailEnd type="triangle" w="lg" len="med"/>
           </a:ln>
         </p:spPr>
@@ -6366,13 +7539,14 @@
         </p:nvSpPr>
         <p:spPr>
           <a:xfrm>
-            <a:off x="5733396" y="6264016"/>
+            <a:off x="5733396" y="6363734"/>
             <a:ext cx="1470393" cy="288032"/>
           </a:xfrm>
           <a:prstGeom prst="rect">
             <a:avLst/>
           </a:prstGeom>
           <a:ln>
+            <a:noFill/>
             <a:prstDash val="sysDash"/>
           </a:ln>
         </p:spPr>
@@ -6393,15 +7567,15 @@
           </a:fontRef>
         </p:style>
         <p:txBody>
-          <a:bodyPr rtlCol="0" anchor="ctr"/>
-          <a:lstStyle/>
-          <a:p>
-            <a:pPr algn="ctr"/>
-            <a:r>
-              <a:rPr lang="en-US" altLang="ja-JP" dirty="0" smtClean="0"/>
+          <a:bodyPr lIns="91429" tIns="45715" rIns="91429" bIns="45715" rtlCol="0" anchor="ctr"/>
+          <a:lstStyle/>
+          <a:p>
+            <a:pPr algn="ctr" defTabSz="914295"/>
+            <a:r>
+              <a:rPr lang="en-US" altLang="ja-JP" dirty="0"/>
               <a:t>origin/master</a:t>
             </a:r>
-            <a:endParaRPr kumimoji="1" lang="ja-JP" altLang="en-US" dirty="0"/>
+            <a:endParaRPr lang="ja-JP" altLang="en-US" dirty="0"/>
           </a:p>
         </p:txBody>
       </p:sp>
@@ -6413,31 +7587,30 @@
         </p:nvSpPr>
         <p:spPr>
           <a:xfrm>
-            <a:off x="395536" y="1453305"/>
+            <a:off x="395536" y="1633363"/>
             <a:ext cx="8352928" cy="2515717"/>
           </a:xfrm>
           <a:prstGeom prst="rect">
             <a:avLst/>
           </a:prstGeom>
-          <a:noFill/>
+          <a:solidFill>
+            <a:srgbClr val="F7A021"/>
+          </a:solidFill>
           <a:ln>
-            <a:solidFill>
-              <a:schemeClr val="tx1"/>
-            </a:solidFill>
-            <a:prstDash val="sysDash"/>
+            <a:noFill/>
           </a:ln>
         </p:spPr>
         <p:style>
           <a:lnRef idx="2">
-            <a:schemeClr val="accent1">
+            <a:schemeClr val="accent5">
               <a:shade val="50000"/>
             </a:schemeClr>
           </a:lnRef>
           <a:fillRef idx="1">
-            <a:schemeClr val="accent1"/>
-          </a:fillRef>
-          <a:effectRef idx="0">
-            <a:schemeClr val="accent1"/>
+            <a:schemeClr val="accent5"/>
+          </a:fillRef>
+          <a:effectRef idx="0">
+            <a:schemeClr val="accent5"/>
           </a:effectRef>
           <a:fontRef idx="minor">
             <a:schemeClr val="lt1"/>
@@ -6448,75 +7621,21 @@
           <a:lstStyle/>
           <a:p>
             <a:r>
-              <a:rPr lang="ja-JP" altLang="en-US" sz="1600" dirty="0" smtClean="0">
+              <a:rPr lang="ja-JP" altLang="en-US" b="1" dirty="0">
                 <a:solidFill>
-                  <a:schemeClr val="tx1"/>
+                  <a:schemeClr val="bg1"/>
                 </a:solidFill>
+                <a:latin typeface="ＭＳ ゴシック" panose="020B0609070205080204" pitchFamily="49" charset="-128"/>
+                <a:ea typeface="ＭＳ ゴシック" panose="020B0609070205080204" pitchFamily="49" charset="-128"/>
               </a:rPr>
-              <a:t>リモートレポジトリ</a:t>
-            </a:r>
-            <a:endParaRPr kumimoji="1" lang="ja-JP" altLang="en-US" sz="1600" dirty="0">
+              <a:t>リモートリポジトリ</a:t>
+            </a:r>
+            <a:endParaRPr lang="ja-JP" altLang="en-US" b="1" dirty="0">
               <a:solidFill>
-                <a:schemeClr val="tx1"/>
+                <a:schemeClr val="bg1"/>
               </a:solidFill>
-            </a:endParaRPr>
-          </a:p>
-        </p:txBody>
-      </p:sp>
-      <p:sp>
-        <p:nvSpPr>
-          <p:cNvPr id="31" name="正方形/長方形 30"/>
-          <p:cNvSpPr/>
-          <p:nvPr/>
-        </p:nvSpPr>
-        <p:spPr>
-          <a:xfrm>
-            <a:off x="395536" y="4160467"/>
-            <a:ext cx="8352928" cy="2508893"/>
-          </a:xfrm>
-          <a:prstGeom prst="rect">
-            <a:avLst/>
-          </a:prstGeom>
-          <a:noFill/>
-          <a:ln>
-            <a:solidFill>
-              <a:schemeClr val="tx1"/>
-            </a:solidFill>
-            <a:prstDash val="sysDash"/>
-          </a:ln>
-        </p:spPr>
-        <p:style>
-          <a:lnRef idx="2">
-            <a:schemeClr val="accent1">
-              <a:shade val="50000"/>
-            </a:schemeClr>
-          </a:lnRef>
-          <a:fillRef idx="1">
-            <a:schemeClr val="accent1"/>
-          </a:fillRef>
-          <a:effectRef idx="0">
-            <a:schemeClr val="accent1"/>
-          </a:effectRef>
-          <a:fontRef idx="minor">
-            <a:schemeClr val="lt1"/>
-          </a:fontRef>
-        </p:style>
-        <p:txBody>
-          <a:bodyPr rtlCol="0" anchor="t" anchorCtr="0"/>
-          <a:lstStyle/>
-          <a:p>
-            <a:r>
-              <a:rPr lang="ja-JP" altLang="en-US" sz="1600" dirty="0" smtClean="0">
-                <a:solidFill>
-                  <a:schemeClr val="tx1"/>
-                </a:solidFill>
-              </a:rPr>
-              <a:t>ローカルレポジトリ</a:t>
-            </a:r>
-            <a:endParaRPr kumimoji="1" lang="ja-JP" altLang="en-US" sz="1600" dirty="0">
-              <a:solidFill>
-                <a:schemeClr val="tx1"/>
-              </a:solidFill>
+              <a:latin typeface="ＭＳ ゴシック" panose="020B0609070205080204" pitchFamily="49" charset="-128"/>
+              <a:ea typeface="ＭＳ ゴシック" panose="020B0609070205080204" pitchFamily="49" charset="-128"/>
             </a:endParaRPr>
           </a:p>
         </p:txBody>
@@ -6529,12 +7648,18 @@
         </p:nvSpPr>
         <p:spPr>
           <a:xfrm>
-            <a:off x="4138411" y="5608374"/>
+            <a:off x="4138411" y="5708092"/>
             <a:ext cx="540000" cy="540000"/>
           </a:xfrm>
           <a:prstGeom prst="ellipse">
             <a:avLst/>
           </a:prstGeom>
+          <a:solidFill>
+            <a:srgbClr val="FF0066"/>
+          </a:solidFill>
+          <a:ln>
+            <a:noFill/>
+          </a:ln>
         </p:spPr>
         <p:style>
           <a:lnRef idx="2">
@@ -6553,15 +7678,15 @@
           </a:fontRef>
         </p:style>
         <p:txBody>
-          <a:bodyPr rtlCol="0" anchor="ctr"/>
-          <a:lstStyle/>
-          <a:p>
-            <a:pPr algn="ctr"/>
-            <a:r>
-              <a:rPr kumimoji="1" lang="en-US" altLang="ja-JP" dirty="0" smtClean="0"/>
+          <a:bodyPr lIns="91429" tIns="45715" rIns="91429" bIns="45715" rtlCol="0" anchor="ctr"/>
+          <a:lstStyle/>
+          <a:p>
+            <a:pPr algn="ctr" defTabSz="914295"/>
+            <a:r>
+              <a:rPr lang="en-US" altLang="ja-JP" dirty="0"/>
               <a:t>X</a:t>
             </a:r>
-            <a:endParaRPr kumimoji="1" lang="ja-JP" altLang="en-US" dirty="0"/>
+            <a:endParaRPr lang="ja-JP" altLang="en-US" dirty="0"/>
           </a:p>
         </p:txBody>
       </p:sp>
@@ -6575,17 +7700,17 @@
         </p:nvCxnSpPr>
         <p:spPr>
           <a:xfrm flipH="1" flipV="1">
-            <a:off x="3771268" y="5287636"/>
+            <a:off x="3771268" y="5387354"/>
             <a:ext cx="446224" cy="399819"/>
           </a:xfrm>
           <a:prstGeom prst="straightConnector1">
             <a:avLst/>
           </a:prstGeom>
-          <a:ln w="19050">
+          <a:ln w="31750">
             <a:solidFill>
               <a:schemeClr val="tx1"/>
             </a:solidFill>
-            <a:prstDash val="sysDash"/>
+            <a:prstDash val="sysDot"/>
             <a:tailEnd type="triangle" w="lg" len="med"/>
           </a:ln>
         </p:spPr>
@@ -6612,12 +7737,18 @@
         </p:nvSpPr>
         <p:spPr>
           <a:xfrm>
-            <a:off x="5090652" y="5608374"/>
+            <a:off x="5090652" y="5708092"/>
             <a:ext cx="540000" cy="540000"/>
           </a:xfrm>
           <a:prstGeom prst="ellipse">
             <a:avLst/>
           </a:prstGeom>
+          <a:solidFill>
+            <a:srgbClr val="FF0066"/>
+          </a:solidFill>
+          <a:ln>
+            <a:noFill/>
+          </a:ln>
         </p:spPr>
         <p:style>
           <a:lnRef idx="2">
@@ -6636,15 +7767,15 @@
           </a:fontRef>
         </p:style>
         <p:txBody>
-          <a:bodyPr rtlCol="0" anchor="ctr"/>
-          <a:lstStyle/>
-          <a:p>
-            <a:pPr algn="ctr"/>
-            <a:r>
-              <a:rPr kumimoji="1" lang="en-US" altLang="ja-JP" dirty="0" smtClean="0"/>
+          <a:bodyPr lIns="91429" tIns="45715" rIns="91429" bIns="45715" rtlCol="0" anchor="ctr"/>
+          <a:lstStyle/>
+          <a:p>
+            <a:pPr algn="ctr" defTabSz="914295"/>
+            <a:r>
+              <a:rPr lang="en-US" altLang="ja-JP" dirty="0"/>
               <a:t>Y</a:t>
             </a:r>
-            <a:endParaRPr kumimoji="1" lang="ja-JP" altLang="en-US" dirty="0"/>
+            <a:endParaRPr lang="ja-JP" altLang="en-US" dirty="0"/>
           </a:p>
         </p:txBody>
       </p:sp>
@@ -6658,17 +7789,17 @@
         </p:nvCxnSpPr>
         <p:spPr>
           <a:xfrm flipH="1">
-            <a:off x="4676546" y="5878374"/>
+            <a:off x="4676546" y="5978092"/>
             <a:ext cx="414106" cy="0"/>
           </a:xfrm>
           <a:prstGeom prst="straightConnector1">
             <a:avLst/>
           </a:prstGeom>
-          <a:ln w="19050">
+          <a:ln w="31750">
             <a:solidFill>
               <a:schemeClr val="tx1"/>
             </a:solidFill>
-            <a:prstDash val="sysDash"/>
+            <a:prstDash val="sysDot"/>
             <a:tailEnd type="triangle" w="lg" len="med"/>
           </a:ln>
         </p:spPr>
@@ -6695,12 +7826,18 @@
         </p:nvSpPr>
         <p:spPr>
           <a:xfrm>
-            <a:off x="1556932" y="2045569"/>
+            <a:off x="1556932" y="2225627"/>
             <a:ext cx="540000" cy="540000"/>
           </a:xfrm>
           <a:prstGeom prst="ellipse">
             <a:avLst/>
           </a:prstGeom>
+          <a:solidFill>
+            <a:srgbClr val="FF0066"/>
+          </a:solidFill>
+          <a:ln>
+            <a:noFill/>
+          </a:ln>
         </p:spPr>
         <p:style>
           <a:lnRef idx="2">
@@ -6719,15 +7856,15 @@
           </a:fontRef>
         </p:style>
         <p:txBody>
-          <a:bodyPr rtlCol="0" anchor="ctr"/>
-          <a:lstStyle/>
-          <a:p>
-            <a:pPr algn="ctr"/>
-            <a:r>
-              <a:rPr kumimoji="1" lang="en-US" altLang="ja-JP" dirty="0" smtClean="0"/>
+          <a:bodyPr lIns="91429" tIns="45715" rIns="91429" bIns="45715" rtlCol="0" anchor="ctr"/>
+          <a:lstStyle/>
+          <a:p>
+            <a:pPr algn="ctr" defTabSz="914295"/>
+            <a:r>
+              <a:rPr lang="en-US" altLang="ja-JP" dirty="0"/>
               <a:t>A</a:t>
             </a:r>
-            <a:endParaRPr kumimoji="1" lang="ja-JP" altLang="en-US" dirty="0"/>
+            <a:endParaRPr lang="ja-JP" altLang="en-US" dirty="0"/>
           </a:p>
         </p:txBody>
       </p:sp>
@@ -6742,17 +7879,17 @@
         </p:nvCxnSpPr>
         <p:spPr>
           <a:xfrm flipH="1">
-            <a:off x="2096932" y="2315569"/>
+            <a:off x="2096932" y="2495627"/>
             <a:ext cx="432168" cy="0"/>
           </a:xfrm>
           <a:prstGeom prst="straightConnector1">
             <a:avLst/>
           </a:prstGeom>
-          <a:ln w="19050">
+          <a:ln w="31750">
             <a:solidFill>
               <a:schemeClr val="tx1"/>
             </a:solidFill>
-            <a:prstDash val="sysDash"/>
+            <a:prstDash val="sysDot"/>
             <a:tailEnd type="triangle" w="lg" len="med"/>
           </a:ln>
         </p:spPr>
@@ -6779,12 +7916,18 @@
         </p:nvSpPr>
         <p:spPr>
           <a:xfrm>
-            <a:off x="2529100" y="2045569"/>
+            <a:off x="2529100" y="2225627"/>
             <a:ext cx="540000" cy="540000"/>
           </a:xfrm>
           <a:prstGeom prst="ellipse">
             <a:avLst/>
           </a:prstGeom>
+          <a:solidFill>
+            <a:srgbClr val="FF0066"/>
+          </a:solidFill>
+          <a:ln>
+            <a:noFill/>
+          </a:ln>
         </p:spPr>
         <p:style>
           <a:lnRef idx="2">
@@ -6803,15 +7946,15 @@
           </a:fontRef>
         </p:style>
         <p:txBody>
-          <a:bodyPr rtlCol="0" anchor="ctr"/>
-          <a:lstStyle/>
-          <a:p>
-            <a:pPr algn="ctr"/>
-            <a:r>
-              <a:rPr kumimoji="1" lang="en-US" altLang="ja-JP" dirty="0" smtClean="0"/>
+          <a:bodyPr lIns="91429" tIns="45715" rIns="91429" bIns="45715" rtlCol="0" anchor="ctr"/>
+          <a:lstStyle/>
+          <a:p>
+            <a:pPr algn="ctr" defTabSz="914295"/>
+            <a:r>
+              <a:rPr lang="en-US" altLang="ja-JP" dirty="0"/>
               <a:t>B</a:t>
             </a:r>
-            <a:endParaRPr kumimoji="1" lang="ja-JP" altLang="en-US" dirty="0"/>
+            <a:endParaRPr lang="ja-JP" altLang="en-US" dirty="0"/>
           </a:p>
         </p:txBody>
       </p:sp>
@@ -6823,12 +7966,18 @@
         </p:nvSpPr>
         <p:spPr>
           <a:xfrm>
-            <a:off x="3501268" y="2045569"/>
+            <a:off x="3501268" y="2225627"/>
             <a:ext cx="540000" cy="540000"/>
           </a:xfrm>
           <a:prstGeom prst="ellipse">
             <a:avLst/>
           </a:prstGeom>
+          <a:solidFill>
+            <a:srgbClr val="FF0066"/>
+          </a:solidFill>
+          <a:ln>
+            <a:noFill/>
+          </a:ln>
         </p:spPr>
         <p:style>
           <a:lnRef idx="2">
@@ -6847,15 +7996,15 @@
           </a:fontRef>
         </p:style>
         <p:txBody>
-          <a:bodyPr rtlCol="0" anchor="ctr"/>
-          <a:lstStyle/>
-          <a:p>
-            <a:pPr algn="ctr"/>
-            <a:r>
-              <a:rPr kumimoji="1" lang="en-US" altLang="ja-JP" dirty="0" smtClean="0"/>
+          <a:bodyPr lIns="91429" tIns="45715" rIns="91429" bIns="45715" rtlCol="0" anchor="ctr"/>
+          <a:lstStyle/>
+          <a:p>
+            <a:pPr algn="ctr" defTabSz="914295"/>
+            <a:r>
+              <a:rPr lang="en-US" altLang="ja-JP" dirty="0"/>
               <a:t>C</a:t>
             </a:r>
-            <a:endParaRPr kumimoji="1" lang="ja-JP" altLang="en-US" dirty="0"/>
+            <a:endParaRPr lang="ja-JP" altLang="en-US" dirty="0"/>
           </a:p>
         </p:txBody>
       </p:sp>
@@ -6870,17 +8019,17 @@
         </p:nvCxnSpPr>
         <p:spPr>
           <a:xfrm flipH="1">
-            <a:off x="3069100" y="2315569"/>
+            <a:off x="3069100" y="2495627"/>
             <a:ext cx="432168" cy="0"/>
           </a:xfrm>
           <a:prstGeom prst="straightConnector1">
             <a:avLst/>
           </a:prstGeom>
-          <a:ln w="19050">
+          <a:ln w="31750">
             <a:solidFill>
               <a:schemeClr val="tx1"/>
             </a:solidFill>
-            <a:prstDash val="sysDash"/>
+            <a:prstDash val="sysDot"/>
             <a:tailEnd type="triangle" w="lg" len="med"/>
           </a:ln>
         </p:spPr>
@@ -6909,17 +8058,17 @@
         </p:nvCxnSpPr>
         <p:spPr>
           <a:xfrm flipH="1">
-            <a:off x="4041268" y="2315569"/>
+            <a:off x="4041268" y="2495627"/>
             <a:ext cx="414106" cy="0"/>
           </a:xfrm>
           <a:prstGeom prst="straightConnector1">
             <a:avLst/>
           </a:prstGeom>
-          <a:ln w="19050">
+          <a:ln w="31750">
             <a:solidFill>
               <a:schemeClr val="tx1"/>
             </a:solidFill>
-            <a:prstDash val="sysDash"/>
+            <a:prstDash val="sysDot"/>
             <a:tailEnd type="triangle" w="lg" len="med"/>
           </a:ln>
         </p:spPr>
@@ -6948,17 +8097,17 @@
         </p:nvCxnSpPr>
         <p:spPr>
           <a:xfrm flipH="1">
-            <a:off x="5706507" y="1745170"/>
+            <a:off x="5706507" y="1925228"/>
             <a:ext cx="428406" cy="273420"/>
           </a:xfrm>
           <a:prstGeom prst="straightConnector1">
             <a:avLst/>
           </a:prstGeom>
-          <a:ln w="19050">
+          <a:ln w="31750">
             <a:solidFill>
               <a:schemeClr val="tx1"/>
             </a:solidFill>
-            <a:prstDash val="sysDash"/>
+            <a:prstDash val="sysDot"/>
             <a:tailEnd type="triangle" w="lg" len="med"/>
           </a:ln>
         </p:spPr>
@@ -6985,13 +8134,14 @@
         </p:nvSpPr>
         <p:spPr>
           <a:xfrm>
-            <a:off x="6134913" y="1601154"/>
+            <a:off x="6134913" y="1781212"/>
             <a:ext cx="936044" cy="288032"/>
           </a:xfrm>
           <a:prstGeom prst="rect">
             <a:avLst/>
           </a:prstGeom>
           <a:ln>
+            <a:noFill/>
             <a:prstDash val="sysDash"/>
           </a:ln>
         </p:spPr>
@@ -7012,15 +8162,15 @@
           </a:fontRef>
         </p:style>
         <p:txBody>
-          <a:bodyPr rtlCol="0" anchor="ctr"/>
-          <a:lstStyle/>
-          <a:p>
-            <a:pPr algn="ctr"/>
-            <a:r>
-              <a:rPr kumimoji="1" lang="en-US" altLang="ja-JP" dirty="0" smtClean="0"/>
+          <a:bodyPr lIns="91429" tIns="45715" rIns="91429" bIns="45715" rtlCol="0" anchor="ctr"/>
+          <a:lstStyle/>
+          <a:p>
+            <a:pPr algn="ctr" defTabSz="914295"/>
+            <a:r>
+              <a:rPr lang="en-US" altLang="ja-JP" dirty="0"/>
               <a:t>master</a:t>
             </a:r>
-            <a:endParaRPr kumimoji="1" lang="ja-JP" altLang="en-US" dirty="0"/>
+            <a:endParaRPr lang="ja-JP" altLang="en-US" dirty="0"/>
           </a:p>
         </p:txBody>
       </p:sp>
@@ -7032,12 +8182,18 @@
         </p:nvSpPr>
         <p:spPr>
           <a:xfrm>
-            <a:off x="4480634" y="2045569"/>
+            <a:off x="4480634" y="2225627"/>
             <a:ext cx="540000" cy="540000"/>
           </a:xfrm>
           <a:prstGeom prst="ellipse">
             <a:avLst/>
           </a:prstGeom>
+          <a:solidFill>
+            <a:srgbClr val="FF0066"/>
+          </a:solidFill>
+          <a:ln>
+            <a:noFill/>
+          </a:ln>
         </p:spPr>
         <p:style>
           <a:lnRef idx="2">
@@ -7056,15 +8212,15 @@
           </a:fontRef>
         </p:style>
         <p:txBody>
-          <a:bodyPr rtlCol="0" anchor="ctr"/>
-          <a:lstStyle/>
-          <a:p>
-            <a:pPr algn="ctr"/>
-            <a:r>
-              <a:rPr kumimoji="1" lang="en-US" altLang="ja-JP" dirty="0" smtClean="0"/>
+          <a:bodyPr lIns="91429" tIns="45715" rIns="91429" bIns="45715" rtlCol="0" anchor="ctr"/>
+          <a:lstStyle/>
+          <a:p>
+            <a:pPr algn="ctr" defTabSz="914295"/>
+            <a:r>
+              <a:rPr lang="en-US" altLang="ja-JP" dirty="0"/>
               <a:t>X</a:t>
             </a:r>
-            <a:endParaRPr kumimoji="1" lang="ja-JP" altLang="en-US" dirty="0"/>
+            <a:endParaRPr lang="ja-JP" altLang="en-US" dirty="0"/>
           </a:p>
         </p:txBody>
       </p:sp>
@@ -7076,12 +8232,18 @@
         </p:nvSpPr>
         <p:spPr>
           <a:xfrm>
-            <a:off x="5432875" y="2045569"/>
+            <a:off x="5432875" y="2225627"/>
             <a:ext cx="540000" cy="540000"/>
           </a:xfrm>
           <a:prstGeom prst="ellipse">
             <a:avLst/>
           </a:prstGeom>
+          <a:solidFill>
+            <a:srgbClr val="FF0066"/>
+          </a:solidFill>
+          <a:ln>
+            <a:noFill/>
+          </a:ln>
         </p:spPr>
         <p:style>
           <a:lnRef idx="2">
@@ -7100,15 +8262,15 @@
           </a:fontRef>
         </p:style>
         <p:txBody>
-          <a:bodyPr rtlCol="0" anchor="ctr"/>
-          <a:lstStyle/>
-          <a:p>
-            <a:pPr algn="ctr"/>
-            <a:r>
-              <a:rPr kumimoji="1" lang="en-US" altLang="ja-JP" dirty="0" smtClean="0"/>
+          <a:bodyPr lIns="91429" tIns="45715" rIns="91429" bIns="45715" rtlCol="0" anchor="ctr"/>
+          <a:lstStyle/>
+          <a:p>
+            <a:pPr algn="ctr" defTabSz="914295"/>
+            <a:r>
+              <a:rPr lang="en-US" altLang="ja-JP" dirty="0"/>
               <a:t>Y</a:t>
             </a:r>
-            <a:endParaRPr kumimoji="1" lang="ja-JP" altLang="en-US" dirty="0"/>
+            <a:endParaRPr lang="ja-JP" altLang="en-US" dirty="0"/>
           </a:p>
         </p:txBody>
       </p:sp>
@@ -7122,17 +8284,17 @@
         </p:nvCxnSpPr>
         <p:spPr>
           <a:xfrm flipH="1">
-            <a:off x="5018769" y="2315569"/>
+            <a:off x="5018769" y="2495627"/>
             <a:ext cx="414106" cy="0"/>
           </a:xfrm>
           <a:prstGeom prst="straightConnector1">
             <a:avLst/>
           </a:prstGeom>
-          <a:ln w="19050">
+          <a:ln w="31750">
             <a:solidFill>
               <a:schemeClr val="tx1"/>
             </a:solidFill>
-            <a:prstDash val="sysDash"/>
+            <a:prstDash val="sysDot"/>
             <a:tailEnd type="triangle" w="lg" len="med"/>
           </a:ln>
         </p:spPr>
@@ -7151,6 +8313,430 @@
           </a:fontRef>
         </p:style>
       </p:cxnSp>
+      <p:sp>
+        <p:nvSpPr>
+          <p:cNvPr id="34" name="角丸四角形吹き出し 70"/>
+          <p:cNvSpPr/>
+          <p:nvPr/>
+        </p:nvSpPr>
+        <p:spPr>
+          <a:xfrm>
+            <a:off x="203401" y="123901"/>
+            <a:ext cx="8737200" cy="1433282"/>
+          </a:xfrm>
+          <a:custGeom>
+            <a:avLst/>
+            <a:gdLst>
+              <a:gd name="connsiteX0" fmla="*/ 0 w 8541658"/>
+              <a:gd name="connsiteY0" fmla="*/ 214817 h 1288876"/>
+              <a:gd name="connsiteX1" fmla="*/ 214817 w 8541658"/>
+              <a:gd name="connsiteY1" fmla="*/ 0 h 1288876"/>
+              <a:gd name="connsiteX2" fmla="*/ 1423610 w 8541658"/>
+              <a:gd name="connsiteY2" fmla="*/ 0 h 1288876"/>
+              <a:gd name="connsiteX3" fmla="*/ 1423610 w 8541658"/>
+              <a:gd name="connsiteY3" fmla="*/ 0 h 1288876"/>
+              <a:gd name="connsiteX4" fmla="*/ 3559024 w 8541658"/>
+              <a:gd name="connsiteY4" fmla="*/ 0 h 1288876"/>
+              <a:gd name="connsiteX5" fmla="*/ 8326841 w 8541658"/>
+              <a:gd name="connsiteY5" fmla="*/ 0 h 1288876"/>
+              <a:gd name="connsiteX6" fmla="*/ 8541658 w 8541658"/>
+              <a:gd name="connsiteY6" fmla="*/ 214817 h 1288876"/>
+              <a:gd name="connsiteX7" fmla="*/ 8541658 w 8541658"/>
+              <a:gd name="connsiteY7" fmla="*/ 751844 h 1288876"/>
+              <a:gd name="connsiteX8" fmla="*/ 8541658 w 8541658"/>
+              <a:gd name="connsiteY8" fmla="*/ 751844 h 1288876"/>
+              <a:gd name="connsiteX9" fmla="*/ 8541658 w 8541658"/>
+              <a:gd name="connsiteY9" fmla="*/ 1074063 h 1288876"/>
+              <a:gd name="connsiteX10" fmla="*/ 8541658 w 8541658"/>
+              <a:gd name="connsiteY10" fmla="*/ 1074059 h 1288876"/>
+              <a:gd name="connsiteX11" fmla="*/ 8326841 w 8541658"/>
+              <a:gd name="connsiteY11" fmla="*/ 1288876 h 1288876"/>
+              <a:gd name="connsiteX12" fmla="*/ 3559024 w 8541658"/>
+              <a:gd name="connsiteY12" fmla="*/ 1288876 h 1288876"/>
+              <a:gd name="connsiteX13" fmla="*/ 2230227 w 8541658"/>
+              <a:gd name="connsiteY13" fmla="*/ 1471381 h 1288876"/>
+              <a:gd name="connsiteX14" fmla="*/ 1423610 w 8541658"/>
+              <a:gd name="connsiteY14" fmla="*/ 1288876 h 1288876"/>
+              <a:gd name="connsiteX15" fmla="*/ 214817 w 8541658"/>
+              <a:gd name="connsiteY15" fmla="*/ 1288876 h 1288876"/>
+              <a:gd name="connsiteX16" fmla="*/ 0 w 8541658"/>
+              <a:gd name="connsiteY16" fmla="*/ 1074059 h 1288876"/>
+              <a:gd name="connsiteX17" fmla="*/ 0 w 8541658"/>
+              <a:gd name="connsiteY17" fmla="*/ 1074063 h 1288876"/>
+              <a:gd name="connsiteX18" fmla="*/ 0 w 8541658"/>
+              <a:gd name="connsiteY18" fmla="*/ 751844 h 1288876"/>
+              <a:gd name="connsiteX19" fmla="*/ 0 w 8541658"/>
+              <a:gd name="connsiteY19" fmla="*/ 751844 h 1288876"/>
+              <a:gd name="connsiteX20" fmla="*/ 0 w 8541658"/>
+              <a:gd name="connsiteY20" fmla="*/ 214817 h 1288876"/>
+              <a:gd name="connsiteX0" fmla="*/ 0 w 8541658"/>
+              <a:gd name="connsiteY0" fmla="*/ 214817 h 1471381"/>
+              <a:gd name="connsiteX1" fmla="*/ 214817 w 8541658"/>
+              <a:gd name="connsiteY1" fmla="*/ 0 h 1471381"/>
+              <a:gd name="connsiteX2" fmla="*/ 1423610 w 8541658"/>
+              <a:gd name="connsiteY2" fmla="*/ 0 h 1471381"/>
+              <a:gd name="connsiteX3" fmla="*/ 1423610 w 8541658"/>
+              <a:gd name="connsiteY3" fmla="*/ 0 h 1471381"/>
+              <a:gd name="connsiteX4" fmla="*/ 3559024 w 8541658"/>
+              <a:gd name="connsiteY4" fmla="*/ 0 h 1471381"/>
+              <a:gd name="connsiteX5" fmla="*/ 8326841 w 8541658"/>
+              <a:gd name="connsiteY5" fmla="*/ 0 h 1471381"/>
+              <a:gd name="connsiteX6" fmla="*/ 8541658 w 8541658"/>
+              <a:gd name="connsiteY6" fmla="*/ 214817 h 1471381"/>
+              <a:gd name="connsiteX7" fmla="*/ 8541658 w 8541658"/>
+              <a:gd name="connsiteY7" fmla="*/ 751844 h 1471381"/>
+              <a:gd name="connsiteX8" fmla="*/ 8541658 w 8541658"/>
+              <a:gd name="connsiteY8" fmla="*/ 751844 h 1471381"/>
+              <a:gd name="connsiteX9" fmla="*/ 8541658 w 8541658"/>
+              <a:gd name="connsiteY9" fmla="*/ 1074063 h 1471381"/>
+              <a:gd name="connsiteX10" fmla="*/ 8541658 w 8541658"/>
+              <a:gd name="connsiteY10" fmla="*/ 1074059 h 1471381"/>
+              <a:gd name="connsiteX11" fmla="*/ 8326841 w 8541658"/>
+              <a:gd name="connsiteY11" fmla="*/ 1288876 h 1471381"/>
+              <a:gd name="connsiteX12" fmla="*/ 1852144 w 8541658"/>
+              <a:gd name="connsiteY12" fmla="*/ 1288876 h 1471381"/>
+              <a:gd name="connsiteX13" fmla="*/ 2230227 w 8541658"/>
+              <a:gd name="connsiteY13" fmla="*/ 1471381 h 1471381"/>
+              <a:gd name="connsiteX14" fmla="*/ 1423610 w 8541658"/>
+              <a:gd name="connsiteY14" fmla="*/ 1288876 h 1471381"/>
+              <a:gd name="connsiteX15" fmla="*/ 214817 w 8541658"/>
+              <a:gd name="connsiteY15" fmla="*/ 1288876 h 1471381"/>
+              <a:gd name="connsiteX16" fmla="*/ 0 w 8541658"/>
+              <a:gd name="connsiteY16" fmla="*/ 1074059 h 1471381"/>
+              <a:gd name="connsiteX17" fmla="*/ 0 w 8541658"/>
+              <a:gd name="connsiteY17" fmla="*/ 1074063 h 1471381"/>
+              <a:gd name="connsiteX18" fmla="*/ 0 w 8541658"/>
+              <a:gd name="connsiteY18" fmla="*/ 751844 h 1471381"/>
+              <a:gd name="connsiteX19" fmla="*/ 0 w 8541658"/>
+              <a:gd name="connsiteY19" fmla="*/ 751844 h 1471381"/>
+              <a:gd name="connsiteX20" fmla="*/ 0 w 8541658"/>
+              <a:gd name="connsiteY20" fmla="*/ 214817 h 1471381"/>
+              <a:gd name="connsiteX0" fmla="*/ 0 w 8541658"/>
+              <a:gd name="connsiteY0" fmla="*/ 214817 h 1433281"/>
+              <a:gd name="connsiteX1" fmla="*/ 214817 w 8541658"/>
+              <a:gd name="connsiteY1" fmla="*/ 0 h 1433281"/>
+              <a:gd name="connsiteX2" fmla="*/ 1423610 w 8541658"/>
+              <a:gd name="connsiteY2" fmla="*/ 0 h 1433281"/>
+              <a:gd name="connsiteX3" fmla="*/ 1423610 w 8541658"/>
+              <a:gd name="connsiteY3" fmla="*/ 0 h 1433281"/>
+              <a:gd name="connsiteX4" fmla="*/ 3559024 w 8541658"/>
+              <a:gd name="connsiteY4" fmla="*/ 0 h 1433281"/>
+              <a:gd name="connsiteX5" fmla="*/ 8326841 w 8541658"/>
+              <a:gd name="connsiteY5" fmla="*/ 0 h 1433281"/>
+              <a:gd name="connsiteX6" fmla="*/ 8541658 w 8541658"/>
+              <a:gd name="connsiteY6" fmla="*/ 214817 h 1433281"/>
+              <a:gd name="connsiteX7" fmla="*/ 8541658 w 8541658"/>
+              <a:gd name="connsiteY7" fmla="*/ 751844 h 1433281"/>
+              <a:gd name="connsiteX8" fmla="*/ 8541658 w 8541658"/>
+              <a:gd name="connsiteY8" fmla="*/ 751844 h 1433281"/>
+              <a:gd name="connsiteX9" fmla="*/ 8541658 w 8541658"/>
+              <a:gd name="connsiteY9" fmla="*/ 1074063 h 1433281"/>
+              <a:gd name="connsiteX10" fmla="*/ 8541658 w 8541658"/>
+              <a:gd name="connsiteY10" fmla="*/ 1074059 h 1433281"/>
+              <a:gd name="connsiteX11" fmla="*/ 8326841 w 8541658"/>
+              <a:gd name="connsiteY11" fmla="*/ 1288876 h 1433281"/>
+              <a:gd name="connsiteX12" fmla="*/ 1852144 w 8541658"/>
+              <a:gd name="connsiteY12" fmla="*/ 1288876 h 1433281"/>
+              <a:gd name="connsiteX13" fmla="*/ 1864467 w 8541658"/>
+              <a:gd name="connsiteY13" fmla="*/ 1433281 h 1433281"/>
+              <a:gd name="connsiteX14" fmla="*/ 1423610 w 8541658"/>
+              <a:gd name="connsiteY14" fmla="*/ 1288876 h 1433281"/>
+              <a:gd name="connsiteX15" fmla="*/ 214817 w 8541658"/>
+              <a:gd name="connsiteY15" fmla="*/ 1288876 h 1433281"/>
+              <a:gd name="connsiteX16" fmla="*/ 0 w 8541658"/>
+              <a:gd name="connsiteY16" fmla="*/ 1074059 h 1433281"/>
+              <a:gd name="connsiteX17" fmla="*/ 0 w 8541658"/>
+              <a:gd name="connsiteY17" fmla="*/ 1074063 h 1433281"/>
+              <a:gd name="connsiteX18" fmla="*/ 0 w 8541658"/>
+              <a:gd name="connsiteY18" fmla="*/ 751844 h 1433281"/>
+              <a:gd name="connsiteX19" fmla="*/ 0 w 8541658"/>
+              <a:gd name="connsiteY19" fmla="*/ 751844 h 1433281"/>
+              <a:gd name="connsiteX20" fmla="*/ 0 w 8541658"/>
+              <a:gd name="connsiteY20" fmla="*/ 214817 h 1433281"/>
+            </a:gdLst>
+            <a:ahLst/>
+            <a:cxnLst>
+              <a:cxn ang="0">
+                <a:pos x="connsiteX0" y="connsiteY0"/>
+              </a:cxn>
+              <a:cxn ang="0">
+                <a:pos x="connsiteX1" y="connsiteY1"/>
+              </a:cxn>
+              <a:cxn ang="0">
+                <a:pos x="connsiteX2" y="connsiteY2"/>
+              </a:cxn>
+              <a:cxn ang="0">
+                <a:pos x="connsiteX3" y="connsiteY3"/>
+              </a:cxn>
+              <a:cxn ang="0">
+                <a:pos x="connsiteX4" y="connsiteY4"/>
+              </a:cxn>
+              <a:cxn ang="0">
+                <a:pos x="connsiteX5" y="connsiteY5"/>
+              </a:cxn>
+              <a:cxn ang="0">
+                <a:pos x="connsiteX6" y="connsiteY6"/>
+              </a:cxn>
+              <a:cxn ang="0">
+                <a:pos x="connsiteX7" y="connsiteY7"/>
+              </a:cxn>
+              <a:cxn ang="0">
+                <a:pos x="connsiteX8" y="connsiteY8"/>
+              </a:cxn>
+              <a:cxn ang="0">
+                <a:pos x="connsiteX9" y="connsiteY9"/>
+              </a:cxn>
+              <a:cxn ang="0">
+                <a:pos x="connsiteX10" y="connsiteY10"/>
+              </a:cxn>
+              <a:cxn ang="0">
+                <a:pos x="connsiteX11" y="connsiteY11"/>
+              </a:cxn>
+              <a:cxn ang="0">
+                <a:pos x="connsiteX12" y="connsiteY12"/>
+              </a:cxn>
+              <a:cxn ang="0">
+                <a:pos x="connsiteX13" y="connsiteY13"/>
+              </a:cxn>
+              <a:cxn ang="0">
+                <a:pos x="connsiteX14" y="connsiteY14"/>
+              </a:cxn>
+              <a:cxn ang="0">
+                <a:pos x="connsiteX15" y="connsiteY15"/>
+              </a:cxn>
+              <a:cxn ang="0">
+                <a:pos x="connsiteX16" y="connsiteY16"/>
+              </a:cxn>
+              <a:cxn ang="0">
+                <a:pos x="connsiteX17" y="connsiteY17"/>
+              </a:cxn>
+              <a:cxn ang="0">
+                <a:pos x="connsiteX18" y="connsiteY18"/>
+              </a:cxn>
+              <a:cxn ang="0">
+                <a:pos x="connsiteX19" y="connsiteY19"/>
+              </a:cxn>
+              <a:cxn ang="0">
+                <a:pos x="connsiteX20" y="connsiteY20"/>
+              </a:cxn>
+            </a:cxnLst>
+            <a:rect l="l" t="t" r="r" b="b"/>
+            <a:pathLst>
+              <a:path w="8541658" h="1433281">
+                <a:moveTo>
+                  <a:pt x="0" y="214817"/>
+                </a:moveTo>
+                <a:cubicBezTo>
+                  <a:pt x="0" y="96177"/>
+                  <a:pt x="96177" y="0"/>
+                  <a:pt x="214817" y="0"/>
+                </a:cubicBezTo>
+                <a:lnTo>
+                  <a:pt x="1423610" y="0"/>
+                </a:lnTo>
+                <a:lnTo>
+                  <a:pt x="1423610" y="0"/>
+                </a:lnTo>
+                <a:lnTo>
+                  <a:pt x="3559024" y="0"/>
+                </a:lnTo>
+                <a:lnTo>
+                  <a:pt x="8326841" y="0"/>
+                </a:lnTo>
+                <a:cubicBezTo>
+                  <a:pt x="8445481" y="0"/>
+                  <a:pt x="8541658" y="96177"/>
+                  <a:pt x="8541658" y="214817"/>
+                </a:cubicBezTo>
+                <a:lnTo>
+                  <a:pt x="8541658" y="751844"/>
+                </a:lnTo>
+                <a:lnTo>
+                  <a:pt x="8541658" y="751844"/>
+                </a:lnTo>
+                <a:lnTo>
+                  <a:pt x="8541658" y="1074063"/>
+                </a:lnTo>
+                <a:lnTo>
+                  <a:pt x="8541658" y="1074059"/>
+                </a:lnTo>
+                <a:cubicBezTo>
+                  <a:pt x="8541658" y="1192699"/>
+                  <a:pt x="8445481" y="1288876"/>
+                  <a:pt x="8326841" y="1288876"/>
+                </a:cubicBezTo>
+                <a:lnTo>
+                  <a:pt x="1852144" y="1288876"/>
+                </a:lnTo>
+                <a:lnTo>
+                  <a:pt x="1864467" y="1433281"/>
+                </a:lnTo>
+                <a:lnTo>
+                  <a:pt x="1423610" y="1288876"/>
+                </a:lnTo>
+                <a:lnTo>
+                  <a:pt x="214817" y="1288876"/>
+                </a:lnTo>
+                <a:cubicBezTo>
+                  <a:pt x="96177" y="1288876"/>
+                  <a:pt x="0" y="1192699"/>
+                  <a:pt x="0" y="1074059"/>
+                </a:cubicBezTo>
+                <a:lnTo>
+                  <a:pt x="0" y="1074063"/>
+                </a:lnTo>
+                <a:lnTo>
+                  <a:pt x="0" y="751844"/>
+                </a:lnTo>
+                <a:lnTo>
+                  <a:pt x="0" y="751844"/>
+                </a:lnTo>
+                <a:lnTo>
+                  <a:pt x="0" y="214817"/>
+                </a:lnTo>
+                <a:close/>
+              </a:path>
+            </a:pathLst>
+          </a:custGeom>
+          <a:solidFill>
+            <a:srgbClr val="03C924"/>
+          </a:solidFill>
+          <a:ln>
+            <a:noFill/>
+          </a:ln>
+        </p:spPr>
+        <p:style>
+          <a:lnRef idx="2">
+            <a:schemeClr val="accent1">
+              <a:shade val="50000"/>
+            </a:schemeClr>
+          </a:lnRef>
+          <a:fillRef idx="1">
+            <a:schemeClr val="accent1"/>
+          </a:fillRef>
+          <a:effectRef idx="0">
+            <a:schemeClr val="accent1"/>
+          </a:effectRef>
+          <a:fontRef idx="minor">
+            <a:schemeClr val="lt1"/>
+          </a:fontRef>
+        </p:style>
+        <p:txBody>
+          <a:bodyPr lIns="143983" tIns="143983" rIns="143983" bIns="0" rtlCol="0" anchor="ctr"/>
+          <a:lstStyle/>
+          <a:p>
+            <a:r>
+              <a:rPr lang="ja-JP" altLang="en-US" b="1" dirty="0">
+                <a:ea typeface="ＭＳ ゴシック" panose="020B0609070205080204" pitchFamily="49" charset="-128"/>
+              </a:rPr>
+              <a:t>「</a:t>
+            </a:r>
+            <a:r>
+              <a:rPr lang="en-US" altLang="ja-JP" b="1" dirty="0" err="1">
+                <a:ea typeface="ＭＳ ゴシック" panose="020B0609070205080204" pitchFamily="49" charset="-128"/>
+              </a:rPr>
+              <a:t>git</a:t>
+            </a:r>
+            <a:r>
+              <a:rPr lang="en-US" altLang="ja-JP" b="1" dirty="0">
+                <a:ea typeface="ＭＳ ゴシック" panose="020B0609070205080204" pitchFamily="49" charset="-128"/>
+              </a:rPr>
+              <a:t> pull</a:t>
+            </a:r>
+            <a:r>
+              <a:rPr lang="ja-JP" altLang="en-US" b="1" dirty="0">
+                <a:ea typeface="ＭＳ ゴシック" panose="020B0609070205080204" pitchFamily="49" charset="-128"/>
+              </a:rPr>
+              <a:t>」を実行し、そのフェッチ処理まで</a:t>
+            </a:r>
+            <a:r>
+              <a:rPr lang="ja-JP" altLang="en-US" b="1" dirty="0" smtClean="0">
+                <a:ea typeface="ＭＳ ゴシック" panose="020B0609070205080204" pitchFamily="49" charset="-128"/>
+              </a:rPr>
+              <a:t>完了。</a:t>
+            </a:r>
+            <a:endParaRPr lang="ja-JP" altLang="en-US" b="1" dirty="0">
+              <a:ea typeface="ＭＳ ゴシック" panose="020B0609070205080204" pitchFamily="49" charset="-128"/>
+            </a:endParaRPr>
+          </a:p>
+          <a:p>
+            <a:r>
+              <a:rPr lang="ja-JP" altLang="en-US" b="1" dirty="0" smtClean="0">
+                <a:ea typeface="ＭＳ ゴシック" panose="020B0609070205080204" pitchFamily="49" charset="-128"/>
+              </a:rPr>
+              <a:t>リモートリポジトリで</a:t>
+            </a:r>
+            <a:r>
+              <a:rPr lang="ja-JP" altLang="en-US" b="1" dirty="0">
+                <a:ea typeface="ＭＳ ゴシック" panose="020B0609070205080204" pitchFamily="49" charset="-128"/>
+              </a:rPr>
+              <a:t>作られた</a:t>
+            </a:r>
+            <a:r>
+              <a:rPr lang="ja-JP" altLang="en-US" b="1" dirty="0" smtClean="0">
+                <a:ea typeface="ＭＳ ゴシック" panose="020B0609070205080204" pitchFamily="49" charset="-128"/>
+              </a:rPr>
+              <a:t>コミット </a:t>
+            </a:r>
+            <a:r>
+              <a:rPr lang="en-US" altLang="ja-JP" b="1" dirty="0" smtClean="0">
+                <a:ea typeface="ＭＳ ゴシック" panose="020B0609070205080204" pitchFamily="49" charset="-128"/>
+              </a:rPr>
+              <a:t>X</a:t>
+            </a:r>
+            <a:r>
+              <a:rPr lang="ja-JP" altLang="en-US" b="1" dirty="0" err="1">
+                <a:ea typeface="ＭＳ ゴシック" panose="020B0609070205080204" pitchFamily="49" charset="-128"/>
+              </a:rPr>
+              <a:t>、</a:t>
+            </a:r>
+            <a:r>
+              <a:rPr lang="en-US" altLang="ja-JP" b="1" dirty="0" smtClean="0">
+                <a:ea typeface="ＭＳ ゴシック" panose="020B0609070205080204" pitchFamily="49" charset="-128"/>
+              </a:rPr>
+              <a:t>Y </a:t>
+            </a:r>
+            <a:r>
+              <a:rPr lang="ja-JP" altLang="en-US" b="1" dirty="0" smtClean="0">
+                <a:ea typeface="ＭＳ ゴシック" panose="020B0609070205080204" pitchFamily="49" charset="-128"/>
+              </a:rPr>
+              <a:t>がローカルリポジトリの</a:t>
+            </a:r>
+            <a:r>
+              <a:rPr lang="en-US" altLang="ja-JP" b="1" dirty="0" smtClean="0">
+                <a:ea typeface="ＭＳ ゴシック" panose="020B0609070205080204" pitchFamily="49" charset="-128"/>
+              </a:rPr>
+              <a:t>origin/master </a:t>
+            </a:r>
+            <a:r>
+              <a:rPr lang="ja-JP" altLang="en-US" b="1" dirty="0" smtClean="0">
+                <a:ea typeface="ＭＳ ゴシック" panose="020B0609070205080204" pitchFamily="49" charset="-128"/>
+              </a:rPr>
+              <a:t>ブランチ</a:t>
+            </a:r>
+            <a:r>
+              <a:rPr lang="ja-JP" altLang="en-US" b="1" dirty="0">
+                <a:ea typeface="ＭＳ ゴシック" panose="020B0609070205080204" pitchFamily="49" charset="-128"/>
+              </a:rPr>
+              <a:t>に取り込まれた</a:t>
+            </a:r>
+            <a:r>
+              <a:rPr lang="ja-JP" altLang="en-US" b="1" dirty="0" smtClean="0">
+                <a:ea typeface="ＭＳ ゴシック" panose="020B0609070205080204" pitchFamily="49" charset="-128"/>
+              </a:rPr>
+              <a:t>。</a:t>
+            </a:r>
+            <a:endParaRPr lang="en-US" altLang="ja-JP" b="1" dirty="0" smtClean="0">
+              <a:ea typeface="ＭＳ ゴシック" panose="020B0609070205080204" pitchFamily="49" charset="-128"/>
+            </a:endParaRPr>
+          </a:p>
+          <a:p>
+            <a:endParaRPr lang="ja-JP" altLang="en-US" b="1" dirty="0">
+              <a:ea typeface="ＭＳ ゴシック" panose="020B0609070205080204" pitchFamily="49" charset="-128"/>
+            </a:endParaRPr>
+          </a:p>
+        </p:txBody>
+      </p:sp>
     </p:spTree>
     <p:extLst>
       <p:ext uri="{BB962C8B-B14F-4D97-AF65-F5344CB8AC3E}">
@@ -7183,18 +8769,85 @@
       </p:grpSpPr>
       <p:sp>
         <p:nvSpPr>
+          <p:cNvPr id="31" name="正方形/長方形 30"/>
+          <p:cNvSpPr/>
+          <p:nvPr/>
+        </p:nvSpPr>
+        <p:spPr>
+          <a:xfrm>
+            <a:off x="395536" y="4260185"/>
+            <a:ext cx="8352928" cy="2508893"/>
+          </a:xfrm>
+          <a:prstGeom prst="rect">
+            <a:avLst/>
+          </a:prstGeom>
+          <a:solidFill>
+            <a:srgbClr val="F8AD3E"/>
+          </a:solidFill>
+          <a:ln>
+            <a:noFill/>
+          </a:ln>
+        </p:spPr>
+        <p:style>
+          <a:lnRef idx="2">
+            <a:schemeClr val="accent5">
+              <a:shade val="50000"/>
+            </a:schemeClr>
+          </a:lnRef>
+          <a:fillRef idx="1">
+            <a:schemeClr val="accent5"/>
+          </a:fillRef>
+          <a:effectRef idx="0">
+            <a:schemeClr val="accent5"/>
+          </a:effectRef>
+          <a:fontRef idx="minor">
+            <a:schemeClr val="lt1"/>
+          </a:fontRef>
+        </p:style>
+        <p:txBody>
+          <a:bodyPr rtlCol="0" anchor="t" anchorCtr="0"/>
+          <a:lstStyle/>
+          <a:p>
+            <a:r>
+              <a:rPr lang="ja-JP" altLang="en-US" b="1" dirty="0">
+                <a:solidFill>
+                  <a:schemeClr val="bg1"/>
+                </a:solidFill>
+                <a:latin typeface="ＭＳ ゴシック" panose="020B0609070205080204" pitchFamily="49" charset="-128"/>
+                <a:ea typeface="ＭＳ ゴシック" panose="020B0609070205080204" pitchFamily="49" charset="-128"/>
+              </a:rPr>
+              <a:t>ローカルリポジトリ</a:t>
+            </a:r>
+            <a:endParaRPr lang="ja-JP" altLang="en-US" b="1" dirty="0">
+              <a:solidFill>
+                <a:schemeClr val="bg1"/>
+              </a:solidFill>
+              <a:latin typeface="ＭＳ ゴシック" panose="020B0609070205080204" pitchFamily="49" charset="-128"/>
+              <a:ea typeface="ＭＳ ゴシック" panose="020B0609070205080204" pitchFamily="49" charset="-128"/>
+            </a:endParaRPr>
+          </a:p>
+        </p:txBody>
+      </p:sp>
+      <p:sp>
+        <p:nvSpPr>
           <p:cNvPr id="21" name="円/楕円 20"/>
           <p:cNvSpPr/>
           <p:nvPr/>
         </p:nvSpPr>
         <p:spPr>
           <a:xfrm>
-            <a:off x="1554987" y="4741592"/>
+            <a:off x="1554987" y="4841310"/>
             <a:ext cx="540000" cy="540000"/>
           </a:xfrm>
           <a:prstGeom prst="ellipse">
             <a:avLst/>
           </a:prstGeom>
+          <a:solidFill>
+            <a:srgbClr val="FF0066"/>
+          </a:solidFill>
+          <a:ln>
+            <a:noFill/>
+          </a:ln>
         </p:spPr>
         <p:style>
           <a:lnRef idx="2">
@@ -7213,15 +8866,15 @@
           </a:fontRef>
         </p:style>
         <p:txBody>
-          <a:bodyPr rtlCol="0" anchor="ctr"/>
-          <a:lstStyle/>
-          <a:p>
-            <a:pPr algn="ctr"/>
-            <a:r>
-              <a:rPr kumimoji="1" lang="en-US" altLang="ja-JP" dirty="0" smtClean="0"/>
+          <a:bodyPr lIns="91429" tIns="45715" rIns="91429" bIns="45715" rtlCol="0" anchor="ctr"/>
+          <a:lstStyle/>
+          <a:p>
+            <a:pPr algn="ctr" defTabSz="914295"/>
+            <a:r>
+              <a:rPr lang="en-US" altLang="ja-JP" dirty="0"/>
               <a:t>A</a:t>
             </a:r>
-            <a:endParaRPr kumimoji="1" lang="ja-JP" altLang="en-US" dirty="0"/>
+            <a:endParaRPr lang="ja-JP" altLang="en-US" dirty="0"/>
           </a:p>
         </p:txBody>
       </p:sp>
@@ -7236,17 +8889,17 @@
         </p:nvCxnSpPr>
         <p:spPr>
           <a:xfrm flipH="1">
-            <a:off x="2094987" y="5011592"/>
+            <a:off x="2094987" y="5111310"/>
             <a:ext cx="432168" cy="0"/>
           </a:xfrm>
           <a:prstGeom prst="straightConnector1">
             <a:avLst/>
           </a:prstGeom>
-          <a:ln w="19050">
+          <a:ln w="31750">
             <a:solidFill>
               <a:schemeClr val="tx1"/>
             </a:solidFill>
-            <a:prstDash val="sysDash"/>
+            <a:prstDash val="sysDot"/>
             <a:tailEnd type="triangle" w="lg" len="med"/>
           </a:ln>
         </p:spPr>
@@ -7273,12 +8926,18 @@
         </p:nvSpPr>
         <p:spPr>
           <a:xfrm>
-            <a:off x="2527155" y="4741592"/>
+            <a:off x="2527155" y="4841310"/>
             <a:ext cx="540000" cy="540000"/>
           </a:xfrm>
           <a:prstGeom prst="ellipse">
             <a:avLst/>
           </a:prstGeom>
+          <a:solidFill>
+            <a:srgbClr val="FF0066"/>
+          </a:solidFill>
+          <a:ln>
+            <a:noFill/>
+          </a:ln>
         </p:spPr>
         <p:style>
           <a:lnRef idx="2">
@@ -7297,15 +8956,15 @@
           </a:fontRef>
         </p:style>
         <p:txBody>
-          <a:bodyPr rtlCol="0" anchor="ctr"/>
-          <a:lstStyle/>
-          <a:p>
-            <a:pPr algn="ctr"/>
-            <a:r>
-              <a:rPr kumimoji="1" lang="en-US" altLang="ja-JP" dirty="0" smtClean="0"/>
+          <a:bodyPr lIns="91429" tIns="45715" rIns="91429" bIns="45715" rtlCol="0" anchor="ctr"/>
+          <a:lstStyle/>
+          <a:p>
+            <a:pPr algn="ctr" defTabSz="914295"/>
+            <a:r>
+              <a:rPr lang="en-US" altLang="ja-JP" dirty="0"/>
               <a:t>B</a:t>
             </a:r>
-            <a:endParaRPr kumimoji="1" lang="ja-JP" altLang="en-US" dirty="0"/>
+            <a:endParaRPr lang="ja-JP" altLang="en-US" dirty="0"/>
           </a:p>
         </p:txBody>
       </p:sp>
@@ -7317,12 +8976,18 @@
         </p:nvSpPr>
         <p:spPr>
           <a:xfrm>
-            <a:off x="3499323" y="4741592"/>
+            <a:off x="3499323" y="4841310"/>
             <a:ext cx="540000" cy="540000"/>
           </a:xfrm>
           <a:prstGeom prst="ellipse">
             <a:avLst/>
           </a:prstGeom>
+          <a:solidFill>
+            <a:srgbClr val="FF0066"/>
+          </a:solidFill>
+          <a:ln>
+            <a:noFill/>
+          </a:ln>
         </p:spPr>
         <p:style>
           <a:lnRef idx="2">
@@ -7341,15 +9006,15 @@
           </a:fontRef>
         </p:style>
         <p:txBody>
-          <a:bodyPr rtlCol="0" anchor="ctr"/>
-          <a:lstStyle/>
-          <a:p>
-            <a:pPr algn="ctr"/>
-            <a:r>
-              <a:rPr kumimoji="1" lang="en-US" altLang="ja-JP" dirty="0" smtClean="0"/>
+          <a:bodyPr lIns="91429" tIns="45715" rIns="91429" bIns="45715" rtlCol="0" anchor="ctr"/>
+          <a:lstStyle/>
+          <a:p>
+            <a:pPr algn="ctr" defTabSz="914295"/>
+            <a:r>
+              <a:rPr lang="en-US" altLang="ja-JP" dirty="0"/>
               <a:t>C</a:t>
             </a:r>
-            <a:endParaRPr kumimoji="1" lang="ja-JP" altLang="en-US" dirty="0"/>
+            <a:endParaRPr lang="ja-JP" altLang="en-US" dirty="0"/>
           </a:p>
         </p:txBody>
       </p:sp>
@@ -7364,17 +9029,17 @@
         </p:nvCxnSpPr>
         <p:spPr>
           <a:xfrm flipH="1">
-            <a:off x="3067155" y="5011592"/>
+            <a:off x="3067155" y="5111310"/>
             <a:ext cx="432168" cy="0"/>
           </a:xfrm>
           <a:prstGeom prst="straightConnector1">
             <a:avLst/>
           </a:prstGeom>
-          <a:ln w="19050">
+          <a:ln w="31750">
             <a:solidFill>
               <a:schemeClr val="tx1"/>
             </a:solidFill>
-            <a:prstDash val="sysDash"/>
+            <a:prstDash val="sysDot"/>
             <a:tailEnd type="triangle" w="lg" len="med"/>
           </a:ln>
         </p:spPr>
@@ -7401,12 +9066,18 @@
         </p:nvSpPr>
         <p:spPr>
           <a:xfrm>
-            <a:off x="4453429" y="4741592"/>
+            <a:off x="4453429" y="4841310"/>
             <a:ext cx="540000" cy="540000"/>
           </a:xfrm>
           <a:prstGeom prst="ellipse">
             <a:avLst/>
           </a:prstGeom>
+          <a:solidFill>
+            <a:srgbClr val="FF0066"/>
+          </a:solidFill>
+          <a:ln>
+            <a:noFill/>
+          </a:ln>
         </p:spPr>
         <p:style>
           <a:lnRef idx="2">
@@ -7425,15 +9096,15 @@
           </a:fontRef>
         </p:style>
         <p:txBody>
-          <a:bodyPr rtlCol="0" anchor="ctr"/>
-          <a:lstStyle/>
-          <a:p>
-            <a:pPr algn="ctr"/>
-            <a:r>
-              <a:rPr kumimoji="1" lang="en-US" altLang="ja-JP" dirty="0" smtClean="0"/>
+          <a:bodyPr lIns="91429" tIns="45715" rIns="91429" bIns="45715" rtlCol="0" anchor="ctr"/>
+          <a:lstStyle/>
+          <a:p>
+            <a:pPr algn="ctr" defTabSz="914295"/>
+            <a:r>
+              <a:rPr lang="en-US" altLang="ja-JP" dirty="0"/>
               <a:t>D</a:t>
             </a:r>
-            <a:endParaRPr kumimoji="1" lang="ja-JP" altLang="en-US" dirty="0"/>
+            <a:endParaRPr lang="ja-JP" altLang="en-US" dirty="0"/>
           </a:p>
         </p:txBody>
       </p:sp>
@@ -7448,17 +9119,17 @@
         </p:nvCxnSpPr>
         <p:spPr>
           <a:xfrm flipH="1">
-            <a:off x="4039323" y="5011592"/>
+            <a:off x="4039323" y="5111310"/>
             <a:ext cx="414106" cy="0"/>
           </a:xfrm>
           <a:prstGeom prst="straightConnector1">
             <a:avLst/>
           </a:prstGeom>
-          <a:ln w="19050">
+          <a:ln w="31750">
             <a:solidFill>
               <a:schemeClr val="tx1"/>
             </a:solidFill>
-            <a:prstDash val="sysDash"/>
+            <a:prstDash val="sysDot"/>
             <a:tailEnd type="triangle" w="lg" len="med"/>
           </a:ln>
         </p:spPr>
@@ -7477,95 +9148,6 @@
           </a:fontRef>
         </p:style>
       </p:cxnSp>
-      <p:sp>
-        <p:nvSpPr>
-          <p:cNvPr id="37" name="テキスト ボックス 36"/>
-          <p:cNvSpPr txBox="1"/>
-          <p:nvPr/>
-        </p:nvSpPr>
-        <p:spPr>
-          <a:xfrm>
-            <a:off x="267552" y="201414"/>
-            <a:ext cx="8624928" cy="923330"/>
-          </a:xfrm>
-          <a:prstGeom prst="rect">
-            <a:avLst/>
-          </a:prstGeom>
-          <a:noFill/>
-        </p:spPr>
-        <p:txBody>
-          <a:bodyPr wrap="square" rtlCol="0">
-            <a:spAutoFit/>
-          </a:bodyPr>
-          <a:lstStyle/>
-          <a:p>
-            <a:r>
-              <a:rPr lang="ja-JP" altLang="en-US" dirty="0" smtClean="0"/>
-              <a:t>「</a:t>
-            </a:r>
-            <a:r>
-              <a:rPr lang="en-US" altLang="ja-JP" dirty="0" err="1" smtClean="0"/>
-              <a:t>git</a:t>
-            </a:r>
-            <a:r>
-              <a:rPr lang="en-US" altLang="ja-JP" dirty="0" smtClean="0"/>
-              <a:t> pull</a:t>
-            </a:r>
-            <a:r>
-              <a:rPr lang="ja-JP" altLang="en-US" dirty="0" smtClean="0"/>
-              <a:t>」のマージ処理も完了した。</a:t>
-            </a:r>
-            <a:endParaRPr lang="en-US" altLang="ja-JP" dirty="0" smtClean="0"/>
-          </a:p>
-          <a:p>
-            <a:r>
-              <a:rPr lang="ja-JP" altLang="en-US" dirty="0" smtClean="0"/>
-              <a:t>マージコミット</a:t>
-            </a:r>
-            <a:r>
-              <a:rPr lang="en-US" altLang="ja-JP" dirty="0" smtClean="0"/>
-              <a:t>E</a:t>
-            </a:r>
-            <a:r>
-              <a:rPr lang="ja-JP" altLang="en-US" dirty="0" smtClean="0"/>
-              <a:t>が作られ、</a:t>
-            </a:r>
-            <a:r>
-              <a:rPr lang="en-US" altLang="ja-JP" dirty="0" smtClean="0"/>
-              <a:t>origin/master</a:t>
-            </a:r>
-            <a:r>
-              <a:rPr lang="ja-JP" altLang="en-US" dirty="0" smtClean="0"/>
-              <a:t>ブランチのコミット</a:t>
-            </a:r>
-            <a:r>
-              <a:rPr lang="en-US" altLang="ja-JP" dirty="0" smtClean="0"/>
-              <a:t>X</a:t>
-            </a:r>
-            <a:r>
-              <a:rPr lang="ja-JP" altLang="en-US" dirty="0" err="1" smtClean="0"/>
-              <a:t>、</a:t>
-            </a:r>
-            <a:r>
-              <a:rPr lang="en-US" altLang="ja-JP" dirty="0" smtClean="0"/>
-              <a:t>Y</a:t>
-            </a:r>
-            <a:r>
-              <a:rPr lang="ja-JP" altLang="en-US" dirty="0" smtClean="0"/>
-              <a:t>がローカルレポジトリの</a:t>
-            </a:r>
-            <a:r>
-              <a:rPr lang="en-US" altLang="ja-JP" dirty="0" smtClean="0"/>
-              <a:t>master</a:t>
-            </a:r>
-            <a:r>
-              <a:rPr lang="ja-JP" altLang="en-US" dirty="0" smtClean="0"/>
-              <a:t>ブランチに取り込まれた。</a:t>
-            </a:r>
-            <a:endParaRPr lang="en-US" altLang="ja-JP" dirty="0" smtClean="0"/>
-          </a:p>
-        </p:txBody>
-      </p:sp>
       <p:cxnSp>
         <p:nvCxnSpPr>
           <p:cNvPr id="26" name="直線矢印コネクタ 25"/>
@@ -7576,17 +9158,17 @@
         </p:nvCxnSpPr>
         <p:spPr>
           <a:xfrm flipH="1">
-            <a:off x="6015862" y="4448499"/>
+            <a:off x="6015862" y="4548217"/>
             <a:ext cx="428406" cy="273420"/>
           </a:xfrm>
           <a:prstGeom prst="straightConnector1">
             <a:avLst/>
           </a:prstGeom>
-          <a:ln w="19050">
+          <a:ln w="31750">
             <a:solidFill>
               <a:schemeClr val="tx1"/>
             </a:solidFill>
-            <a:prstDash val="sysDash"/>
+            <a:prstDash val="sysDot"/>
             <a:tailEnd type="triangle" w="lg" len="med"/>
           </a:ln>
         </p:spPr>
@@ -7613,13 +9195,14 @@
         </p:nvSpPr>
         <p:spPr>
           <a:xfrm>
-            <a:off x="6444268" y="4304483"/>
+            <a:off x="6444268" y="4404201"/>
             <a:ext cx="936044" cy="288032"/>
           </a:xfrm>
           <a:prstGeom prst="rect">
             <a:avLst/>
           </a:prstGeom>
           <a:ln>
+            <a:noFill/>
             <a:prstDash val="sysDash"/>
           </a:ln>
         </p:spPr>
@@ -7640,15 +9223,15 @@
           </a:fontRef>
         </p:style>
         <p:txBody>
-          <a:bodyPr rtlCol="0" anchor="ctr"/>
-          <a:lstStyle/>
-          <a:p>
-            <a:pPr algn="ctr"/>
-            <a:r>
-              <a:rPr kumimoji="1" lang="en-US" altLang="ja-JP" dirty="0" smtClean="0"/>
+          <a:bodyPr lIns="91429" tIns="45715" rIns="91429" bIns="45715" rtlCol="0" anchor="ctr"/>
+          <a:lstStyle/>
+          <a:p>
+            <a:pPr algn="ctr" defTabSz="914295"/>
+            <a:r>
+              <a:rPr lang="en-US" altLang="ja-JP" dirty="0"/>
               <a:t>master</a:t>
             </a:r>
-            <a:endParaRPr kumimoji="1" lang="ja-JP" altLang="en-US" dirty="0"/>
+            <a:endParaRPr lang="ja-JP" altLang="en-US" dirty="0"/>
           </a:p>
         </p:txBody>
       </p:sp>
@@ -7662,17 +9245,17 @@
         </p:nvCxnSpPr>
         <p:spPr>
           <a:xfrm flipH="1" flipV="1">
-            <a:off x="5362597" y="6163691"/>
+            <a:off x="5362597" y="6263409"/>
             <a:ext cx="370799" cy="244341"/>
           </a:xfrm>
           <a:prstGeom prst="straightConnector1">
             <a:avLst/>
           </a:prstGeom>
-          <a:ln w="19050">
+          <a:ln w="31750">
             <a:solidFill>
               <a:schemeClr val="tx1"/>
             </a:solidFill>
-            <a:prstDash val="sysDash"/>
+            <a:prstDash val="sysDot"/>
             <a:tailEnd type="triangle" w="lg" len="med"/>
           </a:ln>
         </p:spPr>
@@ -7699,13 +9282,14 @@
         </p:nvSpPr>
         <p:spPr>
           <a:xfrm>
-            <a:off x="5733396" y="6264016"/>
+            <a:off x="5733396" y="6363734"/>
             <a:ext cx="1470393" cy="288032"/>
           </a:xfrm>
           <a:prstGeom prst="rect">
             <a:avLst/>
           </a:prstGeom>
           <a:ln>
+            <a:noFill/>
             <a:prstDash val="sysDash"/>
           </a:ln>
         </p:spPr>
@@ -7726,15 +9310,15 @@
           </a:fontRef>
         </p:style>
         <p:txBody>
-          <a:bodyPr rtlCol="0" anchor="ctr"/>
-          <a:lstStyle/>
-          <a:p>
-            <a:pPr algn="ctr"/>
-            <a:r>
-              <a:rPr lang="en-US" altLang="ja-JP" dirty="0" smtClean="0"/>
+          <a:bodyPr lIns="91429" tIns="45715" rIns="91429" bIns="45715" rtlCol="0" anchor="ctr"/>
+          <a:lstStyle/>
+          <a:p>
+            <a:pPr algn="ctr" defTabSz="914295"/>
+            <a:r>
+              <a:rPr lang="en-US" altLang="ja-JP" dirty="0"/>
               <a:t>origin/master</a:t>
             </a:r>
-            <a:endParaRPr kumimoji="1" lang="ja-JP" altLang="en-US" dirty="0"/>
+            <a:endParaRPr lang="ja-JP" altLang="en-US" dirty="0"/>
           </a:p>
         </p:txBody>
       </p:sp>
@@ -7746,31 +9330,30 @@
         </p:nvSpPr>
         <p:spPr>
           <a:xfrm>
-            <a:off x="395536" y="1453305"/>
+            <a:off x="395536" y="1633363"/>
             <a:ext cx="8352928" cy="2515717"/>
           </a:xfrm>
           <a:prstGeom prst="rect">
             <a:avLst/>
           </a:prstGeom>
-          <a:noFill/>
+          <a:solidFill>
+            <a:srgbClr val="F7A021"/>
+          </a:solidFill>
           <a:ln>
-            <a:solidFill>
-              <a:schemeClr val="tx1"/>
-            </a:solidFill>
-            <a:prstDash val="sysDash"/>
+            <a:noFill/>
           </a:ln>
         </p:spPr>
         <p:style>
           <a:lnRef idx="2">
-            <a:schemeClr val="accent1">
+            <a:schemeClr val="accent5">
               <a:shade val="50000"/>
             </a:schemeClr>
           </a:lnRef>
           <a:fillRef idx="1">
-            <a:schemeClr val="accent1"/>
-          </a:fillRef>
-          <a:effectRef idx="0">
-            <a:schemeClr val="accent1"/>
+            <a:schemeClr val="accent5"/>
+          </a:fillRef>
+          <a:effectRef idx="0">
+            <a:schemeClr val="accent5"/>
           </a:effectRef>
           <a:fontRef idx="minor">
             <a:schemeClr val="lt1"/>
@@ -7781,75 +9364,21 @@
           <a:lstStyle/>
           <a:p>
             <a:r>
-              <a:rPr lang="ja-JP" altLang="en-US" sz="1600" dirty="0" smtClean="0">
+              <a:rPr lang="ja-JP" altLang="en-US" b="1" dirty="0">
                 <a:solidFill>
-                  <a:schemeClr val="tx1"/>
+                  <a:schemeClr val="bg1"/>
                 </a:solidFill>
+                <a:latin typeface="ＭＳ ゴシック" panose="020B0609070205080204" pitchFamily="49" charset="-128"/>
+                <a:ea typeface="ＭＳ ゴシック" panose="020B0609070205080204" pitchFamily="49" charset="-128"/>
               </a:rPr>
-              <a:t>リモートレポジトリ</a:t>
-            </a:r>
-            <a:endParaRPr kumimoji="1" lang="ja-JP" altLang="en-US" sz="1600" dirty="0">
+              <a:t>リモートリポジトリ</a:t>
+            </a:r>
+            <a:endParaRPr lang="ja-JP" altLang="en-US" b="1" dirty="0">
               <a:solidFill>
-                <a:schemeClr val="tx1"/>
+                <a:schemeClr val="bg1"/>
               </a:solidFill>
-            </a:endParaRPr>
-          </a:p>
-        </p:txBody>
-      </p:sp>
-      <p:sp>
-        <p:nvSpPr>
-          <p:cNvPr id="31" name="正方形/長方形 30"/>
-          <p:cNvSpPr/>
-          <p:nvPr/>
-        </p:nvSpPr>
-        <p:spPr>
-          <a:xfrm>
-            <a:off x="395536" y="4160467"/>
-            <a:ext cx="8352928" cy="2508893"/>
-          </a:xfrm>
-          <a:prstGeom prst="rect">
-            <a:avLst/>
-          </a:prstGeom>
-          <a:noFill/>
-          <a:ln>
-            <a:solidFill>
-              <a:schemeClr val="tx1"/>
-            </a:solidFill>
-            <a:prstDash val="sysDash"/>
-          </a:ln>
-        </p:spPr>
-        <p:style>
-          <a:lnRef idx="2">
-            <a:schemeClr val="accent1">
-              <a:shade val="50000"/>
-            </a:schemeClr>
-          </a:lnRef>
-          <a:fillRef idx="1">
-            <a:schemeClr val="accent1"/>
-          </a:fillRef>
-          <a:effectRef idx="0">
-            <a:schemeClr val="accent1"/>
-          </a:effectRef>
-          <a:fontRef idx="minor">
-            <a:schemeClr val="lt1"/>
-          </a:fontRef>
-        </p:style>
-        <p:txBody>
-          <a:bodyPr rtlCol="0" anchor="t" anchorCtr="0"/>
-          <a:lstStyle/>
-          <a:p>
-            <a:r>
-              <a:rPr lang="ja-JP" altLang="en-US" sz="1600" dirty="0" smtClean="0">
-                <a:solidFill>
-                  <a:schemeClr val="tx1"/>
-                </a:solidFill>
-              </a:rPr>
-              <a:t>ローカルレポジトリ</a:t>
-            </a:r>
-            <a:endParaRPr kumimoji="1" lang="ja-JP" altLang="en-US" sz="1600" dirty="0">
-              <a:solidFill>
-                <a:schemeClr val="tx1"/>
-              </a:solidFill>
+              <a:latin typeface="ＭＳ ゴシック" panose="020B0609070205080204" pitchFamily="49" charset="-128"/>
+              <a:ea typeface="ＭＳ ゴシック" panose="020B0609070205080204" pitchFamily="49" charset="-128"/>
             </a:endParaRPr>
           </a:p>
         </p:txBody>
@@ -7862,12 +9391,18 @@
         </p:nvSpPr>
         <p:spPr>
           <a:xfrm>
-            <a:off x="4138411" y="5608374"/>
+            <a:off x="4138411" y="5708092"/>
             <a:ext cx="540000" cy="540000"/>
           </a:xfrm>
           <a:prstGeom prst="ellipse">
             <a:avLst/>
           </a:prstGeom>
+          <a:solidFill>
+            <a:srgbClr val="FF0066"/>
+          </a:solidFill>
+          <a:ln>
+            <a:noFill/>
+          </a:ln>
         </p:spPr>
         <p:style>
           <a:lnRef idx="2">
@@ -7886,15 +9421,15 @@
           </a:fontRef>
         </p:style>
         <p:txBody>
-          <a:bodyPr rtlCol="0" anchor="ctr"/>
-          <a:lstStyle/>
-          <a:p>
-            <a:pPr algn="ctr"/>
-            <a:r>
-              <a:rPr kumimoji="1" lang="en-US" altLang="ja-JP" dirty="0" smtClean="0"/>
+          <a:bodyPr lIns="91429" tIns="45715" rIns="91429" bIns="45715" rtlCol="0" anchor="ctr"/>
+          <a:lstStyle/>
+          <a:p>
+            <a:pPr algn="ctr" defTabSz="914295"/>
+            <a:r>
+              <a:rPr lang="en-US" altLang="ja-JP" dirty="0"/>
               <a:t>X</a:t>
             </a:r>
-            <a:endParaRPr kumimoji="1" lang="ja-JP" altLang="en-US" dirty="0"/>
+            <a:endParaRPr lang="ja-JP" altLang="en-US" dirty="0"/>
           </a:p>
         </p:txBody>
       </p:sp>
@@ -7908,17 +9443,17 @@
         </p:nvCxnSpPr>
         <p:spPr>
           <a:xfrm flipH="1" flipV="1">
-            <a:off x="3771268" y="5287636"/>
+            <a:off x="3771268" y="5387354"/>
             <a:ext cx="446224" cy="399819"/>
           </a:xfrm>
           <a:prstGeom prst="straightConnector1">
             <a:avLst/>
           </a:prstGeom>
-          <a:ln w="19050">
+          <a:ln w="31750">
             <a:solidFill>
               <a:schemeClr val="tx1"/>
             </a:solidFill>
-            <a:prstDash val="sysDash"/>
+            <a:prstDash val="sysDot"/>
             <a:tailEnd type="triangle" w="lg" len="med"/>
           </a:ln>
         </p:spPr>
@@ -7945,12 +9480,18 @@
         </p:nvSpPr>
         <p:spPr>
           <a:xfrm>
-            <a:off x="5090652" y="5608374"/>
+            <a:off x="5090652" y="5708092"/>
             <a:ext cx="540000" cy="540000"/>
           </a:xfrm>
           <a:prstGeom prst="ellipse">
             <a:avLst/>
           </a:prstGeom>
+          <a:solidFill>
+            <a:srgbClr val="FF0066"/>
+          </a:solidFill>
+          <a:ln>
+            <a:noFill/>
+          </a:ln>
         </p:spPr>
         <p:style>
           <a:lnRef idx="2">
@@ -7969,15 +9510,15 @@
           </a:fontRef>
         </p:style>
         <p:txBody>
-          <a:bodyPr rtlCol="0" anchor="ctr"/>
-          <a:lstStyle/>
-          <a:p>
-            <a:pPr algn="ctr"/>
-            <a:r>
-              <a:rPr kumimoji="1" lang="en-US" altLang="ja-JP" dirty="0" smtClean="0"/>
+          <a:bodyPr lIns="91429" tIns="45715" rIns="91429" bIns="45715" rtlCol="0" anchor="ctr"/>
+          <a:lstStyle/>
+          <a:p>
+            <a:pPr algn="ctr" defTabSz="914295"/>
+            <a:r>
+              <a:rPr lang="en-US" altLang="ja-JP" dirty="0"/>
               <a:t>Y</a:t>
             </a:r>
-            <a:endParaRPr kumimoji="1" lang="ja-JP" altLang="en-US" dirty="0"/>
+            <a:endParaRPr lang="ja-JP" altLang="en-US" dirty="0"/>
           </a:p>
         </p:txBody>
       </p:sp>
@@ -7991,17 +9532,17 @@
         </p:nvCxnSpPr>
         <p:spPr>
           <a:xfrm flipH="1">
-            <a:off x="4676546" y="5878374"/>
+            <a:off x="4676546" y="5978092"/>
             <a:ext cx="414106" cy="0"/>
           </a:xfrm>
           <a:prstGeom prst="straightConnector1">
             <a:avLst/>
           </a:prstGeom>
-          <a:ln w="19050">
+          <a:ln w="31750">
             <a:solidFill>
               <a:schemeClr val="tx1"/>
             </a:solidFill>
-            <a:prstDash val="sysDash"/>
+            <a:prstDash val="sysDot"/>
             <a:tailEnd type="triangle" w="lg" len="med"/>
           </a:ln>
         </p:spPr>
@@ -8028,12 +9569,18 @@
         </p:nvSpPr>
         <p:spPr>
           <a:xfrm>
-            <a:off x="5731451" y="4741592"/>
+            <a:off x="5731451" y="4841310"/>
             <a:ext cx="540000" cy="540000"/>
           </a:xfrm>
           <a:prstGeom prst="ellipse">
             <a:avLst/>
           </a:prstGeom>
+          <a:solidFill>
+            <a:srgbClr val="FF0066"/>
+          </a:solidFill>
+          <a:ln>
+            <a:noFill/>
+          </a:ln>
         </p:spPr>
         <p:style>
           <a:lnRef idx="2">
@@ -8052,15 +9599,15 @@
           </a:fontRef>
         </p:style>
         <p:txBody>
-          <a:bodyPr rtlCol="0" anchor="ctr"/>
-          <a:lstStyle/>
-          <a:p>
-            <a:pPr algn="ctr"/>
-            <a:r>
-              <a:rPr kumimoji="1" lang="en-US" altLang="ja-JP" dirty="0" smtClean="0"/>
+          <a:bodyPr lIns="91429" tIns="45715" rIns="91429" bIns="45715" rtlCol="0" anchor="ctr"/>
+          <a:lstStyle/>
+          <a:p>
+            <a:pPr algn="ctr" defTabSz="914295"/>
+            <a:r>
+              <a:rPr lang="en-US" altLang="ja-JP" dirty="0"/>
               <a:t>E</a:t>
             </a:r>
-            <a:endParaRPr kumimoji="1" lang="ja-JP" altLang="en-US" dirty="0"/>
+            <a:endParaRPr lang="ja-JP" altLang="en-US" dirty="0"/>
           </a:p>
         </p:txBody>
       </p:sp>
@@ -8075,17 +9622,17 @@
         </p:nvCxnSpPr>
         <p:spPr>
           <a:xfrm flipH="1">
-            <a:off x="4993429" y="5011592"/>
+            <a:off x="4993429" y="5111310"/>
             <a:ext cx="738022" cy="0"/>
           </a:xfrm>
           <a:prstGeom prst="straightConnector1">
             <a:avLst/>
           </a:prstGeom>
-          <a:ln w="19050">
+          <a:ln w="31750">
             <a:solidFill>
               <a:schemeClr val="tx1"/>
             </a:solidFill>
-            <a:prstDash val="sysDash"/>
+            <a:prstDash val="sysDot"/>
             <a:tailEnd type="triangle" w="lg" len="med"/>
           </a:ln>
         </p:spPr>
@@ -8115,17 +9662,17 @@
         </p:nvCxnSpPr>
         <p:spPr>
           <a:xfrm flipH="1">
-            <a:off x="5551571" y="5281592"/>
+            <a:off x="5551571" y="5381310"/>
             <a:ext cx="449880" cy="405863"/>
           </a:xfrm>
           <a:prstGeom prst="straightConnector1">
             <a:avLst/>
           </a:prstGeom>
-          <a:ln w="19050">
+          <a:ln w="31750">
             <a:solidFill>
               <a:schemeClr val="tx1"/>
             </a:solidFill>
-            <a:prstDash val="sysDash"/>
+            <a:prstDash val="sysDot"/>
             <a:tailEnd type="triangle" w="lg" len="med"/>
           </a:ln>
         </p:spPr>
@@ -8152,12 +9699,18 @@
         </p:nvSpPr>
         <p:spPr>
           <a:xfrm>
-            <a:off x="1556932" y="2045569"/>
+            <a:off x="1556932" y="2225627"/>
             <a:ext cx="540000" cy="540000"/>
           </a:xfrm>
           <a:prstGeom prst="ellipse">
             <a:avLst/>
           </a:prstGeom>
+          <a:solidFill>
+            <a:srgbClr val="FF0066"/>
+          </a:solidFill>
+          <a:ln>
+            <a:noFill/>
+          </a:ln>
         </p:spPr>
         <p:style>
           <a:lnRef idx="2">
@@ -8176,15 +9729,15 @@
           </a:fontRef>
         </p:style>
         <p:txBody>
-          <a:bodyPr rtlCol="0" anchor="ctr"/>
-          <a:lstStyle/>
-          <a:p>
-            <a:pPr algn="ctr"/>
-            <a:r>
-              <a:rPr kumimoji="1" lang="en-US" altLang="ja-JP" dirty="0" smtClean="0"/>
+          <a:bodyPr lIns="91429" tIns="45715" rIns="91429" bIns="45715" rtlCol="0" anchor="ctr"/>
+          <a:lstStyle/>
+          <a:p>
+            <a:pPr algn="ctr" defTabSz="914295"/>
+            <a:r>
+              <a:rPr lang="en-US" altLang="ja-JP" dirty="0"/>
               <a:t>A</a:t>
             </a:r>
-            <a:endParaRPr kumimoji="1" lang="ja-JP" altLang="en-US" dirty="0"/>
+            <a:endParaRPr lang="ja-JP" altLang="en-US" dirty="0"/>
           </a:p>
         </p:txBody>
       </p:sp>
@@ -8199,17 +9752,17 @@
         </p:nvCxnSpPr>
         <p:spPr>
           <a:xfrm flipH="1">
-            <a:off x="2096932" y="2315569"/>
+            <a:off x="2096932" y="2495627"/>
             <a:ext cx="432168" cy="0"/>
           </a:xfrm>
           <a:prstGeom prst="straightConnector1">
             <a:avLst/>
           </a:prstGeom>
-          <a:ln w="19050">
+          <a:ln w="31750">
             <a:solidFill>
               <a:schemeClr val="tx1"/>
             </a:solidFill>
-            <a:prstDash val="sysDash"/>
+            <a:prstDash val="sysDot"/>
             <a:tailEnd type="triangle" w="lg" len="med"/>
           </a:ln>
         </p:spPr>
@@ -8236,12 +9789,18 @@
         </p:nvSpPr>
         <p:spPr>
           <a:xfrm>
-            <a:off x="2529100" y="2045569"/>
+            <a:off x="2529100" y="2225627"/>
             <a:ext cx="540000" cy="540000"/>
           </a:xfrm>
           <a:prstGeom prst="ellipse">
             <a:avLst/>
           </a:prstGeom>
+          <a:solidFill>
+            <a:srgbClr val="FF0066"/>
+          </a:solidFill>
+          <a:ln>
+            <a:noFill/>
+          </a:ln>
         </p:spPr>
         <p:style>
           <a:lnRef idx="2">
@@ -8260,15 +9819,15 @@
           </a:fontRef>
         </p:style>
         <p:txBody>
-          <a:bodyPr rtlCol="0" anchor="ctr"/>
-          <a:lstStyle/>
-          <a:p>
-            <a:pPr algn="ctr"/>
-            <a:r>
-              <a:rPr kumimoji="1" lang="en-US" altLang="ja-JP" dirty="0" smtClean="0"/>
+          <a:bodyPr lIns="91429" tIns="45715" rIns="91429" bIns="45715" rtlCol="0" anchor="ctr"/>
+          <a:lstStyle/>
+          <a:p>
+            <a:pPr algn="ctr" defTabSz="914295"/>
+            <a:r>
+              <a:rPr lang="en-US" altLang="ja-JP" dirty="0"/>
               <a:t>B</a:t>
             </a:r>
-            <a:endParaRPr kumimoji="1" lang="ja-JP" altLang="en-US" dirty="0"/>
+            <a:endParaRPr lang="ja-JP" altLang="en-US" dirty="0"/>
           </a:p>
         </p:txBody>
       </p:sp>
@@ -8280,12 +9839,18 @@
         </p:nvSpPr>
         <p:spPr>
           <a:xfrm>
-            <a:off x="3501268" y="2045569"/>
+            <a:off x="3501268" y="2225627"/>
             <a:ext cx="540000" cy="540000"/>
           </a:xfrm>
           <a:prstGeom prst="ellipse">
             <a:avLst/>
           </a:prstGeom>
+          <a:solidFill>
+            <a:srgbClr val="FF0066"/>
+          </a:solidFill>
+          <a:ln>
+            <a:noFill/>
+          </a:ln>
         </p:spPr>
         <p:style>
           <a:lnRef idx="2">
@@ -8304,15 +9869,15 @@
           </a:fontRef>
         </p:style>
         <p:txBody>
-          <a:bodyPr rtlCol="0" anchor="ctr"/>
-          <a:lstStyle/>
-          <a:p>
-            <a:pPr algn="ctr"/>
-            <a:r>
-              <a:rPr kumimoji="1" lang="en-US" altLang="ja-JP" dirty="0" smtClean="0"/>
+          <a:bodyPr lIns="91429" tIns="45715" rIns="91429" bIns="45715" rtlCol="0" anchor="ctr"/>
+          <a:lstStyle/>
+          <a:p>
+            <a:pPr algn="ctr" defTabSz="914295"/>
+            <a:r>
+              <a:rPr lang="en-US" altLang="ja-JP" dirty="0"/>
               <a:t>C</a:t>
             </a:r>
-            <a:endParaRPr kumimoji="1" lang="ja-JP" altLang="en-US" dirty="0"/>
+            <a:endParaRPr lang="ja-JP" altLang="en-US" dirty="0"/>
           </a:p>
         </p:txBody>
       </p:sp>
@@ -8327,17 +9892,17 @@
         </p:nvCxnSpPr>
         <p:spPr>
           <a:xfrm flipH="1">
-            <a:off x="3069100" y="2315569"/>
+            <a:off x="3069100" y="2495627"/>
             <a:ext cx="432168" cy="0"/>
           </a:xfrm>
           <a:prstGeom prst="straightConnector1">
             <a:avLst/>
           </a:prstGeom>
-          <a:ln w="19050">
+          <a:ln w="31750">
             <a:solidFill>
               <a:schemeClr val="tx1"/>
             </a:solidFill>
-            <a:prstDash val="sysDash"/>
+            <a:prstDash val="sysDot"/>
             <a:tailEnd type="triangle" w="lg" len="med"/>
           </a:ln>
         </p:spPr>
@@ -8366,17 +9931,17 @@
         </p:nvCxnSpPr>
         <p:spPr>
           <a:xfrm flipH="1">
-            <a:off x="4041268" y="2315569"/>
+            <a:off x="4041268" y="2495627"/>
             <a:ext cx="414106" cy="0"/>
           </a:xfrm>
           <a:prstGeom prst="straightConnector1">
             <a:avLst/>
           </a:prstGeom>
-          <a:ln w="19050">
+          <a:ln w="31750">
             <a:solidFill>
               <a:schemeClr val="tx1"/>
             </a:solidFill>
-            <a:prstDash val="sysDash"/>
+            <a:prstDash val="sysDot"/>
             <a:tailEnd type="triangle" w="lg" len="med"/>
           </a:ln>
         </p:spPr>
@@ -8405,17 +9970,17 @@
         </p:nvCxnSpPr>
         <p:spPr>
           <a:xfrm flipH="1">
-            <a:off x="5706507" y="1745170"/>
+            <a:off x="5706507" y="1925228"/>
             <a:ext cx="428406" cy="273420"/>
           </a:xfrm>
           <a:prstGeom prst="straightConnector1">
             <a:avLst/>
           </a:prstGeom>
-          <a:ln w="19050">
+          <a:ln w="31750">
             <a:solidFill>
               <a:schemeClr val="tx1"/>
             </a:solidFill>
-            <a:prstDash val="sysDash"/>
+            <a:prstDash val="sysDot"/>
             <a:tailEnd type="triangle" w="lg" len="med"/>
           </a:ln>
         </p:spPr>
@@ -8442,13 +10007,14 @@
         </p:nvSpPr>
         <p:spPr>
           <a:xfrm>
-            <a:off x="6134913" y="1601154"/>
+            <a:off x="6134913" y="1781212"/>
             <a:ext cx="936044" cy="288032"/>
           </a:xfrm>
           <a:prstGeom prst="rect">
             <a:avLst/>
           </a:prstGeom>
           <a:ln>
+            <a:noFill/>
             <a:prstDash val="sysDash"/>
           </a:ln>
         </p:spPr>
@@ -8469,15 +10035,15 @@
           </a:fontRef>
         </p:style>
         <p:txBody>
-          <a:bodyPr rtlCol="0" anchor="ctr"/>
-          <a:lstStyle/>
-          <a:p>
-            <a:pPr algn="ctr"/>
-            <a:r>
-              <a:rPr kumimoji="1" lang="en-US" altLang="ja-JP" dirty="0" smtClean="0"/>
+          <a:bodyPr lIns="91429" tIns="45715" rIns="91429" bIns="45715" rtlCol="0" anchor="ctr"/>
+          <a:lstStyle/>
+          <a:p>
+            <a:pPr algn="ctr" defTabSz="914295"/>
+            <a:r>
+              <a:rPr lang="en-US" altLang="ja-JP" dirty="0"/>
               <a:t>master</a:t>
             </a:r>
-            <a:endParaRPr kumimoji="1" lang="ja-JP" altLang="en-US" dirty="0"/>
+            <a:endParaRPr lang="ja-JP" altLang="en-US" dirty="0"/>
           </a:p>
         </p:txBody>
       </p:sp>
@@ -8489,12 +10055,18 @@
         </p:nvSpPr>
         <p:spPr>
           <a:xfrm>
-            <a:off x="4480634" y="2045569"/>
+            <a:off x="4480634" y="2225627"/>
             <a:ext cx="540000" cy="540000"/>
           </a:xfrm>
           <a:prstGeom prst="ellipse">
             <a:avLst/>
           </a:prstGeom>
+          <a:solidFill>
+            <a:srgbClr val="FF0066"/>
+          </a:solidFill>
+          <a:ln>
+            <a:noFill/>
+          </a:ln>
         </p:spPr>
         <p:style>
           <a:lnRef idx="2">
@@ -8513,15 +10085,15 @@
           </a:fontRef>
         </p:style>
         <p:txBody>
-          <a:bodyPr rtlCol="0" anchor="ctr"/>
-          <a:lstStyle/>
-          <a:p>
-            <a:pPr algn="ctr"/>
-            <a:r>
-              <a:rPr kumimoji="1" lang="en-US" altLang="ja-JP" dirty="0" smtClean="0"/>
+          <a:bodyPr lIns="91429" tIns="45715" rIns="91429" bIns="45715" rtlCol="0" anchor="ctr"/>
+          <a:lstStyle/>
+          <a:p>
+            <a:pPr algn="ctr" defTabSz="914295"/>
+            <a:r>
+              <a:rPr lang="en-US" altLang="ja-JP" dirty="0"/>
               <a:t>X</a:t>
             </a:r>
-            <a:endParaRPr kumimoji="1" lang="ja-JP" altLang="en-US" dirty="0"/>
+            <a:endParaRPr lang="ja-JP" altLang="en-US" dirty="0"/>
           </a:p>
         </p:txBody>
       </p:sp>
@@ -8533,12 +10105,18 @@
         </p:nvSpPr>
         <p:spPr>
           <a:xfrm>
-            <a:off x="5432875" y="2045569"/>
+            <a:off x="5432875" y="2225627"/>
             <a:ext cx="540000" cy="540000"/>
           </a:xfrm>
           <a:prstGeom prst="ellipse">
             <a:avLst/>
           </a:prstGeom>
+          <a:solidFill>
+            <a:srgbClr val="FF0066"/>
+          </a:solidFill>
+          <a:ln>
+            <a:noFill/>
+          </a:ln>
         </p:spPr>
         <p:style>
           <a:lnRef idx="2">
@@ -8557,15 +10135,15 @@
           </a:fontRef>
         </p:style>
         <p:txBody>
-          <a:bodyPr rtlCol="0" anchor="ctr"/>
-          <a:lstStyle/>
-          <a:p>
-            <a:pPr algn="ctr"/>
-            <a:r>
-              <a:rPr kumimoji="1" lang="en-US" altLang="ja-JP" dirty="0" smtClean="0"/>
+          <a:bodyPr lIns="91429" tIns="45715" rIns="91429" bIns="45715" rtlCol="0" anchor="ctr"/>
+          <a:lstStyle/>
+          <a:p>
+            <a:pPr algn="ctr" defTabSz="914295"/>
+            <a:r>
+              <a:rPr lang="en-US" altLang="ja-JP" dirty="0"/>
               <a:t>Y</a:t>
             </a:r>
-            <a:endParaRPr kumimoji="1" lang="ja-JP" altLang="en-US" dirty="0"/>
+            <a:endParaRPr lang="ja-JP" altLang="en-US" dirty="0"/>
           </a:p>
         </p:txBody>
       </p:sp>
@@ -8579,17 +10157,17 @@
         </p:nvCxnSpPr>
         <p:spPr>
           <a:xfrm flipH="1">
-            <a:off x="5018769" y="2315569"/>
+            <a:off x="5018769" y="2495627"/>
             <a:ext cx="414106" cy="0"/>
           </a:xfrm>
           <a:prstGeom prst="straightConnector1">
             <a:avLst/>
           </a:prstGeom>
-          <a:ln w="19050">
+          <a:ln w="31750">
             <a:solidFill>
               <a:schemeClr val="tx1"/>
             </a:solidFill>
-            <a:prstDash val="sysDash"/>
+            <a:prstDash val="sysDot"/>
             <a:tailEnd type="triangle" w="lg" len="med"/>
           </a:ln>
         </p:spPr>
@@ -8608,6 +10186,471 @@
           </a:fontRef>
         </p:style>
       </p:cxnSp>
+      <p:sp>
+        <p:nvSpPr>
+          <p:cNvPr id="34" name="角丸四角形吹き出し 70"/>
+          <p:cNvSpPr/>
+          <p:nvPr/>
+        </p:nvSpPr>
+        <p:spPr>
+          <a:xfrm>
+            <a:off x="203401" y="123901"/>
+            <a:ext cx="8737200" cy="1433282"/>
+          </a:xfrm>
+          <a:custGeom>
+            <a:avLst/>
+            <a:gdLst>
+              <a:gd name="connsiteX0" fmla="*/ 0 w 8541658"/>
+              <a:gd name="connsiteY0" fmla="*/ 214817 h 1288876"/>
+              <a:gd name="connsiteX1" fmla="*/ 214817 w 8541658"/>
+              <a:gd name="connsiteY1" fmla="*/ 0 h 1288876"/>
+              <a:gd name="connsiteX2" fmla="*/ 1423610 w 8541658"/>
+              <a:gd name="connsiteY2" fmla="*/ 0 h 1288876"/>
+              <a:gd name="connsiteX3" fmla="*/ 1423610 w 8541658"/>
+              <a:gd name="connsiteY3" fmla="*/ 0 h 1288876"/>
+              <a:gd name="connsiteX4" fmla="*/ 3559024 w 8541658"/>
+              <a:gd name="connsiteY4" fmla="*/ 0 h 1288876"/>
+              <a:gd name="connsiteX5" fmla="*/ 8326841 w 8541658"/>
+              <a:gd name="connsiteY5" fmla="*/ 0 h 1288876"/>
+              <a:gd name="connsiteX6" fmla="*/ 8541658 w 8541658"/>
+              <a:gd name="connsiteY6" fmla="*/ 214817 h 1288876"/>
+              <a:gd name="connsiteX7" fmla="*/ 8541658 w 8541658"/>
+              <a:gd name="connsiteY7" fmla="*/ 751844 h 1288876"/>
+              <a:gd name="connsiteX8" fmla="*/ 8541658 w 8541658"/>
+              <a:gd name="connsiteY8" fmla="*/ 751844 h 1288876"/>
+              <a:gd name="connsiteX9" fmla="*/ 8541658 w 8541658"/>
+              <a:gd name="connsiteY9" fmla="*/ 1074063 h 1288876"/>
+              <a:gd name="connsiteX10" fmla="*/ 8541658 w 8541658"/>
+              <a:gd name="connsiteY10" fmla="*/ 1074059 h 1288876"/>
+              <a:gd name="connsiteX11" fmla="*/ 8326841 w 8541658"/>
+              <a:gd name="connsiteY11" fmla="*/ 1288876 h 1288876"/>
+              <a:gd name="connsiteX12" fmla="*/ 3559024 w 8541658"/>
+              <a:gd name="connsiteY12" fmla="*/ 1288876 h 1288876"/>
+              <a:gd name="connsiteX13" fmla="*/ 2230227 w 8541658"/>
+              <a:gd name="connsiteY13" fmla="*/ 1471381 h 1288876"/>
+              <a:gd name="connsiteX14" fmla="*/ 1423610 w 8541658"/>
+              <a:gd name="connsiteY14" fmla="*/ 1288876 h 1288876"/>
+              <a:gd name="connsiteX15" fmla="*/ 214817 w 8541658"/>
+              <a:gd name="connsiteY15" fmla="*/ 1288876 h 1288876"/>
+              <a:gd name="connsiteX16" fmla="*/ 0 w 8541658"/>
+              <a:gd name="connsiteY16" fmla="*/ 1074059 h 1288876"/>
+              <a:gd name="connsiteX17" fmla="*/ 0 w 8541658"/>
+              <a:gd name="connsiteY17" fmla="*/ 1074063 h 1288876"/>
+              <a:gd name="connsiteX18" fmla="*/ 0 w 8541658"/>
+              <a:gd name="connsiteY18" fmla="*/ 751844 h 1288876"/>
+              <a:gd name="connsiteX19" fmla="*/ 0 w 8541658"/>
+              <a:gd name="connsiteY19" fmla="*/ 751844 h 1288876"/>
+              <a:gd name="connsiteX20" fmla="*/ 0 w 8541658"/>
+              <a:gd name="connsiteY20" fmla="*/ 214817 h 1288876"/>
+              <a:gd name="connsiteX0" fmla="*/ 0 w 8541658"/>
+              <a:gd name="connsiteY0" fmla="*/ 214817 h 1471381"/>
+              <a:gd name="connsiteX1" fmla="*/ 214817 w 8541658"/>
+              <a:gd name="connsiteY1" fmla="*/ 0 h 1471381"/>
+              <a:gd name="connsiteX2" fmla="*/ 1423610 w 8541658"/>
+              <a:gd name="connsiteY2" fmla="*/ 0 h 1471381"/>
+              <a:gd name="connsiteX3" fmla="*/ 1423610 w 8541658"/>
+              <a:gd name="connsiteY3" fmla="*/ 0 h 1471381"/>
+              <a:gd name="connsiteX4" fmla="*/ 3559024 w 8541658"/>
+              <a:gd name="connsiteY4" fmla="*/ 0 h 1471381"/>
+              <a:gd name="connsiteX5" fmla="*/ 8326841 w 8541658"/>
+              <a:gd name="connsiteY5" fmla="*/ 0 h 1471381"/>
+              <a:gd name="connsiteX6" fmla="*/ 8541658 w 8541658"/>
+              <a:gd name="connsiteY6" fmla="*/ 214817 h 1471381"/>
+              <a:gd name="connsiteX7" fmla="*/ 8541658 w 8541658"/>
+              <a:gd name="connsiteY7" fmla="*/ 751844 h 1471381"/>
+              <a:gd name="connsiteX8" fmla="*/ 8541658 w 8541658"/>
+              <a:gd name="connsiteY8" fmla="*/ 751844 h 1471381"/>
+              <a:gd name="connsiteX9" fmla="*/ 8541658 w 8541658"/>
+              <a:gd name="connsiteY9" fmla="*/ 1074063 h 1471381"/>
+              <a:gd name="connsiteX10" fmla="*/ 8541658 w 8541658"/>
+              <a:gd name="connsiteY10" fmla="*/ 1074059 h 1471381"/>
+              <a:gd name="connsiteX11" fmla="*/ 8326841 w 8541658"/>
+              <a:gd name="connsiteY11" fmla="*/ 1288876 h 1471381"/>
+              <a:gd name="connsiteX12" fmla="*/ 1852144 w 8541658"/>
+              <a:gd name="connsiteY12" fmla="*/ 1288876 h 1471381"/>
+              <a:gd name="connsiteX13" fmla="*/ 2230227 w 8541658"/>
+              <a:gd name="connsiteY13" fmla="*/ 1471381 h 1471381"/>
+              <a:gd name="connsiteX14" fmla="*/ 1423610 w 8541658"/>
+              <a:gd name="connsiteY14" fmla="*/ 1288876 h 1471381"/>
+              <a:gd name="connsiteX15" fmla="*/ 214817 w 8541658"/>
+              <a:gd name="connsiteY15" fmla="*/ 1288876 h 1471381"/>
+              <a:gd name="connsiteX16" fmla="*/ 0 w 8541658"/>
+              <a:gd name="connsiteY16" fmla="*/ 1074059 h 1471381"/>
+              <a:gd name="connsiteX17" fmla="*/ 0 w 8541658"/>
+              <a:gd name="connsiteY17" fmla="*/ 1074063 h 1471381"/>
+              <a:gd name="connsiteX18" fmla="*/ 0 w 8541658"/>
+              <a:gd name="connsiteY18" fmla="*/ 751844 h 1471381"/>
+              <a:gd name="connsiteX19" fmla="*/ 0 w 8541658"/>
+              <a:gd name="connsiteY19" fmla="*/ 751844 h 1471381"/>
+              <a:gd name="connsiteX20" fmla="*/ 0 w 8541658"/>
+              <a:gd name="connsiteY20" fmla="*/ 214817 h 1471381"/>
+              <a:gd name="connsiteX0" fmla="*/ 0 w 8541658"/>
+              <a:gd name="connsiteY0" fmla="*/ 214817 h 1433281"/>
+              <a:gd name="connsiteX1" fmla="*/ 214817 w 8541658"/>
+              <a:gd name="connsiteY1" fmla="*/ 0 h 1433281"/>
+              <a:gd name="connsiteX2" fmla="*/ 1423610 w 8541658"/>
+              <a:gd name="connsiteY2" fmla="*/ 0 h 1433281"/>
+              <a:gd name="connsiteX3" fmla="*/ 1423610 w 8541658"/>
+              <a:gd name="connsiteY3" fmla="*/ 0 h 1433281"/>
+              <a:gd name="connsiteX4" fmla="*/ 3559024 w 8541658"/>
+              <a:gd name="connsiteY4" fmla="*/ 0 h 1433281"/>
+              <a:gd name="connsiteX5" fmla="*/ 8326841 w 8541658"/>
+              <a:gd name="connsiteY5" fmla="*/ 0 h 1433281"/>
+              <a:gd name="connsiteX6" fmla="*/ 8541658 w 8541658"/>
+              <a:gd name="connsiteY6" fmla="*/ 214817 h 1433281"/>
+              <a:gd name="connsiteX7" fmla="*/ 8541658 w 8541658"/>
+              <a:gd name="connsiteY7" fmla="*/ 751844 h 1433281"/>
+              <a:gd name="connsiteX8" fmla="*/ 8541658 w 8541658"/>
+              <a:gd name="connsiteY8" fmla="*/ 751844 h 1433281"/>
+              <a:gd name="connsiteX9" fmla="*/ 8541658 w 8541658"/>
+              <a:gd name="connsiteY9" fmla="*/ 1074063 h 1433281"/>
+              <a:gd name="connsiteX10" fmla="*/ 8541658 w 8541658"/>
+              <a:gd name="connsiteY10" fmla="*/ 1074059 h 1433281"/>
+              <a:gd name="connsiteX11" fmla="*/ 8326841 w 8541658"/>
+              <a:gd name="connsiteY11" fmla="*/ 1288876 h 1433281"/>
+              <a:gd name="connsiteX12" fmla="*/ 1852144 w 8541658"/>
+              <a:gd name="connsiteY12" fmla="*/ 1288876 h 1433281"/>
+              <a:gd name="connsiteX13" fmla="*/ 1864467 w 8541658"/>
+              <a:gd name="connsiteY13" fmla="*/ 1433281 h 1433281"/>
+              <a:gd name="connsiteX14" fmla="*/ 1423610 w 8541658"/>
+              <a:gd name="connsiteY14" fmla="*/ 1288876 h 1433281"/>
+              <a:gd name="connsiteX15" fmla="*/ 214817 w 8541658"/>
+              <a:gd name="connsiteY15" fmla="*/ 1288876 h 1433281"/>
+              <a:gd name="connsiteX16" fmla="*/ 0 w 8541658"/>
+              <a:gd name="connsiteY16" fmla="*/ 1074059 h 1433281"/>
+              <a:gd name="connsiteX17" fmla="*/ 0 w 8541658"/>
+              <a:gd name="connsiteY17" fmla="*/ 1074063 h 1433281"/>
+              <a:gd name="connsiteX18" fmla="*/ 0 w 8541658"/>
+              <a:gd name="connsiteY18" fmla="*/ 751844 h 1433281"/>
+              <a:gd name="connsiteX19" fmla="*/ 0 w 8541658"/>
+              <a:gd name="connsiteY19" fmla="*/ 751844 h 1433281"/>
+              <a:gd name="connsiteX20" fmla="*/ 0 w 8541658"/>
+              <a:gd name="connsiteY20" fmla="*/ 214817 h 1433281"/>
+            </a:gdLst>
+            <a:ahLst/>
+            <a:cxnLst>
+              <a:cxn ang="0">
+                <a:pos x="connsiteX0" y="connsiteY0"/>
+              </a:cxn>
+              <a:cxn ang="0">
+                <a:pos x="connsiteX1" y="connsiteY1"/>
+              </a:cxn>
+              <a:cxn ang="0">
+                <a:pos x="connsiteX2" y="connsiteY2"/>
+              </a:cxn>
+              <a:cxn ang="0">
+                <a:pos x="connsiteX3" y="connsiteY3"/>
+              </a:cxn>
+              <a:cxn ang="0">
+                <a:pos x="connsiteX4" y="connsiteY4"/>
+              </a:cxn>
+              <a:cxn ang="0">
+                <a:pos x="connsiteX5" y="connsiteY5"/>
+              </a:cxn>
+              <a:cxn ang="0">
+                <a:pos x="connsiteX6" y="connsiteY6"/>
+              </a:cxn>
+              <a:cxn ang="0">
+                <a:pos x="connsiteX7" y="connsiteY7"/>
+              </a:cxn>
+              <a:cxn ang="0">
+                <a:pos x="connsiteX8" y="connsiteY8"/>
+              </a:cxn>
+              <a:cxn ang="0">
+                <a:pos x="connsiteX9" y="connsiteY9"/>
+              </a:cxn>
+              <a:cxn ang="0">
+                <a:pos x="connsiteX10" y="connsiteY10"/>
+              </a:cxn>
+              <a:cxn ang="0">
+                <a:pos x="connsiteX11" y="connsiteY11"/>
+              </a:cxn>
+              <a:cxn ang="0">
+                <a:pos x="connsiteX12" y="connsiteY12"/>
+              </a:cxn>
+              <a:cxn ang="0">
+                <a:pos x="connsiteX13" y="connsiteY13"/>
+              </a:cxn>
+              <a:cxn ang="0">
+                <a:pos x="connsiteX14" y="connsiteY14"/>
+              </a:cxn>
+              <a:cxn ang="0">
+                <a:pos x="connsiteX15" y="connsiteY15"/>
+              </a:cxn>
+              <a:cxn ang="0">
+                <a:pos x="connsiteX16" y="connsiteY16"/>
+              </a:cxn>
+              <a:cxn ang="0">
+                <a:pos x="connsiteX17" y="connsiteY17"/>
+              </a:cxn>
+              <a:cxn ang="0">
+                <a:pos x="connsiteX18" y="connsiteY18"/>
+              </a:cxn>
+              <a:cxn ang="0">
+                <a:pos x="connsiteX19" y="connsiteY19"/>
+              </a:cxn>
+              <a:cxn ang="0">
+                <a:pos x="connsiteX20" y="connsiteY20"/>
+              </a:cxn>
+            </a:cxnLst>
+            <a:rect l="l" t="t" r="r" b="b"/>
+            <a:pathLst>
+              <a:path w="8541658" h="1433281">
+                <a:moveTo>
+                  <a:pt x="0" y="214817"/>
+                </a:moveTo>
+                <a:cubicBezTo>
+                  <a:pt x="0" y="96177"/>
+                  <a:pt x="96177" y="0"/>
+                  <a:pt x="214817" y="0"/>
+                </a:cubicBezTo>
+                <a:lnTo>
+                  <a:pt x="1423610" y="0"/>
+                </a:lnTo>
+                <a:lnTo>
+                  <a:pt x="1423610" y="0"/>
+                </a:lnTo>
+                <a:lnTo>
+                  <a:pt x="3559024" y="0"/>
+                </a:lnTo>
+                <a:lnTo>
+                  <a:pt x="8326841" y="0"/>
+                </a:lnTo>
+                <a:cubicBezTo>
+                  <a:pt x="8445481" y="0"/>
+                  <a:pt x="8541658" y="96177"/>
+                  <a:pt x="8541658" y="214817"/>
+                </a:cubicBezTo>
+                <a:lnTo>
+                  <a:pt x="8541658" y="751844"/>
+                </a:lnTo>
+                <a:lnTo>
+                  <a:pt x="8541658" y="751844"/>
+                </a:lnTo>
+                <a:lnTo>
+                  <a:pt x="8541658" y="1074063"/>
+                </a:lnTo>
+                <a:lnTo>
+                  <a:pt x="8541658" y="1074059"/>
+                </a:lnTo>
+                <a:cubicBezTo>
+                  <a:pt x="8541658" y="1192699"/>
+                  <a:pt x="8445481" y="1288876"/>
+                  <a:pt x="8326841" y="1288876"/>
+                </a:cubicBezTo>
+                <a:lnTo>
+                  <a:pt x="1852144" y="1288876"/>
+                </a:lnTo>
+                <a:lnTo>
+                  <a:pt x="1864467" y="1433281"/>
+                </a:lnTo>
+                <a:lnTo>
+                  <a:pt x="1423610" y="1288876"/>
+                </a:lnTo>
+                <a:lnTo>
+                  <a:pt x="214817" y="1288876"/>
+                </a:lnTo>
+                <a:cubicBezTo>
+                  <a:pt x="96177" y="1288876"/>
+                  <a:pt x="0" y="1192699"/>
+                  <a:pt x="0" y="1074059"/>
+                </a:cubicBezTo>
+                <a:lnTo>
+                  <a:pt x="0" y="1074063"/>
+                </a:lnTo>
+                <a:lnTo>
+                  <a:pt x="0" y="751844"/>
+                </a:lnTo>
+                <a:lnTo>
+                  <a:pt x="0" y="751844"/>
+                </a:lnTo>
+                <a:lnTo>
+                  <a:pt x="0" y="214817"/>
+                </a:lnTo>
+                <a:close/>
+              </a:path>
+            </a:pathLst>
+          </a:custGeom>
+          <a:solidFill>
+            <a:srgbClr val="03C924"/>
+          </a:solidFill>
+          <a:ln>
+            <a:noFill/>
+          </a:ln>
+        </p:spPr>
+        <p:style>
+          <a:lnRef idx="2">
+            <a:schemeClr val="accent1">
+              <a:shade val="50000"/>
+            </a:schemeClr>
+          </a:lnRef>
+          <a:fillRef idx="1">
+            <a:schemeClr val="accent1"/>
+          </a:fillRef>
+          <a:effectRef idx="0">
+            <a:schemeClr val="accent1"/>
+          </a:effectRef>
+          <a:fontRef idx="minor">
+            <a:schemeClr val="lt1"/>
+          </a:fontRef>
+        </p:style>
+        <p:txBody>
+          <a:bodyPr lIns="143983" tIns="143983" rIns="143983" bIns="0" rtlCol="0" anchor="ctr"/>
+          <a:lstStyle/>
+          <a:p>
+            <a:r>
+              <a:rPr lang="ja-JP" altLang="en-US" b="1" dirty="0">
+                <a:ea typeface="ＭＳ ゴシック" panose="020B0609070205080204" pitchFamily="49" charset="-128"/>
+              </a:rPr>
+              <a:t>「</a:t>
+            </a:r>
+            <a:r>
+              <a:rPr lang="en-US" altLang="ja-JP" b="1" dirty="0" err="1">
+                <a:ea typeface="ＭＳ ゴシック" panose="020B0609070205080204" pitchFamily="49" charset="-128"/>
+              </a:rPr>
+              <a:t>git</a:t>
+            </a:r>
+            <a:r>
+              <a:rPr lang="en-US" altLang="ja-JP" b="1" dirty="0">
+                <a:ea typeface="ＭＳ ゴシック" panose="020B0609070205080204" pitchFamily="49" charset="-128"/>
+              </a:rPr>
+              <a:t> pull</a:t>
+            </a:r>
+            <a:r>
+              <a:rPr lang="ja-JP" altLang="en-US" b="1" dirty="0">
+                <a:ea typeface="ＭＳ ゴシック" panose="020B0609070205080204" pitchFamily="49" charset="-128"/>
+              </a:rPr>
+              <a:t>」のマージ処理も</a:t>
+            </a:r>
+            <a:r>
+              <a:rPr lang="ja-JP" altLang="en-US" b="1" dirty="0" smtClean="0">
+                <a:ea typeface="ＭＳ ゴシック" panose="020B0609070205080204" pitchFamily="49" charset="-128"/>
+              </a:rPr>
+              <a:t>完了。</a:t>
+            </a:r>
+            <a:endParaRPr lang="ja-JP" altLang="en-US" b="1" dirty="0">
+              <a:ea typeface="ＭＳ ゴシック" panose="020B0609070205080204" pitchFamily="49" charset="-128"/>
+            </a:endParaRPr>
+          </a:p>
+          <a:p>
+            <a:r>
+              <a:rPr lang="ja-JP" altLang="en-US" b="1" dirty="0" smtClean="0">
+                <a:ea typeface="ＭＳ ゴシック" panose="020B0609070205080204" pitchFamily="49" charset="-128"/>
+              </a:rPr>
+              <a:t>マージコミット </a:t>
+            </a:r>
+            <a:r>
+              <a:rPr lang="en-US" altLang="ja-JP" b="1" dirty="0" smtClean="0">
+                <a:ea typeface="ＭＳ ゴシック" panose="020B0609070205080204" pitchFamily="49" charset="-128"/>
+              </a:rPr>
+              <a:t>E </a:t>
+            </a:r>
+            <a:r>
+              <a:rPr lang="ja-JP" altLang="en-US" b="1" dirty="0" smtClean="0">
+                <a:ea typeface="ＭＳ ゴシック" panose="020B0609070205080204" pitchFamily="49" charset="-128"/>
+              </a:rPr>
+              <a:t>が</a:t>
+            </a:r>
+            <a:r>
+              <a:rPr lang="ja-JP" altLang="en-US" b="1" dirty="0">
+                <a:ea typeface="ＭＳ ゴシック" panose="020B0609070205080204" pitchFamily="49" charset="-128"/>
+              </a:rPr>
+              <a:t>作られ、</a:t>
+            </a:r>
+            <a:r>
+              <a:rPr lang="en-US" altLang="ja-JP" b="1" dirty="0" smtClean="0">
+                <a:ea typeface="ＭＳ ゴシック" panose="020B0609070205080204" pitchFamily="49" charset="-128"/>
+              </a:rPr>
+              <a:t>origin/master </a:t>
+            </a:r>
+            <a:r>
+              <a:rPr lang="ja-JP" altLang="en-US" b="1" dirty="0" smtClean="0">
+                <a:ea typeface="ＭＳ ゴシック" panose="020B0609070205080204" pitchFamily="49" charset="-128"/>
+              </a:rPr>
+              <a:t>ブランチ</a:t>
+            </a:r>
+            <a:r>
+              <a:rPr lang="ja-JP" altLang="en-US" b="1" dirty="0">
+                <a:ea typeface="ＭＳ ゴシック" panose="020B0609070205080204" pitchFamily="49" charset="-128"/>
+              </a:rPr>
+              <a:t>の</a:t>
+            </a:r>
+            <a:r>
+              <a:rPr lang="ja-JP" altLang="en-US" b="1" dirty="0" smtClean="0">
+                <a:ea typeface="ＭＳ ゴシック" panose="020B0609070205080204" pitchFamily="49" charset="-128"/>
+              </a:rPr>
+              <a:t>コミット </a:t>
+            </a:r>
+            <a:r>
+              <a:rPr lang="en-US" altLang="ja-JP" b="1" dirty="0" smtClean="0">
+                <a:ea typeface="ＭＳ ゴシック" panose="020B0609070205080204" pitchFamily="49" charset="-128"/>
+              </a:rPr>
+              <a:t>X</a:t>
+            </a:r>
+            <a:r>
+              <a:rPr lang="ja-JP" altLang="en-US" b="1" dirty="0" err="1">
+                <a:ea typeface="ＭＳ ゴシック" panose="020B0609070205080204" pitchFamily="49" charset="-128"/>
+              </a:rPr>
+              <a:t>、</a:t>
+            </a:r>
+            <a:r>
+              <a:rPr lang="en-US" altLang="ja-JP" b="1" dirty="0" smtClean="0">
+                <a:ea typeface="ＭＳ ゴシック" panose="020B0609070205080204" pitchFamily="49" charset="-128"/>
+              </a:rPr>
+              <a:t>Y </a:t>
+            </a:r>
+            <a:r>
+              <a:rPr lang="ja-JP" altLang="en-US" b="1" dirty="0" smtClean="0">
+                <a:ea typeface="ＭＳ ゴシック" panose="020B0609070205080204" pitchFamily="49" charset="-128"/>
+              </a:rPr>
+              <a:t>が</a:t>
+            </a:r>
+            <a:endParaRPr lang="en-US" altLang="ja-JP" b="1" dirty="0" smtClean="0">
+              <a:ea typeface="ＭＳ ゴシック" panose="020B0609070205080204" pitchFamily="49" charset="-128"/>
+            </a:endParaRPr>
+          </a:p>
+          <a:p>
+            <a:r>
+              <a:rPr lang="ja-JP" altLang="en-US" b="1" dirty="0" smtClean="0">
+                <a:ea typeface="ＭＳ ゴシック" panose="020B0609070205080204" pitchFamily="49" charset="-128"/>
+              </a:rPr>
+              <a:t>ローカルリポジトリの </a:t>
+            </a:r>
+            <a:r>
+              <a:rPr lang="en-US" altLang="ja-JP" b="1" dirty="0" smtClean="0">
+                <a:ea typeface="ＭＳ ゴシック" panose="020B0609070205080204" pitchFamily="49" charset="-128"/>
+              </a:rPr>
+              <a:t>master </a:t>
+            </a:r>
+            <a:r>
+              <a:rPr lang="ja-JP" altLang="en-US" b="1" dirty="0" smtClean="0">
+                <a:ea typeface="ＭＳ ゴシック" panose="020B0609070205080204" pitchFamily="49" charset="-128"/>
+              </a:rPr>
+              <a:t>ブランチ</a:t>
+            </a:r>
+            <a:r>
+              <a:rPr lang="ja-JP" altLang="en-US" b="1" dirty="0">
+                <a:ea typeface="ＭＳ ゴシック" panose="020B0609070205080204" pitchFamily="49" charset="-128"/>
+              </a:rPr>
+              <a:t>に取り込まれた</a:t>
+            </a:r>
+            <a:r>
+              <a:rPr lang="ja-JP" altLang="en-US" b="1" dirty="0" smtClean="0">
+                <a:ea typeface="ＭＳ ゴシック" panose="020B0609070205080204" pitchFamily="49" charset="-128"/>
+              </a:rPr>
+              <a:t>。</a:t>
+            </a:r>
+            <a:endParaRPr lang="en-US" altLang="ja-JP" b="1" dirty="0" smtClean="0">
+              <a:ea typeface="ＭＳ ゴシック" panose="020B0609070205080204" pitchFamily="49" charset="-128"/>
+            </a:endParaRPr>
+          </a:p>
+          <a:p>
+            <a:endParaRPr lang="ja-JP" altLang="en-US" b="1" dirty="0">
+              <a:ea typeface="ＭＳ ゴシック" panose="020B0609070205080204" pitchFamily="49" charset="-128"/>
+            </a:endParaRPr>
+          </a:p>
+        </p:txBody>
+      </p:sp>
     </p:spTree>
     <p:extLst>
       <p:ext uri="{BB962C8B-B14F-4D97-AF65-F5344CB8AC3E}">
@@ -8640,18 +10683,85 @@
       </p:grpSpPr>
       <p:sp>
         <p:nvSpPr>
+          <p:cNvPr id="31" name="正方形/長方形 30"/>
+          <p:cNvSpPr/>
+          <p:nvPr/>
+        </p:nvSpPr>
+        <p:spPr>
+          <a:xfrm>
+            <a:off x="395536" y="4260185"/>
+            <a:ext cx="8352928" cy="2508893"/>
+          </a:xfrm>
+          <a:prstGeom prst="rect">
+            <a:avLst/>
+          </a:prstGeom>
+          <a:solidFill>
+            <a:srgbClr val="F8AD3E"/>
+          </a:solidFill>
+          <a:ln>
+            <a:noFill/>
+          </a:ln>
+        </p:spPr>
+        <p:style>
+          <a:lnRef idx="2">
+            <a:schemeClr val="accent5">
+              <a:shade val="50000"/>
+            </a:schemeClr>
+          </a:lnRef>
+          <a:fillRef idx="1">
+            <a:schemeClr val="accent5"/>
+          </a:fillRef>
+          <a:effectRef idx="0">
+            <a:schemeClr val="accent5"/>
+          </a:effectRef>
+          <a:fontRef idx="minor">
+            <a:schemeClr val="lt1"/>
+          </a:fontRef>
+        </p:style>
+        <p:txBody>
+          <a:bodyPr rtlCol="0" anchor="t" anchorCtr="0"/>
+          <a:lstStyle/>
+          <a:p>
+            <a:r>
+              <a:rPr lang="ja-JP" altLang="en-US" b="1" dirty="0">
+                <a:solidFill>
+                  <a:schemeClr val="bg1"/>
+                </a:solidFill>
+                <a:latin typeface="ＭＳ ゴシック" panose="020B0609070205080204" pitchFamily="49" charset="-128"/>
+                <a:ea typeface="ＭＳ ゴシック" panose="020B0609070205080204" pitchFamily="49" charset="-128"/>
+              </a:rPr>
+              <a:t>ローカルリポジトリ</a:t>
+            </a:r>
+            <a:endParaRPr lang="ja-JP" altLang="en-US" b="1" dirty="0">
+              <a:solidFill>
+                <a:schemeClr val="bg1"/>
+              </a:solidFill>
+              <a:latin typeface="ＭＳ ゴシック" panose="020B0609070205080204" pitchFamily="49" charset="-128"/>
+              <a:ea typeface="ＭＳ ゴシック" panose="020B0609070205080204" pitchFamily="49" charset="-128"/>
+            </a:endParaRPr>
+          </a:p>
+        </p:txBody>
+      </p:sp>
+      <p:sp>
+        <p:nvSpPr>
           <p:cNvPr id="21" name="円/楕円 20"/>
           <p:cNvSpPr/>
           <p:nvPr/>
         </p:nvSpPr>
         <p:spPr>
           <a:xfrm>
-            <a:off x="1554987" y="4741592"/>
+            <a:off x="1554987" y="4841310"/>
             <a:ext cx="540000" cy="540000"/>
           </a:xfrm>
           <a:prstGeom prst="ellipse">
             <a:avLst/>
           </a:prstGeom>
+          <a:solidFill>
+            <a:srgbClr val="FF0066"/>
+          </a:solidFill>
+          <a:ln>
+            <a:noFill/>
+          </a:ln>
         </p:spPr>
         <p:style>
           <a:lnRef idx="2">
@@ -8670,15 +10780,15 @@
           </a:fontRef>
         </p:style>
         <p:txBody>
-          <a:bodyPr rtlCol="0" anchor="ctr"/>
-          <a:lstStyle/>
-          <a:p>
-            <a:pPr algn="ctr"/>
-            <a:r>
-              <a:rPr kumimoji="1" lang="en-US" altLang="ja-JP" dirty="0" smtClean="0"/>
+          <a:bodyPr lIns="91429" tIns="45715" rIns="91429" bIns="45715" rtlCol="0" anchor="ctr"/>
+          <a:lstStyle/>
+          <a:p>
+            <a:pPr algn="ctr" defTabSz="914295"/>
+            <a:r>
+              <a:rPr lang="en-US" altLang="ja-JP" dirty="0"/>
               <a:t>A</a:t>
             </a:r>
-            <a:endParaRPr kumimoji="1" lang="ja-JP" altLang="en-US" dirty="0"/>
+            <a:endParaRPr lang="ja-JP" altLang="en-US" dirty="0"/>
           </a:p>
         </p:txBody>
       </p:sp>
@@ -8693,17 +10803,17 @@
         </p:nvCxnSpPr>
         <p:spPr>
           <a:xfrm flipH="1">
-            <a:off x="2094987" y="5011592"/>
+            <a:off x="2094987" y="5111310"/>
             <a:ext cx="432168" cy="0"/>
           </a:xfrm>
           <a:prstGeom prst="straightConnector1">
             <a:avLst/>
           </a:prstGeom>
-          <a:ln w="19050">
+          <a:ln w="31750">
             <a:solidFill>
               <a:schemeClr val="tx1"/>
             </a:solidFill>
-            <a:prstDash val="sysDash"/>
+            <a:prstDash val="sysDot"/>
             <a:tailEnd type="triangle" w="lg" len="med"/>
           </a:ln>
         </p:spPr>
@@ -8730,12 +10840,18 @@
         </p:nvSpPr>
         <p:spPr>
           <a:xfrm>
-            <a:off x="2527155" y="4741592"/>
+            <a:off x="2527155" y="4841310"/>
             <a:ext cx="540000" cy="540000"/>
           </a:xfrm>
           <a:prstGeom prst="ellipse">
             <a:avLst/>
           </a:prstGeom>
+          <a:solidFill>
+            <a:srgbClr val="FF0066"/>
+          </a:solidFill>
+          <a:ln>
+            <a:noFill/>
+          </a:ln>
         </p:spPr>
         <p:style>
           <a:lnRef idx="2">
@@ -8754,15 +10870,15 @@
           </a:fontRef>
         </p:style>
         <p:txBody>
-          <a:bodyPr rtlCol="0" anchor="ctr"/>
-          <a:lstStyle/>
-          <a:p>
-            <a:pPr algn="ctr"/>
-            <a:r>
-              <a:rPr kumimoji="1" lang="en-US" altLang="ja-JP" dirty="0" smtClean="0"/>
+          <a:bodyPr lIns="91429" tIns="45715" rIns="91429" bIns="45715" rtlCol="0" anchor="ctr"/>
+          <a:lstStyle/>
+          <a:p>
+            <a:pPr algn="ctr" defTabSz="914295"/>
+            <a:r>
+              <a:rPr lang="en-US" altLang="ja-JP" dirty="0"/>
               <a:t>B</a:t>
             </a:r>
-            <a:endParaRPr kumimoji="1" lang="ja-JP" altLang="en-US" dirty="0"/>
+            <a:endParaRPr lang="ja-JP" altLang="en-US" dirty="0"/>
           </a:p>
         </p:txBody>
       </p:sp>
@@ -8774,12 +10890,18 @@
         </p:nvSpPr>
         <p:spPr>
           <a:xfrm>
-            <a:off x="3499323" y="4741592"/>
+            <a:off x="3499323" y="4841310"/>
             <a:ext cx="540000" cy="540000"/>
           </a:xfrm>
           <a:prstGeom prst="ellipse">
             <a:avLst/>
           </a:prstGeom>
+          <a:solidFill>
+            <a:srgbClr val="FF0066"/>
+          </a:solidFill>
+          <a:ln>
+            <a:noFill/>
+          </a:ln>
         </p:spPr>
         <p:style>
           <a:lnRef idx="2">
@@ -8798,15 +10920,15 @@
           </a:fontRef>
         </p:style>
         <p:txBody>
-          <a:bodyPr rtlCol="0" anchor="ctr"/>
-          <a:lstStyle/>
-          <a:p>
-            <a:pPr algn="ctr"/>
-            <a:r>
-              <a:rPr kumimoji="1" lang="en-US" altLang="ja-JP" dirty="0" smtClean="0"/>
+          <a:bodyPr lIns="91429" tIns="45715" rIns="91429" bIns="45715" rtlCol="0" anchor="ctr"/>
+          <a:lstStyle/>
+          <a:p>
+            <a:pPr algn="ctr" defTabSz="914295"/>
+            <a:r>
+              <a:rPr lang="en-US" altLang="ja-JP" dirty="0"/>
               <a:t>C</a:t>
             </a:r>
-            <a:endParaRPr kumimoji="1" lang="ja-JP" altLang="en-US" dirty="0"/>
+            <a:endParaRPr lang="ja-JP" altLang="en-US" dirty="0"/>
           </a:p>
         </p:txBody>
       </p:sp>
@@ -8821,17 +10943,17 @@
         </p:nvCxnSpPr>
         <p:spPr>
           <a:xfrm flipH="1">
-            <a:off x="3067155" y="5011592"/>
+            <a:off x="3067155" y="5111310"/>
             <a:ext cx="432168" cy="0"/>
           </a:xfrm>
           <a:prstGeom prst="straightConnector1">
             <a:avLst/>
           </a:prstGeom>
-          <a:ln w="19050">
+          <a:ln w="31750">
             <a:solidFill>
               <a:schemeClr val="tx1"/>
             </a:solidFill>
-            <a:prstDash val="sysDash"/>
+            <a:prstDash val="sysDot"/>
             <a:tailEnd type="triangle" w="lg" len="med"/>
           </a:ln>
         </p:spPr>
@@ -8858,12 +10980,18 @@
         </p:nvSpPr>
         <p:spPr>
           <a:xfrm>
-            <a:off x="4453429" y="4741592"/>
+            <a:off x="4453429" y="4841310"/>
             <a:ext cx="540000" cy="540000"/>
           </a:xfrm>
           <a:prstGeom prst="ellipse">
             <a:avLst/>
           </a:prstGeom>
+          <a:solidFill>
+            <a:srgbClr val="FF0066"/>
+          </a:solidFill>
+          <a:ln>
+            <a:noFill/>
+          </a:ln>
         </p:spPr>
         <p:style>
           <a:lnRef idx="2">
@@ -8882,15 +11010,15 @@
           </a:fontRef>
         </p:style>
         <p:txBody>
-          <a:bodyPr rtlCol="0" anchor="ctr"/>
-          <a:lstStyle/>
-          <a:p>
-            <a:pPr algn="ctr"/>
-            <a:r>
-              <a:rPr kumimoji="1" lang="en-US" altLang="ja-JP" dirty="0" smtClean="0"/>
+          <a:bodyPr lIns="91429" tIns="45715" rIns="91429" bIns="45715" rtlCol="0" anchor="ctr"/>
+          <a:lstStyle/>
+          <a:p>
+            <a:pPr algn="ctr" defTabSz="914295"/>
+            <a:r>
+              <a:rPr lang="en-US" altLang="ja-JP" dirty="0"/>
               <a:t>D</a:t>
             </a:r>
-            <a:endParaRPr kumimoji="1" lang="ja-JP" altLang="en-US" dirty="0"/>
+            <a:endParaRPr lang="ja-JP" altLang="en-US" dirty="0"/>
           </a:p>
         </p:txBody>
       </p:sp>
@@ -8905,17 +11033,17 @@
         </p:nvCxnSpPr>
         <p:spPr>
           <a:xfrm flipH="1">
-            <a:off x="4039323" y="5011592"/>
+            <a:off x="4039323" y="5111310"/>
             <a:ext cx="414106" cy="0"/>
           </a:xfrm>
           <a:prstGeom prst="straightConnector1">
             <a:avLst/>
           </a:prstGeom>
-          <a:ln w="19050">
+          <a:ln w="31750">
             <a:solidFill>
               <a:schemeClr val="tx1"/>
             </a:solidFill>
-            <a:prstDash val="sysDash"/>
+            <a:prstDash val="sysDot"/>
             <a:tailEnd type="triangle" w="lg" len="med"/>
           </a:ln>
         </p:spPr>
@@ -8934,59 +11062,6 @@
           </a:fontRef>
         </p:style>
       </p:cxnSp>
-      <p:sp>
-        <p:nvSpPr>
-          <p:cNvPr id="37" name="テキスト ボックス 36"/>
-          <p:cNvSpPr txBox="1"/>
-          <p:nvPr/>
-        </p:nvSpPr>
-        <p:spPr>
-          <a:xfrm>
-            <a:off x="267552" y="201414"/>
-            <a:ext cx="8624928" cy="923330"/>
-          </a:xfrm>
-          <a:prstGeom prst="rect">
-            <a:avLst/>
-          </a:prstGeom>
-          <a:noFill/>
-        </p:spPr>
-        <p:txBody>
-          <a:bodyPr wrap="square" rtlCol="0">
-            <a:spAutoFit/>
-          </a:bodyPr>
-          <a:lstStyle/>
-          <a:p>
-            <a:r>
-              <a:rPr lang="ja-JP" altLang="en-US" dirty="0" smtClean="0"/>
-              <a:t>「</a:t>
-            </a:r>
-            <a:r>
-              <a:rPr lang="en-US" altLang="ja-JP" dirty="0" err="1" smtClean="0"/>
-              <a:t>git</a:t>
-            </a:r>
-            <a:r>
-              <a:rPr lang="en-US" altLang="ja-JP" dirty="0" smtClean="0"/>
-              <a:t> push</a:t>
-            </a:r>
-            <a:r>
-              <a:rPr lang="ja-JP" altLang="en-US" dirty="0" smtClean="0"/>
-              <a:t>」を実行した。</a:t>
-            </a:r>
-            <a:endParaRPr lang="en-US" altLang="ja-JP" dirty="0" smtClean="0"/>
-          </a:p>
-          <a:p>
-            <a:r>
-              <a:rPr lang="ja-JP" altLang="en-US" dirty="0"/>
-              <a:t>ローカルレポジトリ</a:t>
-            </a:r>
-            <a:r>
-              <a:rPr lang="ja-JP" altLang="en-US" dirty="0" smtClean="0"/>
-              <a:t>で作られたコミットが全てリモートレポジトリに送られ、各参照も更新され、両レポジトリが同期した。</a:t>
-            </a:r>
-            <a:endParaRPr lang="en-US" altLang="ja-JP" dirty="0" smtClean="0"/>
-          </a:p>
-        </p:txBody>
-      </p:sp>
       <p:cxnSp>
         <p:nvCxnSpPr>
           <p:cNvPr id="26" name="直線矢印コネクタ 25"/>
@@ -8997,17 +11072,17 @@
         </p:nvCxnSpPr>
         <p:spPr>
           <a:xfrm flipH="1">
-            <a:off x="6015862" y="4448499"/>
+            <a:off x="6015862" y="4548217"/>
             <a:ext cx="428406" cy="273420"/>
           </a:xfrm>
           <a:prstGeom prst="straightConnector1">
             <a:avLst/>
           </a:prstGeom>
-          <a:ln w="19050">
+          <a:ln w="31750">
             <a:solidFill>
               <a:schemeClr val="tx1"/>
             </a:solidFill>
-            <a:prstDash val="sysDash"/>
+            <a:prstDash val="sysDot"/>
             <a:tailEnd type="triangle" w="lg" len="med"/>
           </a:ln>
         </p:spPr>
@@ -9034,13 +11109,14 @@
         </p:nvSpPr>
         <p:spPr>
           <a:xfrm>
-            <a:off x="6444268" y="4304483"/>
+            <a:off x="6444268" y="4404201"/>
             <a:ext cx="936044" cy="288032"/>
           </a:xfrm>
           <a:prstGeom prst="rect">
             <a:avLst/>
           </a:prstGeom>
           <a:ln>
+            <a:noFill/>
             <a:prstDash val="sysDash"/>
           </a:ln>
         </p:spPr>
@@ -9061,15 +11137,15 @@
           </a:fontRef>
         </p:style>
         <p:txBody>
-          <a:bodyPr rtlCol="0" anchor="ctr"/>
-          <a:lstStyle/>
-          <a:p>
-            <a:pPr algn="ctr"/>
-            <a:r>
-              <a:rPr kumimoji="1" lang="en-US" altLang="ja-JP" dirty="0" smtClean="0"/>
+          <a:bodyPr lIns="91429" tIns="45715" rIns="91429" bIns="45715" rtlCol="0" anchor="ctr"/>
+          <a:lstStyle/>
+          <a:p>
+            <a:pPr algn="ctr" defTabSz="914295"/>
+            <a:r>
+              <a:rPr lang="en-US" altLang="ja-JP" dirty="0"/>
               <a:t>master</a:t>
             </a:r>
-            <a:endParaRPr kumimoji="1" lang="ja-JP" altLang="en-US" dirty="0"/>
+            <a:endParaRPr lang="ja-JP" altLang="en-US" dirty="0"/>
           </a:p>
         </p:txBody>
       </p:sp>
@@ -9083,17 +11159,17 @@
         </p:nvCxnSpPr>
         <p:spPr>
           <a:xfrm flipH="1" flipV="1">
-            <a:off x="6059302" y="5303847"/>
+            <a:off x="6059302" y="5403565"/>
             <a:ext cx="370799" cy="244341"/>
           </a:xfrm>
           <a:prstGeom prst="straightConnector1">
             <a:avLst/>
           </a:prstGeom>
-          <a:ln w="19050">
+          <a:ln w="31750">
             <a:solidFill>
               <a:schemeClr val="tx1"/>
             </a:solidFill>
-            <a:prstDash val="sysDash"/>
+            <a:prstDash val="sysDot"/>
             <a:tailEnd type="triangle" w="lg" len="med"/>
           </a:ln>
         </p:spPr>
@@ -9120,13 +11196,14 @@
         </p:nvSpPr>
         <p:spPr>
           <a:xfrm>
-            <a:off x="6430101" y="5404172"/>
+            <a:off x="6430101" y="5503890"/>
             <a:ext cx="1470393" cy="288032"/>
           </a:xfrm>
           <a:prstGeom prst="rect">
             <a:avLst/>
           </a:prstGeom>
           <a:ln>
+            <a:noFill/>
             <a:prstDash val="sysDash"/>
           </a:ln>
         </p:spPr>
@@ -9147,15 +11224,15 @@
           </a:fontRef>
         </p:style>
         <p:txBody>
-          <a:bodyPr rtlCol="0" anchor="ctr"/>
-          <a:lstStyle/>
-          <a:p>
-            <a:pPr algn="ctr"/>
-            <a:r>
-              <a:rPr lang="en-US" altLang="ja-JP" dirty="0" smtClean="0"/>
+          <a:bodyPr lIns="91429" tIns="45715" rIns="91429" bIns="45715" rtlCol="0" anchor="ctr"/>
+          <a:lstStyle/>
+          <a:p>
+            <a:pPr algn="ctr" defTabSz="914295"/>
+            <a:r>
+              <a:rPr lang="en-US" altLang="ja-JP" dirty="0"/>
               <a:t>origin/master</a:t>
             </a:r>
-            <a:endParaRPr kumimoji="1" lang="ja-JP" altLang="en-US" dirty="0"/>
+            <a:endParaRPr lang="ja-JP" altLang="en-US" dirty="0"/>
           </a:p>
         </p:txBody>
       </p:sp>
@@ -9167,31 +11244,30 @@
         </p:nvSpPr>
         <p:spPr>
           <a:xfrm>
-            <a:off x="395536" y="1453305"/>
+            <a:off x="395536" y="1633363"/>
             <a:ext cx="8352928" cy="2515717"/>
           </a:xfrm>
           <a:prstGeom prst="rect">
             <a:avLst/>
           </a:prstGeom>
-          <a:noFill/>
+          <a:solidFill>
+            <a:srgbClr val="F7A021"/>
+          </a:solidFill>
           <a:ln>
-            <a:solidFill>
-              <a:schemeClr val="tx1"/>
-            </a:solidFill>
-            <a:prstDash val="sysDash"/>
+            <a:noFill/>
           </a:ln>
         </p:spPr>
         <p:style>
           <a:lnRef idx="2">
-            <a:schemeClr val="accent1">
+            <a:schemeClr val="accent5">
               <a:shade val="50000"/>
             </a:schemeClr>
           </a:lnRef>
           <a:fillRef idx="1">
-            <a:schemeClr val="accent1"/>
-          </a:fillRef>
-          <a:effectRef idx="0">
-            <a:schemeClr val="accent1"/>
+            <a:schemeClr val="accent5"/>
+          </a:fillRef>
+          <a:effectRef idx="0">
+            <a:schemeClr val="accent5"/>
           </a:effectRef>
           <a:fontRef idx="minor">
             <a:schemeClr val="lt1"/>
@@ -9202,75 +11278,21 @@
           <a:lstStyle/>
           <a:p>
             <a:r>
-              <a:rPr lang="ja-JP" altLang="en-US" sz="1600" dirty="0" smtClean="0">
+              <a:rPr lang="ja-JP" altLang="en-US" b="1" dirty="0">
                 <a:solidFill>
-                  <a:schemeClr val="tx1"/>
+                  <a:schemeClr val="bg1"/>
                 </a:solidFill>
+                <a:latin typeface="ＭＳ ゴシック" panose="020B0609070205080204" pitchFamily="49" charset="-128"/>
+                <a:ea typeface="ＭＳ ゴシック" panose="020B0609070205080204" pitchFamily="49" charset="-128"/>
               </a:rPr>
-              <a:t>リモートレポジトリ</a:t>
-            </a:r>
-            <a:endParaRPr kumimoji="1" lang="ja-JP" altLang="en-US" sz="1600" dirty="0">
+              <a:t>リモートリポジトリ</a:t>
+            </a:r>
+            <a:endParaRPr lang="ja-JP" altLang="en-US" b="1" dirty="0">
               <a:solidFill>
-                <a:schemeClr val="tx1"/>
+                <a:schemeClr val="bg1"/>
               </a:solidFill>
-            </a:endParaRPr>
-          </a:p>
-        </p:txBody>
-      </p:sp>
-      <p:sp>
-        <p:nvSpPr>
-          <p:cNvPr id="31" name="正方形/長方形 30"/>
-          <p:cNvSpPr/>
-          <p:nvPr/>
-        </p:nvSpPr>
-        <p:spPr>
-          <a:xfrm>
-            <a:off x="395536" y="4160467"/>
-            <a:ext cx="8352928" cy="2508893"/>
-          </a:xfrm>
-          <a:prstGeom prst="rect">
-            <a:avLst/>
-          </a:prstGeom>
-          <a:noFill/>
-          <a:ln>
-            <a:solidFill>
-              <a:schemeClr val="tx1"/>
-            </a:solidFill>
-            <a:prstDash val="sysDash"/>
-          </a:ln>
-        </p:spPr>
-        <p:style>
-          <a:lnRef idx="2">
-            <a:schemeClr val="accent1">
-              <a:shade val="50000"/>
-            </a:schemeClr>
-          </a:lnRef>
-          <a:fillRef idx="1">
-            <a:schemeClr val="accent1"/>
-          </a:fillRef>
-          <a:effectRef idx="0">
-            <a:schemeClr val="accent1"/>
-          </a:effectRef>
-          <a:fontRef idx="minor">
-            <a:schemeClr val="lt1"/>
-          </a:fontRef>
-        </p:style>
-        <p:txBody>
-          <a:bodyPr rtlCol="0" anchor="t" anchorCtr="0"/>
-          <a:lstStyle/>
-          <a:p>
-            <a:r>
-              <a:rPr lang="ja-JP" altLang="en-US" sz="1600" dirty="0" smtClean="0">
-                <a:solidFill>
-                  <a:schemeClr val="tx1"/>
-                </a:solidFill>
-              </a:rPr>
-              <a:t>ローカルレポジトリ</a:t>
-            </a:r>
-            <a:endParaRPr kumimoji="1" lang="ja-JP" altLang="en-US" sz="1600" dirty="0">
-              <a:solidFill>
-                <a:schemeClr val="tx1"/>
-              </a:solidFill>
+              <a:latin typeface="ＭＳ ゴシック" panose="020B0609070205080204" pitchFamily="49" charset="-128"/>
+              <a:ea typeface="ＭＳ ゴシック" panose="020B0609070205080204" pitchFamily="49" charset="-128"/>
             </a:endParaRPr>
           </a:p>
         </p:txBody>
@@ -9283,12 +11305,18 @@
         </p:nvSpPr>
         <p:spPr>
           <a:xfrm>
-            <a:off x="4138411" y="5608374"/>
+            <a:off x="4138411" y="5708092"/>
             <a:ext cx="540000" cy="540000"/>
           </a:xfrm>
           <a:prstGeom prst="ellipse">
             <a:avLst/>
           </a:prstGeom>
+          <a:solidFill>
+            <a:srgbClr val="FF0066"/>
+          </a:solidFill>
+          <a:ln>
+            <a:noFill/>
+          </a:ln>
         </p:spPr>
         <p:style>
           <a:lnRef idx="2">
@@ -9307,15 +11335,15 @@
           </a:fontRef>
         </p:style>
         <p:txBody>
-          <a:bodyPr rtlCol="0" anchor="ctr"/>
-          <a:lstStyle/>
-          <a:p>
-            <a:pPr algn="ctr"/>
-            <a:r>
-              <a:rPr kumimoji="1" lang="en-US" altLang="ja-JP" dirty="0" smtClean="0"/>
+          <a:bodyPr lIns="91429" tIns="45715" rIns="91429" bIns="45715" rtlCol="0" anchor="ctr"/>
+          <a:lstStyle/>
+          <a:p>
+            <a:pPr algn="ctr" defTabSz="914295"/>
+            <a:r>
+              <a:rPr lang="en-US" altLang="ja-JP" dirty="0"/>
               <a:t>X</a:t>
             </a:r>
-            <a:endParaRPr kumimoji="1" lang="ja-JP" altLang="en-US" dirty="0"/>
+            <a:endParaRPr lang="ja-JP" altLang="en-US" dirty="0"/>
           </a:p>
         </p:txBody>
       </p:sp>
@@ -9329,17 +11357,17 @@
         </p:nvCxnSpPr>
         <p:spPr>
           <a:xfrm flipH="1" flipV="1">
-            <a:off x="3771268" y="5287636"/>
+            <a:off x="3771268" y="5387354"/>
             <a:ext cx="446224" cy="399819"/>
           </a:xfrm>
           <a:prstGeom prst="straightConnector1">
             <a:avLst/>
           </a:prstGeom>
-          <a:ln w="19050">
+          <a:ln w="31750">
             <a:solidFill>
               <a:schemeClr val="tx1"/>
             </a:solidFill>
-            <a:prstDash val="sysDash"/>
+            <a:prstDash val="sysDot"/>
             <a:tailEnd type="triangle" w="lg" len="med"/>
           </a:ln>
         </p:spPr>
@@ -9366,12 +11394,18 @@
         </p:nvSpPr>
         <p:spPr>
           <a:xfrm>
-            <a:off x="5090652" y="5608374"/>
+            <a:off x="5090652" y="5708092"/>
             <a:ext cx="540000" cy="540000"/>
           </a:xfrm>
           <a:prstGeom prst="ellipse">
             <a:avLst/>
           </a:prstGeom>
+          <a:solidFill>
+            <a:srgbClr val="FF0066"/>
+          </a:solidFill>
+          <a:ln>
+            <a:noFill/>
+          </a:ln>
         </p:spPr>
         <p:style>
           <a:lnRef idx="2">
@@ -9390,15 +11424,15 @@
           </a:fontRef>
         </p:style>
         <p:txBody>
-          <a:bodyPr rtlCol="0" anchor="ctr"/>
-          <a:lstStyle/>
-          <a:p>
-            <a:pPr algn="ctr"/>
-            <a:r>
-              <a:rPr kumimoji="1" lang="en-US" altLang="ja-JP" dirty="0" smtClean="0"/>
+          <a:bodyPr lIns="91429" tIns="45715" rIns="91429" bIns="45715" rtlCol="0" anchor="ctr"/>
+          <a:lstStyle/>
+          <a:p>
+            <a:pPr algn="ctr" defTabSz="914295"/>
+            <a:r>
+              <a:rPr lang="en-US" altLang="ja-JP" dirty="0"/>
               <a:t>Y</a:t>
             </a:r>
-            <a:endParaRPr kumimoji="1" lang="ja-JP" altLang="en-US" dirty="0"/>
+            <a:endParaRPr lang="ja-JP" altLang="en-US" dirty="0"/>
           </a:p>
         </p:txBody>
       </p:sp>
@@ -9412,17 +11446,17 @@
         </p:nvCxnSpPr>
         <p:spPr>
           <a:xfrm flipH="1">
-            <a:off x="4676546" y="5878374"/>
+            <a:off x="4676546" y="5978092"/>
             <a:ext cx="414106" cy="0"/>
           </a:xfrm>
           <a:prstGeom prst="straightConnector1">
             <a:avLst/>
           </a:prstGeom>
-          <a:ln w="19050">
+          <a:ln w="31750">
             <a:solidFill>
               <a:schemeClr val="tx1"/>
             </a:solidFill>
-            <a:prstDash val="sysDash"/>
+            <a:prstDash val="sysDot"/>
             <a:tailEnd type="triangle" w="lg" len="med"/>
           </a:ln>
         </p:spPr>
@@ -9449,12 +11483,18 @@
         </p:nvSpPr>
         <p:spPr>
           <a:xfrm>
-            <a:off x="5731451" y="4741592"/>
+            <a:off x="5731451" y="4841310"/>
             <a:ext cx="540000" cy="540000"/>
           </a:xfrm>
           <a:prstGeom prst="ellipse">
             <a:avLst/>
           </a:prstGeom>
+          <a:solidFill>
+            <a:srgbClr val="FF0066"/>
+          </a:solidFill>
+          <a:ln>
+            <a:noFill/>
+          </a:ln>
         </p:spPr>
         <p:style>
           <a:lnRef idx="2">
@@ -9473,15 +11513,15 @@
           </a:fontRef>
         </p:style>
         <p:txBody>
-          <a:bodyPr rtlCol="0" anchor="ctr"/>
-          <a:lstStyle/>
-          <a:p>
-            <a:pPr algn="ctr"/>
-            <a:r>
-              <a:rPr kumimoji="1" lang="en-US" altLang="ja-JP" dirty="0" smtClean="0"/>
+          <a:bodyPr lIns="91429" tIns="45715" rIns="91429" bIns="45715" rtlCol="0" anchor="ctr"/>
+          <a:lstStyle/>
+          <a:p>
+            <a:pPr algn="ctr" defTabSz="914295"/>
+            <a:r>
+              <a:rPr lang="en-US" altLang="ja-JP" dirty="0"/>
               <a:t>E</a:t>
             </a:r>
-            <a:endParaRPr kumimoji="1" lang="ja-JP" altLang="en-US" dirty="0"/>
+            <a:endParaRPr lang="ja-JP" altLang="en-US" dirty="0"/>
           </a:p>
         </p:txBody>
       </p:sp>
@@ -9496,17 +11536,17 @@
         </p:nvCxnSpPr>
         <p:spPr>
           <a:xfrm flipH="1">
-            <a:off x="4993429" y="5011592"/>
+            <a:off x="4993429" y="5111310"/>
             <a:ext cx="738022" cy="0"/>
           </a:xfrm>
           <a:prstGeom prst="straightConnector1">
             <a:avLst/>
           </a:prstGeom>
-          <a:ln w="19050">
+          <a:ln w="31750">
             <a:solidFill>
               <a:schemeClr val="tx1"/>
             </a:solidFill>
-            <a:prstDash val="sysDash"/>
+            <a:prstDash val="sysDot"/>
             <a:tailEnd type="triangle" w="lg" len="med"/>
           </a:ln>
         </p:spPr>
@@ -9536,17 +11576,17 @@
         </p:nvCxnSpPr>
         <p:spPr>
           <a:xfrm flipH="1">
-            <a:off x="5551571" y="5281592"/>
+            <a:off x="5551571" y="5381310"/>
             <a:ext cx="449880" cy="405863"/>
           </a:xfrm>
           <a:prstGeom prst="straightConnector1">
             <a:avLst/>
           </a:prstGeom>
-          <a:ln w="19050">
+          <a:ln w="31750">
             <a:solidFill>
               <a:schemeClr val="tx1"/>
             </a:solidFill>
-            <a:prstDash val="sysDash"/>
+            <a:prstDash val="sysDot"/>
             <a:tailEnd type="triangle" w="lg" len="med"/>
           </a:ln>
         </p:spPr>
@@ -9573,12 +11613,18 @@
         </p:nvSpPr>
         <p:spPr>
           <a:xfrm>
-            <a:off x="1556932" y="2045569"/>
+            <a:off x="1556932" y="2225627"/>
             <a:ext cx="540000" cy="540000"/>
           </a:xfrm>
           <a:prstGeom prst="ellipse">
             <a:avLst/>
           </a:prstGeom>
+          <a:solidFill>
+            <a:srgbClr val="FF0066"/>
+          </a:solidFill>
+          <a:ln>
+            <a:noFill/>
+          </a:ln>
         </p:spPr>
         <p:style>
           <a:lnRef idx="2">
@@ -9597,15 +11643,15 @@
           </a:fontRef>
         </p:style>
         <p:txBody>
-          <a:bodyPr rtlCol="0" anchor="ctr"/>
-          <a:lstStyle/>
-          <a:p>
-            <a:pPr algn="ctr"/>
-            <a:r>
-              <a:rPr kumimoji="1" lang="en-US" altLang="ja-JP" dirty="0" smtClean="0"/>
+          <a:bodyPr lIns="91429" tIns="45715" rIns="91429" bIns="45715" rtlCol="0" anchor="ctr"/>
+          <a:lstStyle/>
+          <a:p>
+            <a:pPr algn="ctr" defTabSz="914295"/>
+            <a:r>
+              <a:rPr lang="en-US" altLang="ja-JP" dirty="0"/>
               <a:t>A</a:t>
             </a:r>
-            <a:endParaRPr kumimoji="1" lang="ja-JP" altLang="en-US" dirty="0"/>
+            <a:endParaRPr lang="ja-JP" altLang="en-US" dirty="0"/>
           </a:p>
         </p:txBody>
       </p:sp>
@@ -9620,17 +11666,17 @@
         </p:nvCxnSpPr>
         <p:spPr>
           <a:xfrm flipH="1">
-            <a:off x="2096932" y="2315569"/>
+            <a:off x="2096932" y="2495627"/>
             <a:ext cx="432168" cy="0"/>
           </a:xfrm>
           <a:prstGeom prst="straightConnector1">
             <a:avLst/>
           </a:prstGeom>
-          <a:ln w="19050">
+          <a:ln w="31750">
             <a:solidFill>
               <a:schemeClr val="tx1"/>
             </a:solidFill>
-            <a:prstDash val="sysDash"/>
+            <a:prstDash val="sysDot"/>
             <a:tailEnd type="triangle" w="lg" len="med"/>
           </a:ln>
         </p:spPr>
@@ -9657,12 +11703,18 @@
         </p:nvSpPr>
         <p:spPr>
           <a:xfrm>
-            <a:off x="2529100" y="2045569"/>
+            <a:off x="2529100" y="2225627"/>
             <a:ext cx="540000" cy="540000"/>
           </a:xfrm>
           <a:prstGeom prst="ellipse">
             <a:avLst/>
           </a:prstGeom>
+          <a:solidFill>
+            <a:srgbClr val="FF0066"/>
+          </a:solidFill>
+          <a:ln>
+            <a:noFill/>
+          </a:ln>
         </p:spPr>
         <p:style>
           <a:lnRef idx="2">
@@ -9681,15 +11733,15 @@
           </a:fontRef>
         </p:style>
         <p:txBody>
-          <a:bodyPr rtlCol="0" anchor="ctr"/>
-          <a:lstStyle/>
-          <a:p>
-            <a:pPr algn="ctr"/>
-            <a:r>
-              <a:rPr kumimoji="1" lang="en-US" altLang="ja-JP" dirty="0" smtClean="0"/>
+          <a:bodyPr lIns="91429" tIns="45715" rIns="91429" bIns="45715" rtlCol="0" anchor="ctr"/>
+          <a:lstStyle/>
+          <a:p>
+            <a:pPr algn="ctr" defTabSz="914295"/>
+            <a:r>
+              <a:rPr lang="en-US" altLang="ja-JP" dirty="0"/>
               <a:t>B</a:t>
             </a:r>
-            <a:endParaRPr kumimoji="1" lang="ja-JP" altLang="en-US" dirty="0"/>
+            <a:endParaRPr lang="ja-JP" altLang="en-US" dirty="0"/>
           </a:p>
         </p:txBody>
       </p:sp>
@@ -9701,12 +11753,18 @@
         </p:nvSpPr>
         <p:spPr>
           <a:xfrm>
-            <a:off x="3501268" y="2045569"/>
+            <a:off x="3501268" y="2225627"/>
             <a:ext cx="540000" cy="540000"/>
           </a:xfrm>
           <a:prstGeom prst="ellipse">
             <a:avLst/>
           </a:prstGeom>
+          <a:solidFill>
+            <a:srgbClr val="FF0066"/>
+          </a:solidFill>
+          <a:ln>
+            <a:noFill/>
+          </a:ln>
         </p:spPr>
         <p:style>
           <a:lnRef idx="2">
@@ -9725,15 +11783,15 @@
           </a:fontRef>
         </p:style>
         <p:txBody>
-          <a:bodyPr rtlCol="0" anchor="ctr"/>
-          <a:lstStyle/>
-          <a:p>
-            <a:pPr algn="ctr"/>
-            <a:r>
-              <a:rPr kumimoji="1" lang="en-US" altLang="ja-JP" dirty="0" smtClean="0"/>
+          <a:bodyPr lIns="91429" tIns="45715" rIns="91429" bIns="45715" rtlCol="0" anchor="ctr"/>
+          <a:lstStyle/>
+          <a:p>
+            <a:pPr algn="ctr" defTabSz="914295"/>
+            <a:r>
+              <a:rPr lang="en-US" altLang="ja-JP" dirty="0"/>
               <a:t>C</a:t>
             </a:r>
-            <a:endParaRPr kumimoji="1" lang="ja-JP" altLang="en-US" dirty="0"/>
+            <a:endParaRPr lang="ja-JP" altLang="en-US" dirty="0"/>
           </a:p>
         </p:txBody>
       </p:sp>
@@ -9748,17 +11806,17 @@
         </p:nvCxnSpPr>
         <p:spPr>
           <a:xfrm flipH="1">
-            <a:off x="3069100" y="2315569"/>
+            <a:off x="3069100" y="2495627"/>
             <a:ext cx="432168" cy="0"/>
           </a:xfrm>
           <a:prstGeom prst="straightConnector1">
             <a:avLst/>
           </a:prstGeom>
-          <a:ln w="19050">
+          <a:ln w="31750">
             <a:solidFill>
               <a:schemeClr val="tx1"/>
             </a:solidFill>
-            <a:prstDash val="sysDash"/>
+            <a:prstDash val="sysDot"/>
             <a:tailEnd type="triangle" w="lg" len="med"/>
           </a:ln>
         </p:spPr>
@@ -9785,12 +11843,18 @@
         </p:nvSpPr>
         <p:spPr>
           <a:xfrm>
-            <a:off x="4455374" y="2045569"/>
+            <a:off x="4455374" y="2225627"/>
             <a:ext cx="540000" cy="540000"/>
           </a:xfrm>
           <a:prstGeom prst="ellipse">
             <a:avLst/>
           </a:prstGeom>
+          <a:solidFill>
+            <a:srgbClr val="FF0066"/>
+          </a:solidFill>
+          <a:ln>
+            <a:noFill/>
+          </a:ln>
         </p:spPr>
         <p:style>
           <a:lnRef idx="2">
@@ -9809,15 +11873,15 @@
           </a:fontRef>
         </p:style>
         <p:txBody>
-          <a:bodyPr rtlCol="0" anchor="ctr"/>
-          <a:lstStyle/>
-          <a:p>
-            <a:pPr algn="ctr"/>
-            <a:r>
-              <a:rPr kumimoji="1" lang="en-US" altLang="ja-JP" dirty="0" smtClean="0"/>
+          <a:bodyPr lIns="91429" tIns="45715" rIns="91429" bIns="45715" rtlCol="0" anchor="ctr"/>
+          <a:lstStyle/>
+          <a:p>
+            <a:pPr algn="ctr" defTabSz="914295"/>
+            <a:r>
+              <a:rPr lang="en-US" altLang="ja-JP" dirty="0"/>
               <a:t>D</a:t>
             </a:r>
-            <a:endParaRPr kumimoji="1" lang="ja-JP" altLang="en-US" dirty="0"/>
+            <a:endParaRPr lang="ja-JP" altLang="en-US" dirty="0"/>
           </a:p>
         </p:txBody>
       </p:sp>
@@ -9832,17 +11896,17 @@
         </p:nvCxnSpPr>
         <p:spPr>
           <a:xfrm flipH="1">
-            <a:off x="4041268" y="2315569"/>
+            <a:off x="4041268" y="2495627"/>
             <a:ext cx="414106" cy="0"/>
           </a:xfrm>
           <a:prstGeom prst="straightConnector1">
             <a:avLst/>
           </a:prstGeom>
-          <a:ln w="19050">
+          <a:ln w="31750">
             <a:solidFill>
               <a:schemeClr val="tx1"/>
             </a:solidFill>
-            <a:prstDash val="sysDash"/>
+            <a:prstDash val="sysDot"/>
             <a:tailEnd type="triangle" w="lg" len="med"/>
           </a:ln>
         </p:spPr>
@@ -9871,17 +11935,17 @@
         </p:nvCxnSpPr>
         <p:spPr>
           <a:xfrm flipH="1">
-            <a:off x="6017807" y="1752476"/>
+            <a:off x="6017807" y="1932534"/>
             <a:ext cx="428406" cy="273420"/>
           </a:xfrm>
           <a:prstGeom prst="straightConnector1">
             <a:avLst/>
           </a:prstGeom>
-          <a:ln w="19050">
+          <a:ln w="31750">
             <a:solidFill>
               <a:schemeClr val="tx1"/>
             </a:solidFill>
-            <a:prstDash val="sysDash"/>
+            <a:prstDash val="sysDot"/>
             <a:tailEnd type="triangle" w="lg" len="med"/>
           </a:ln>
         </p:spPr>
@@ -9908,13 +11972,14 @@
         </p:nvSpPr>
         <p:spPr>
           <a:xfrm>
-            <a:off x="6446213" y="1608460"/>
+            <a:off x="6446213" y="1788518"/>
             <a:ext cx="936044" cy="288032"/>
           </a:xfrm>
           <a:prstGeom prst="rect">
             <a:avLst/>
           </a:prstGeom>
           <a:ln>
+            <a:noFill/>
             <a:prstDash val="sysDash"/>
           </a:ln>
         </p:spPr>
@@ -9935,15 +12000,15 @@
           </a:fontRef>
         </p:style>
         <p:txBody>
-          <a:bodyPr rtlCol="0" anchor="ctr"/>
-          <a:lstStyle/>
-          <a:p>
-            <a:pPr algn="ctr"/>
-            <a:r>
-              <a:rPr kumimoji="1" lang="en-US" altLang="ja-JP" dirty="0" smtClean="0"/>
+          <a:bodyPr lIns="91429" tIns="45715" rIns="91429" bIns="45715" rtlCol="0" anchor="ctr"/>
+          <a:lstStyle/>
+          <a:p>
+            <a:pPr algn="ctr" defTabSz="914295"/>
+            <a:r>
+              <a:rPr lang="en-US" altLang="ja-JP" dirty="0"/>
               <a:t>master</a:t>
             </a:r>
-            <a:endParaRPr kumimoji="1" lang="ja-JP" altLang="en-US" dirty="0"/>
+            <a:endParaRPr lang="ja-JP" altLang="en-US" dirty="0"/>
           </a:p>
         </p:txBody>
       </p:sp>
@@ -9955,12 +12020,18 @@
         </p:nvSpPr>
         <p:spPr>
           <a:xfrm>
-            <a:off x="4140356" y="2912351"/>
+            <a:off x="4140356" y="3092409"/>
             <a:ext cx="540000" cy="540000"/>
           </a:xfrm>
           <a:prstGeom prst="ellipse">
             <a:avLst/>
           </a:prstGeom>
+          <a:solidFill>
+            <a:srgbClr val="FF0066"/>
+          </a:solidFill>
+          <a:ln>
+            <a:noFill/>
+          </a:ln>
         </p:spPr>
         <p:style>
           <a:lnRef idx="2">
@@ -9979,15 +12050,15 @@
           </a:fontRef>
         </p:style>
         <p:txBody>
-          <a:bodyPr rtlCol="0" anchor="ctr"/>
-          <a:lstStyle/>
-          <a:p>
-            <a:pPr algn="ctr"/>
-            <a:r>
-              <a:rPr kumimoji="1" lang="en-US" altLang="ja-JP" dirty="0" smtClean="0"/>
+          <a:bodyPr lIns="91429" tIns="45715" rIns="91429" bIns="45715" rtlCol="0" anchor="ctr"/>
+          <a:lstStyle/>
+          <a:p>
+            <a:pPr algn="ctr" defTabSz="914295"/>
+            <a:r>
+              <a:rPr lang="en-US" altLang="ja-JP" dirty="0"/>
               <a:t>X</a:t>
             </a:r>
-            <a:endParaRPr kumimoji="1" lang="ja-JP" altLang="en-US" dirty="0"/>
+            <a:endParaRPr lang="ja-JP" altLang="en-US" dirty="0"/>
           </a:p>
         </p:txBody>
       </p:sp>
@@ -10001,17 +12072,17 @@
         </p:nvCxnSpPr>
         <p:spPr>
           <a:xfrm flipH="1" flipV="1">
-            <a:off x="3773213" y="2591613"/>
+            <a:off x="3773213" y="2771671"/>
             <a:ext cx="446224" cy="399819"/>
           </a:xfrm>
           <a:prstGeom prst="straightConnector1">
             <a:avLst/>
           </a:prstGeom>
-          <a:ln w="19050">
+          <a:ln w="31750">
             <a:solidFill>
               <a:schemeClr val="tx1"/>
             </a:solidFill>
-            <a:prstDash val="sysDash"/>
+            <a:prstDash val="sysDot"/>
             <a:tailEnd type="triangle" w="lg" len="med"/>
           </a:ln>
         </p:spPr>
@@ -10038,12 +12109,18 @@
         </p:nvSpPr>
         <p:spPr>
           <a:xfrm>
-            <a:off x="5092597" y="2912351"/>
+            <a:off x="5092597" y="3092409"/>
             <a:ext cx="540000" cy="540000"/>
           </a:xfrm>
           <a:prstGeom prst="ellipse">
             <a:avLst/>
           </a:prstGeom>
+          <a:solidFill>
+            <a:srgbClr val="FF0066"/>
+          </a:solidFill>
+          <a:ln>
+            <a:noFill/>
+          </a:ln>
         </p:spPr>
         <p:style>
           <a:lnRef idx="2">
@@ -10062,15 +12139,15 @@
           </a:fontRef>
         </p:style>
         <p:txBody>
-          <a:bodyPr rtlCol="0" anchor="ctr"/>
-          <a:lstStyle/>
-          <a:p>
-            <a:pPr algn="ctr"/>
-            <a:r>
-              <a:rPr kumimoji="1" lang="en-US" altLang="ja-JP" dirty="0" smtClean="0"/>
+          <a:bodyPr lIns="91429" tIns="45715" rIns="91429" bIns="45715" rtlCol="0" anchor="ctr"/>
+          <a:lstStyle/>
+          <a:p>
+            <a:pPr algn="ctr" defTabSz="914295"/>
+            <a:r>
+              <a:rPr lang="en-US" altLang="ja-JP" dirty="0"/>
               <a:t>Y</a:t>
             </a:r>
-            <a:endParaRPr kumimoji="1" lang="ja-JP" altLang="en-US" dirty="0"/>
+            <a:endParaRPr lang="ja-JP" altLang="en-US" dirty="0"/>
           </a:p>
         </p:txBody>
       </p:sp>
@@ -10084,17 +12161,17 @@
         </p:nvCxnSpPr>
         <p:spPr>
           <a:xfrm flipH="1">
-            <a:off x="4678491" y="3182351"/>
+            <a:off x="4678491" y="3362409"/>
             <a:ext cx="414106" cy="0"/>
           </a:xfrm>
           <a:prstGeom prst="straightConnector1">
             <a:avLst/>
           </a:prstGeom>
-          <a:ln w="19050">
+          <a:ln w="31750">
             <a:solidFill>
               <a:schemeClr val="tx1"/>
             </a:solidFill>
-            <a:prstDash val="sysDash"/>
+            <a:prstDash val="sysDot"/>
             <a:tailEnd type="triangle" w="lg" len="med"/>
           </a:ln>
         </p:spPr>
@@ -10121,12 +12198,18 @@
         </p:nvSpPr>
         <p:spPr>
           <a:xfrm>
-            <a:off x="5733396" y="2045569"/>
+            <a:off x="5733396" y="2225627"/>
             <a:ext cx="540000" cy="540000"/>
           </a:xfrm>
           <a:prstGeom prst="ellipse">
             <a:avLst/>
           </a:prstGeom>
+          <a:solidFill>
+            <a:srgbClr val="FF0066"/>
+          </a:solidFill>
+          <a:ln>
+            <a:noFill/>
+          </a:ln>
         </p:spPr>
         <p:style>
           <a:lnRef idx="2">
@@ -10145,15 +12228,15 @@
           </a:fontRef>
         </p:style>
         <p:txBody>
-          <a:bodyPr rtlCol="0" anchor="ctr"/>
-          <a:lstStyle/>
-          <a:p>
-            <a:pPr algn="ctr"/>
-            <a:r>
-              <a:rPr kumimoji="1" lang="en-US" altLang="ja-JP" dirty="0" smtClean="0"/>
+          <a:bodyPr lIns="91429" tIns="45715" rIns="91429" bIns="45715" rtlCol="0" anchor="ctr"/>
+          <a:lstStyle/>
+          <a:p>
+            <a:pPr algn="ctr" defTabSz="914295"/>
+            <a:r>
+              <a:rPr lang="en-US" altLang="ja-JP" dirty="0"/>
               <a:t>E</a:t>
             </a:r>
-            <a:endParaRPr kumimoji="1" lang="ja-JP" altLang="en-US" dirty="0"/>
+            <a:endParaRPr lang="ja-JP" altLang="en-US" dirty="0"/>
           </a:p>
         </p:txBody>
       </p:sp>
@@ -10168,17 +12251,17 @@
         </p:nvCxnSpPr>
         <p:spPr>
           <a:xfrm flipH="1">
-            <a:off x="4995374" y="2315569"/>
+            <a:off x="4995374" y="2495627"/>
             <a:ext cx="738022" cy="0"/>
           </a:xfrm>
           <a:prstGeom prst="straightConnector1">
             <a:avLst/>
           </a:prstGeom>
-          <a:ln w="19050">
+          <a:ln w="31750">
             <a:solidFill>
               <a:schemeClr val="tx1"/>
             </a:solidFill>
-            <a:prstDash val="sysDash"/>
+            <a:prstDash val="sysDot"/>
             <a:tailEnd type="triangle" w="lg" len="med"/>
           </a:ln>
         </p:spPr>
@@ -10208,17 +12291,17 @@
         </p:nvCxnSpPr>
         <p:spPr>
           <a:xfrm flipH="1">
-            <a:off x="5553516" y="2585569"/>
+            <a:off x="5553516" y="2765627"/>
             <a:ext cx="449880" cy="405863"/>
           </a:xfrm>
           <a:prstGeom prst="straightConnector1">
             <a:avLst/>
           </a:prstGeom>
-          <a:ln w="19050">
+          <a:ln w="31750">
             <a:solidFill>
               <a:schemeClr val="tx1"/>
             </a:solidFill>
-            <a:prstDash val="sysDash"/>
+            <a:prstDash val="sysDot"/>
             <a:tailEnd type="triangle" w="lg" len="med"/>
           </a:ln>
         </p:spPr>
@@ -10237,6 +12320,429 @@
           </a:fontRef>
         </p:style>
       </p:cxnSp>
+      <p:sp>
+        <p:nvSpPr>
+          <p:cNvPr id="39" name="角丸四角形吹き出し 70"/>
+          <p:cNvSpPr/>
+          <p:nvPr/>
+        </p:nvSpPr>
+        <p:spPr>
+          <a:xfrm>
+            <a:off x="203401" y="123901"/>
+            <a:ext cx="8737200" cy="1433282"/>
+          </a:xfrm>
+          <a:custGeom>
+            <a:avLst/>
+            <a:gdLst>
+              <a:gd name="connsiteX0" fmla="*/ 0 w 8541658"/>
+              <a:gd name="connsiteY0" fmla="*/ 214817 h 1288876"/>
+              <a:gd name="connsiteX1" fmla="*/ 214817 w 8541658"/>
+              <a:gd name="connsiteY1" fmla="*/ 0 h 1288876"/>
+              <a:gd name="connsiteX2" fmla="*/ 1423610 w 8541658"/>
+              <a:gd name="connsiteY2" fmla="*/ 0 h 1288876"/>
+              <a:gd name="connsiteX3" fmla="*/ 1423610 w 8541658"/>
+              <a:gd name="connsiteY3" fmla="*/ 0 h 1288876"/>
+              <a:gd name="connsiteX4" fmla="*/ 3559024 w 8541658"/>
+              <a:gd name="connsiteY4" fmla="*/ 0 h 1288876"/>
+              <a:gd name="connsiteX5" fmla="*/ 8326841 w 8541658"/>
+              <a:gd name="connsiteY5" fmla="*/ 0 h 1288876"/>
+              <a:gd name="connsiteX6" fmla="*/ 8541658 w 8541658"/>
+              <a:gd name="connsiteY6" fmla="*/ 214817 h 1288876"/>
+              <a:gd name="connsiteX7" fmla="*/ 8541658 w 8541658"/>
+              <a:gd name="connsiteY7" fmla="*/ 751844 h 1288876"/>
+              <a:gd name="connsiteX8" fmla="*/ 8541658 w 8541658"/>
+              <a:gd name="connsiteY8" fmla="*/ 751844 h 1288876"/>
+              <a:gd name="connsiteX9" fmla="*/ 8541658 w 8541658"/>
+              <a:gd name="connsiteY9" fmla="*/ 1074063 h 1288876"/>
+              <a:gd name="connsiteX10" fmla="*/ 8541658 w 8541658"/>
+              <a:gd name="connsiteY10" fmla="*/ 1074059 h 1288876"/>
+              <a:gd name="connsiteX11" fmla="*/ 8326841 w 8541658"/>
+              <a:gd name="connsiteY11" fmla="*/ 1288876 h 1288876"/>
+              <a:gd name="connsiteX12" fmla="*/ 3559024 w 8541658"/>
+              <a:gd name="connsiteY12" fmla="*/ 1288876 h 1288876"/>
+              <a:gd name="connsiteX13" fmla="*/ 2230227 w 8541658"/>
+              <a:gd name="connsiteY13" fmla="*/ 1471381 h 1288876"/>
+              <a:gd name="connsiteX14" fmla="*/ 1423610 w 8541658"/>
+              <a:gd name="connsiteY14" fmla="*/ 1288876 h 1288876"/>
+              <a:gd name="connsiteX15" fmla="*/ 214817 w 8541658"/>
+              <a:gd name="connsiteY15" fmla="*/ 1288876 h 1288876"/>
+              <a:gd name="connsiteX16" fmla="*/ 0 w 8541658"/>
+              <a:gd name="connsiteY16" fmla="*/ 1074059 h 1288876"/>
+              <a:gd name="connsiteX17" fmla="*/ 0 w 8541658"/>
+              <a:gd name="connsiteY17" fmla="*/ 1074063 h 1288876"/>
+              <a:gd name="connsiteX18" fmla="*/ 0 w 8541658"/>
+              <a:gd name="connsiteY18" fmla="*/ 751844 h 1288876"/>
+              <a:gd name="connsiteX19" fmla="*/ 0 w 8541658"/>
+              <a:gd name="connsiteY19" fmla="*/ 751844 h 1288876"/>
+              <a:gd name="connsiteX20" fmla="*/ 0 w 8541658"/>
+              <a:gd name="connsiteY20" fmla="*/ 214817 h 1288876"/>
+              <a:gd name="connsiteX0" fmla="*/ 0 w 8541658"/>
+              <a:gd name="connsiteY0" fmla="*/ 214817 h 1471381"/>
+              <a:gd name="connsiteX1" fmla="*/ 214817 w 8541658"/>
+              <a:gd name="connsiteY1" fmla="*/ 0 h 1471381"/>
+              <a:gd name="connsiteX2" fmla="*/ 1423610 w 8541658"/>
+              <a:gd name="connsiteY2" fmla="*/ 0 h 1471381"/>
+              <a:gd name="connsiteX3" fmla="*/ 1423610 w 8541658"/>
+              <a:gd name="connsiteY3" fmla="*/ 0 h 1471381"/>
+              <a:gd name="connsiteX4" fmla="*/ 3559024 w 8541658"/>
+              <a:gd name="connsiteY4" fmla="*/ 0 h 1471381"/>
+              <a:gd name="connsiteX5" fmla="*/ 8326841 w 8541658"/>
+              <a:gd name="connsiteY5" fmla="*/ 0 h 1471381"/>
+              <a:gd name="connsiteX6" fmla="*/ 8541658 w 8541658"/>
+              <a:gd name="connsiteY6" fmla="*/ 214817 h 1471381"/>
+              <a:gd name="connsiteX7" fmla="*/ 8541658 w 8541658"/>
+              <a:gd name="connsiteY7" fmla="*/ 751844 h 1471381"/>
+              <a:gd name="connsiteX8" fmla="*/ 8541658 w 8541658"/>
+              <a:gd name="connsiteY8" fmla="*/ 751844 h 1471381"/>
+              <a:gd name="connsiteX9" fmla="*/ 8541658 w 8541658"/>
+              <a:gd name="connsiteY9" fmla="*/ 1074063 h 1471381"/>
+              <a:gd name="connsiteX10" fmla="*/ 8541658 w 8541658"/>
+              <a:gd name="connsiteY10" fmla="*/ 1074059 h 1471381"/>
+              <a:gd name="connsiteX11" fmla="*/ 8326841 w 8541658"/>
+              <a:gd name="connsiteY11" fmla="*/ 1288876 h 1471381"/>
+              <a:gd name="connsiteX12" fmla="*/ 1852144 w 8541658"/>
+              <a:gd name="connsiteY12" fmla="*/ 1288876 h 1471381"/>
+              <a:gd name="connsiteX13" fmla="*/ 2230227 w 8541658"/>
+              <a:gd name="connsiteY13" fmla="*/ 1471381 h 1471381"/>
+              <a:gd name="connsiteX14" fmla="*/ 1423610 w 8541658"/>
+              <a:gd name="connsiteY14" fmla="*/ 1288876 h 1471381"/>
+              <a:gd name="connsiteX15" fmla="*/ 214817 w 8541658"/>
+              <a:gd name="connsiteY15" fmla="*/ 1288876 h 1471381"/>
+              <a:gd name="connsiteX16" fmla="*/ 0 w 8541658"/>
+              <a:gd name="connsiteY16" fmla="*/ 1074059 h 1471381"/>
+              <a:gd name="connsiteX17" fmla="*/ 0 w 8541658"/>
+              <a:gd name="connsiteY17" fmla="*/ 1074063 h 1471381"/>
+              <a:gd name="connsiteX18" fmla="*/ 0 w 8541658"/>
+              <a:gd name="connsiteY18" fmla="*/ 751844 h 1471381"/>
+              <a:gd name="connsiteX19" fmla="*/ 0 w 8541658"/>
+              <a:gd name="connsiteY19" fmla="*/ 751844 h 1471381"/>
+              <a:gd name="connsiteX20" fmla="*/ 0 w 8541658"/>
+              <a:gd name="connsiteY20" fmla="*/ 214817 h 1471381"/>
+              <a:gd name="connsiteX0" fmla="*/ 0 w 8541658"/>
+              <a:gd name="connsiteY0" fmla="*/ 214817 h 1433281"/>
+              <a:gd name="connsiteX1" fmla="*/ 214817 w 8541658"/>
+              <a:gd name="connsiteY1" fmla="*/ 0 h 1433281"/>
+              <a:gd name="connsiteX2" fmla="*/ 1423610 w 8541658"/>
+              <a:gd name="connsiteY2" fmla="*/ 0 h 1433281"/>
+              <a:gd name="connsiteX3" fmla="*/ 1423610 w 8541658"/>
+              <a:gd name="connsiteY3" fmla="*/ 0 h 1433281"/>
+              <a:gd name="connsiteX4" fmla="*/ 3559024 w 8541658"/>
+              <a:gd name="connsiteY4" fmla="*/ 0 h 1433281"/>
+              <a:gd name="connsiteX5" fmla="*/ 8326841 w 8541658"/>
+              <a:gd name="connsiteY5" fmla="*/ 0 h 1433281"/>
+              <a:gd name="connsiteX6" fmla="*/ 8541658 w 8541658"/>
+              <a:gd name="connsiteY6" fmla="*/ 214817 h 1433281"/>
+              <a:gd name="connsiteX7" fmla="*/ 8541658 w 8541658"/>
+              <a:gd name="connsiteY7" fmla="*/ 751844 h 1433281"/>
+              <a:gd name="connsiteX8" fmla="*/ 8541658 w 8541658"/>
+              <a:gd name="connsiteY8" fmla="*/ 751844 h 1433281"/>
+              <a:gd name="connsiteX9" fmla="*/ 8541658 w 8541658"/>
+              <a:gd name="connsiteY9" fmla="*/ 1074063 h 1433281"/>
+              <a:gd name="connsiteX10" fmla="*/ 8541658 w 8541658"/>
+              <a:gd name="connsiteY10" fmla="*/ 1074059 h 1433281"/>
+              <a:gd name="connsiteX11" fmla="*/ 8326841 w 8541658"/>
+              <a:gd name="connsiteY11" fmla="*/ 1288876 h 1433281"/>
+              <a:gd name="connsiteX12" fmla="*/ 1852144 w 8541658"/>
+              <a:gd name="connsiteY12" fmla="*/ 1288876 h 1433281"/>
+              <a:gd name="connsiteX13" fmla="*/ 1864467 w 8541658"/>
+              <a:gd name="connsiteY13" fmla="*/ 1433281 h 1433281"/>
+              <a:gd name="connsiteX14" fmla="*/ 1423610 w 8541658"/>
+              <a:gd name="connsiteY14" fmla="*/ 1288876 h 1433281"/>
+              <a:gd name="connsiteX15" fmla="*/ 214817 w 8541658"/>
+              <a:gd name="connsiteY15" fmla="*/ 1288876 h 1433281"/>
+              <a:gd name="connsiteX16" fmla="*/ 0 w 8541658"/>
+              <a:gd name="connsiteY16" fmla="*/ 1074059 h 1433281"/>
+              <a:gd name="connsiteX17" fmla="*/ 0 w 8541658"/>
+              <a:gd name="connsiteY17" fmla="*/ 1074063 h 1433281"/>
+              <a:gd name="connsiteX18" fmla="*/ 0 w 8541658"/>
+              <a:gd name="connsiteY18" fmla="*/ 751844 h 1433281"/>
+              <a:gd name="connsiteX19" fmla="*/ 0 w 8541658"/>
+              <a:gd name="connsiteY19" fmla="*/ 751844 h 1433281"/>
+              <a:gd name="connsiteX20" fmla="*/ 0 w 8541658"/>
+              <a:gd name="connsiteY20" fmla="*/ 214817 h 1433281"/>
+            </a:gdLst>
+            <a:ahLst/>
+            <a:cxnLst>
+              <a:cxn ang="0">
+                <a:pos x="connsiteX0" y="connsiteY0"/>
+              </a:cxn>
+              <a:cxn ang="0">
+                <a:pos x="connsiteX1" y="connsiteY1"/>
+              </a:cxn>
+              <a:cxn ang="0">
+                <a:pos x="connsiteX2" y="connsiteY2"/>
+              </a:cxn>
+              <a:cxn ang="0">
+                <a:pos x="connsiteX3" y="connsiteY3"/>
+              </a:cxn>
+              <a:cxn ang="0">
+                <a:pos x="connsiteX4" y="connsiteY4"/>
+              </a:cxn>
+              <a:cxn ang="0">
+                <a:pos x="connsiteX5" y="connsiteY5"/>
+              </a:cxn>
+              <a:cxn ang="0">
+                <a:pos x="connsiteX6" y="connsiteY6"/>
+              </a:cxn>
+              <a:cxn ang="0">
+                <a:pos x="connsiteX7" y="connsiteY7"/>
+              </a:cxn>
+              <a:cxn ang="0">
+                <a:pos x="connsiteX8" y="connsiteY8"/>
+              </a:cxn>
+              <a:cxn ang="0">
+                <a:pos x="connsiteX9" y="connsiteY9"/>
+              </a:cxn>
+              <a:cxn ang="0">
+                <a:pos x="connsiteX10" y="connsiteY10"/>
+              </a:cxn>
+              <a:cxn ang="0">
+                <a:pos x="connsiteX11" y="connsiteY11"/>
+              </a:cxn>
+              <a:cxn ang="0">
+                <a:pos x="connsiteX12" y="connsiteY12"/>
+              </a:cxn>
+              <a:cxn ang="0">
+                <a:pos x="connsiteX13" y="connsiteY13"/>
+              </a:cxn>
+              <a:cxn ang="0">
+                <a:pos x="connsiteX14" y="connsiteY14"/>
+              </a:cxn>
+              <a:cxn ang="0">
+                <a:pos x="connsiteX15" y="connsiteY15"/>
+              </a:cxn>
+              <a:cxn ang="0">
+                <a:pos x="connsiteX16" y="connsiteY16"/>
+              </a:cxn>
+              <a:cxn ang="0">
+                <a:pos x="connsiteX17" y="connsiteY17"/>
+              </a:cxn>
+              <a:cxn ang="0">
+                <a:pos x="connsiteX18" y="connsiteY18"/>
+              </a:cxn>
+              <a:cxn ang="0">
+                <a:pos x="connsiteX19" y="connsiteY19"/>
+              </a:cxn>
+              <a:cxn ang="0">
+                <a:pos x="connsiteX20" y="connsiteY20"/>
+              </a:cxn>
+            </a:cxnLst>
+            <a:rect l="l" t="t" r="r" b="b"/>
+            <a:pathLst>
+              <a:path w="8541658" h="1433281">
+                <a:moveTo>
+                  <a:pt x="0" y="214817"/>
+                </a:moveTo>
+                <a:cubicBezTo>
+                  <a:pt x="0" y="96177"/>
+                  <a:pt x="96177" y="0"/>
+                  <a:pt x="214817" y="0"/>
+                </a:cubicBezTo>
+                <a:lnTo>
+                  <a:pt x="1423610" y="0"/>
+                </a:lnTo>
+                <a:lnTo>
+                  <a:pt x="1423610" y="0"/>
+                </a:lnTo>
+                <a:lnTo>
+                  <a:pt x="3559024" y="0"/>
+                </a:lnTo>
+                <a:lnTo>
+                  <a:pt x="8326841" y="0"/>
+                </a:lnTo>
+                <a:cubicBezTo>
+                  <a:pt x="8445481" y="0"/>
+                  <a:pt x="8541658" y="96177"/>
+                  <a:pt x="8541658" y="214817"/>
+                </a:cubicBezTo>
+                <a:lnTo>
+                  <a:pt x="8541658" y="751844"/>
+                </a:lnTo>
+                <a:lnTo>
+                  <a:pt x="8541658" y="751844"/>
+                </a:lnTo>
+                <a:lnTo>
+                  <a:pt x="8541658" y="1074063"/>
+                </a:lnTo>
+                <a:lnTo>
+                  <a:pt x="8541658" y="1074059"/>
+                </a:lnTo>
+                <a:cubicBezTo>
+                  <a:pt x="8541658" y="1192699"/>
+                  <a:pt x="8445481" y="1288876"/>
+                  <a:pt x="8326841" y="1288876"/>
+                </a:cubicBezTo>
+                <a:lnTo>
+                  <a:pt x="1852144" y="1288876"/>
+                </a:lnTo>
+                <a:lnTo>
+                  <a:pt x="1864467" y="1433281"/>
+                </a:lnTo>
+                <a:lnTo>
+                  <a:pt x="1423610" y="1288876"/>
+                </a:lnTo>
+                <a:lnTo>
+                  <a:pt x="214817" y="1288876"/>
+                </a:lnTo>
+                <a:cubicBezTo>
+                  <a:pt x="96177" y="1288876"/>
+                  <a:pt x="0" y="1192699"/>
+                  <a:pt x="0" y="1074059"/>
+                </a:cubicBezTo>
+                <a:lnTo>
+                  <a:pt x="0" y="1074063"/>
+                </a:lnTo>
+                <a:lnTo>
+                  <a:pt x="0" y="751844"/>
+                </a:lnTo>
+                <a:lnTo>
+                  <a:pt x="0" y="751844"/>
+                </a:lnTo>
+                <a:lnTo>
+                  <a:pt x="0" y="214817"/>
+                </a:lnTo>
+                <a:close/>
+              </a:path>
+            </a:pathLst>
+          </a:custGeom>
+          <a:solidFill>
+            <a:srgbClr val="03C924"/>
+          </a:solidFill>
+          <a:ln>
+            <a:noFill/>
+          </a:ln>
+        </p:spPr>
+        <p:style>
+          <a:lnRef idx="2">
+            <a:schemeClr val="accent1">
+              <a:shade val="50000"/>
+            </a:schemeClr>
+          </a:lnRef>
+          <a:fillRef idx="1">
+            <a:schemeClr val="accent1"/>
+          </a:fillRef>
+          <a:effectRef idx="0">
+            <a:schemeClr val="accent1"/>
+          </a:effectRef>
+          <a:fontRef idx="minor">
+            <a:schemeClr val="lt1"/>
+          </a:fontRef>
+        </p:style>
+        <p:txBody>
+          <a:bodyPr lIns="143983" tIns="143983" rIns="143983" bIns="0" rtlCol="0" anchor="ctr"/>
+          <a:lstStyle/>
+          <a:p>
+            <a:r>
+              <a:rPr lang="ja-JP" altLang="en-US" b="1" dirty="0">
+                <a:ea typeface="ＭＳ ゴシック" panose="020B0609070205080204" pitchFamily="49" charset="-128"/>
+              </a:rPr>
+              <a:t>「</a:t>
+            </a:r>
+            <a:r>
+              <a:rPr lang="en-US" altLang="ja-JP" b="1" dirty="0" err="1">
+                <a:ea typeface="ＭＳ ゴシック" panose="020B0609070205080204" pitchFamily="49" charset="-128"/>
+              </a:rPr>
+              <a:t>git</a:t>
+            </a:r>
+            <a:r>
+              <a:rPr lang="en-US" altLang="ja-JP" b="1" dirty="0">
+                <a:ea typeface="ＭＳ ゴシック" panose="020B0609070205080204" pitchFamily="49" charset="-128"/>
+              </a:rPr>
+              <a:t> push</a:t>
+            </a:r>
+            <a:r>
+              <a:rPr lang="ja-JP" altLang="en-US" b="1" dirty="0">
+                <a:ea typeface="ＭＳ ゴシック" panose="020B0609070205080204" pitchFamily="49" charset="-128"/>
+              </a:rPr>
+              <a:t>」を</a:t>
+            </a:r>
+            <a:r>
+              <a:rPr lang="ja-JP" altLang="en-US" b="1" dirty="0" smtClean="0">
+                <a:ea typeface="ＭＳ ゴシック" panose="020B0609070205080204" pitchFamily="49" charset="-128"/>
+              </a:rPr>
+              <a:t>実行。</a:t>
+            </a:r>
+            <a:endParaRPr lang="ja-JP" altLang="en-US" b="1" dirty="0">
+              <a:ea typeface="ＭＳ ゴシック" panose="020B0609070205080204" pitchFamily="49" charset="-128"/>
+            </a:endParaRPr>
+          </a:p>
+          <a:p>
+            <a:r>
+              <a:rPr lang="ja-JP" altLang="en-US" b="1" dirty="0" smtClean="0">
+                <a:ea typeface="ＭＳ ゴシック" panose="020B0609070205080204" pitchFamily="49" charset="-128"/>
+              </a:rPr>
+              <a:t>ローカルリポジトリで</a:t>
+            </a:r>
+            <a:r>
+              <a:rPr lang="ja-JP" altLang="en-US" b="1" dirty="0">
+                <a:ea typeface="ＭＳ ゴシック" panose="020B0609070205080204" pitchFamily="49" charset="-128"/>
+              </a:rPr>
+              <a:t>作られたコミットが全て</a:t>
+            </a:r>
+            <a:r>
+              <a:rPr lang="ja-JP" altLang="en-US" b="1" dirty="0" smtClean="0">
+                <a:ea typeface="ＭＳ ゴシック" panose="020B0609070205080204" pitchFamily="49" charset="-128"/>
+              </a:rPr>
+              <a:t>リモートリポジトリに</a:t>
+            </a:r>
+            <a:r>
+              <a:rPr lang="ja-JP" altLang="en-US" b="1" dirty="0">
+                <a:ea typeface="ＭＳ ゴシック" panose="020B0609070205080204" pitchFamily="49" charset="-128"/>
+              </a:rPr>
+              <a:t>送られ</a:t>
+            </a:r>
+            <a:r>
+              <a:rPr lang="ja-JP" altLang="en-US" b="1" dirty="0" smtClean="0">
+                <a:ea typeface="ＭＳ ゴシック" panose="020B0609070205080204" pitchFamily="49" charset="-128"/>
+              </a:rPr>
+              <a:t>、</a:t>
+            </a:r>
+            <a:endParaRPr lang="en-US" altLang="ja-JP" b="1" dirty="0" smtClean="0">
+              <a:ea typeface="ＭＳ ゴシック" panose="020B0609070205080204" pitchFamily="49" charset="-128"/>
+            </a:endParaRPr>
+          </a:p>
+          <a:p>
+            <a:r>
+              <a:rPr lang="ja-JP" altLang="en-US" b="1" dirty="0" smtClean="0">
+                <a:ea typeface="ＭＳ ゴシック" panose="020B0609070205080204" pitchFamily="49" charset="-128"/>
+              </a:rPr>
+              <a:t>各参照</a:t>
+            </a:r>
+            <a:r>
+              <a:rPr lang="ja-JP" altLang="en-US" b="1" dirty="0">
+                <a:ea typeface="ＭＳ ゴシック" panose="020B0609070205080204" pitchFamily="49" charset="-128"/>
+              </a:rPr>
+              <a:t>も更新され、</a:t>
+            </a:r>
+            <a:r>
+              <a:rPr lang="ja-JP" altLang="en-US" b="1" dirty="0" smtClean="0">
+                <a:ea typeface="ＭＳ ゴシック" panose="020B0609070205080204" pitchFamily="49" charset="-128"/>
+              </a:rPr>
+              <a:t>両リポジトリが</a:t>
+            </a:r>
+            <a:r>
+              <a:rPr lang="ja-JP" altLang="en-US" b="1" dirty="0">
+                <a:ea typeface="ＭＳ ゴシック" panose="020B0609070205080204" pitchFamily="49" charset="-128"/>
+              </a:rPr>
+              <a:t>同期した</a:t>
+            </a:r>
+            <a:r>
+              <a:rPr lang="ja-JP" altLang="en-US" b="1" dirty="0" smtClean="0">
+                <a:ea typeface="ＭＳ ゴシック" panose="020B0609070205080204" pitchFamily="49" charset="-128"/>
+              </a:rPr>
+              <a:t>。</a:t>
+            </a:r>
+            <a:endParaRPr lang="en-US" altLang="ja-JP" b="1" dirty="0" smtClean="0">
+              <a:ea typeface="ＭＳ ゴシック" panose="020B0609070205080204" pitchFamily="49" charset="-128"/>
+            </a:endParaRPr>
+          </a:p>
+          <a:p>
+            <a:endParaRPr lang="ja-JP" altLang="en-US" b="1" dirty="0">
+              <a:ea typeface="ＭＳ ゴシック" panose="020B0609070205080204" pitchFamily="49" charset="-128"/>
+            </a:endParaRPr>
+          </a:p>
+        </p:txBody>
+      </p:sp>
     </p:spTree>
     <p:extLst>
       <p:ext uri="{BB962C8B-B14F-4D97-AF65-F5344CB8AC3E}">
